--- a/PowerPoint/ProgettoVS.pptx
+++ b/PowerPoint/ProgettoVS.pptx
@@ -3,20 +3,22 @@
 <p:presentation xmlns:a="http://schemas.openxmlformats.org/drawingml/2006/main" xmlns:r="http://schemas.openxmlformats.org/officeDocument/2006/relationships" xmlns:p="http://schemas.openxmlformats.org/presentationml/2006/main" saveSubsetFonts="1">
   <p:sldMasterIdLst>
     <p:sldMasterId id="2147483648" r:id="rId1"/>
+    <p:sldMasterId id="2147483660" r:id="rId2"/>
   </p:sldMasterIdLst>
   <p:notesMasterIdLst>
-    <p:notesMasterId r:id="rId11"/>
+    <p:notesMasterId r:id="rId13"/>
   </p:notesMasterIdLst>
   <p:sldIdLst>
-    <p:sldId id="257" r:id="rId2"/>
-    <p:sldId id="256" r:id="rId3"/>
-    <p:sldId id="258" r:id="rId4"/>
-    <p:sldId id="259" r:id="rId5"/>
-    <p:sldId id="263" r:id="rId6"/>
-    <p:sldId id="260" r:id="rId7"/>
-    <p:sldId id="261" r:id="rId8"/>
-    <p:sldId id="262" r:id="rId9"/>
-    <p:sldId id="264" r:id="rId10"/>
+    <p:sldId id="257" r:id="rId3"/>
+    <p:sldId id="256" r:id="rId4"/>
+    <p:sldId id="258" r:id="rId5"/>
+    <p:sldId id="259" r:id="rId6"/>
+    <p:sldId id="263" r:id="rId7"/>
+    <p:sldId id="260" r:id="rId8"/>
+    <p:sldId id="261" r:id="rId9"/>
+    <p:sldId id="268" r:id="rId10"/>
+    <p:sldId id="262" r:id="rId11"/>
+    <p:sldId id="264" r:id="rId12"/>
   </p:sldIdLst>
   <p:sldSz cx="12192000" cy="6858000"/>
   <p:notesSz cx="6858000" cy="9144000"/>
@@ -2425,17 +2427,17 @@
         <a:lstStyle/>
         <a:p>
           <a:r>
-            <a:rPr lang="it-IT"/>
+            <a:rPr lang="it-IT" dirty="0"/>
             <a:t>Dati sull’inquinamento</a:t>
           </a:r>
         </a:p>
         <a:p>
           <a:r>
-            <a:rPr lang="it-IT"/>
+            <a:rPr lang="it-IT" dirty="0"/>
             <a:t>https://www.dati.gov.it/</a:t>
           </a:r>
           <a:r>
-            <a:rPr lang="en-US"/>
+            <a:rPr lang="en-US" dirty="0"/>
             <a:t> </a:t>
           </a:r>
         </a:p>
@@ -3235,7 +3237,7 @@
             <a:buNone/>
           </a:pPr>
           <a:r>
-            <a:rPr lang="it-IT" sz="5300" kern="1200"/>
+            <a:rPr lang="it-IT" sz="5300" kern="1200" dirty="0"/>
             <a:t>Dati sull’inquinamento</a:t>
           </a:r>
         </a:p>
@@ -3253,11 +3255,11 @@
             <a:buNone/>
           </a:pPr>
           <a:r>
-            <a:rPr lang="it-IT" sz="5300" kern="1200"/>
+            <a:rPr lang="it-IT" sz="5300" kern="1200" dirty="0"/>
             <a:t>https://www.dati.gov.it/</a:t>
           </a:r>
           <a:r>
-            <a:rPr lang="en-US" sz="5300" kern="1200"/>
+            <a:rPr lang="en-US" sz="5300" kern="1200" dirty="0"/>
             <a:t> </a:t>
           </a:r>
         </a:p>
@@ -8212,7 +8214,7 @@
           <a:p>
             <a:fld id="{C85ED425-557F-4845-9853-579AD0544180}" type="datetimeFigureOut">
               <a:rPr lang="it-IT" smtClean="0"/>
-              <a:t>28/04/2020</a:t>
+              <a:t>17/05/2020</a:t>
             </a:fld>
             <a:endParaRPr lang="it-IT"/>
           </a:p>
@@ -8370,7 +8372,7 @@
           <a:p>
             <a:fld id="{C623C155-7B42-4740-BB05-AD07BDB9FE37}" type="slidenum">
               <a:rPr lang="it-IT" smtClean="0"/>
-              <a:t>‹N›</a:t>
+              <a:t>‹#›</a:t>
             </a:fld>
             <a:endParaRPr lang="it-IT"/>
           </a:p>
@@ -8626,7 +8628,7 @@
           <a:p>
             <a:fld id="{BDDA5BA8-0F72-4057-B72F-B912B43C2937}" type="datetimeFigureOut">
               <a:rPr lang="it-IT" smtClean="0"/>
-              <a:t>28/04/2020</a:t>
+              <a:t>17/05/2020</a:t>
             </a:fld>
             <a:endParaRPr lang="it-IT"/>
           </a:p>
@@ -8680,7 +8682,7 @@
           <a:p>
             <a:fld id="{0CF15591-2ACB-4424-897B-E4D101B4C56F}" type="slidenum">
               <a:rPr lang="it-IT" smtClean="0"/>
-              <a:t>‹N›</a:t>
+              <a:t>‹#›</a:t>
             </a:fld>
             <a:endParaRPr lang="it-IT"/>
           </a:p>
@@ -8824,7 +8826,7 @@
           <a:p>
             <a:fld id="{BDDA5BA8-0F72-4057-B72F-B912B43C2937}" type="datetimeFigureOut">
               <a:rPr lang="it-IT" smtClean="0"/>
-              <a:t>28/04/2020</a:t>
+              <a:t>17/05/2020</a:t>
             </a:fld>
             <a:endParaRPr lang="it-IT"/>
           </a:p>
@@ -8878,7 +8880,7 @@
           <a:p>
             <a:fld id="{0CF15591-2ACB-4424-897B-E4D101B4C56F}" type="slidenum">
               <a:rPr lang="it-IT" smtClean="0"/>
-              <a:t>‹N›</a:t>
+              <a:t>‹#›</a:t>
             </a:fld>
             <a:endParaRPr lang="it-IT"/>
           </a:p>
@@ -9032,7 +9034,7 @@
           <a:p>
             <a:fld id="{BDDA5BA8-0F72-4057-B72F-B912B43C2937}" type="datetimeFigureOut">
               <a:rPr lang="it-IT" smtClean="0"/>
-              <a:t>28/04/2020</a:t>
+              <a:t>17/05/2020</a:t>
             </a:fld>
             <a:endParaRPr lang="it-IT"/>
           </a:p>
@@ -9086,7 +9088,7 @@
           <a:p>
             <a:fld id="{0CF15591-2ACB-4424-897B-E4D101B4C56F}" type="slidenum">
               <a:rPr lang="it-IT" smtClean="0"/>
-              <a:t>‹N›</a:t>
+              <a:t>‹#›</a:t>
             </a:fld>
             <a:endParaRPr lang="it-IT"/>
           </a:p>
@@ -9105,9 +9107,9 @@
 </p:sldLayout>
 </file>
 
-<file path=ppt/slideLayouts/slideLayout2.xml><?xml version="1.0" encoding="utf-8"?>
-<p:sldLayout xmlns:a="http://schemas.openxmlformats.org/drawingml/2006/main" xmlns:r="http://schemas.openxmlformats.org/officeDocument/2006/relationships" xmlns:p="http://schemas.openxmlformats.org/presentationml/2006/main" type="obj" preserve="1">
-  <p:cSld name="Titolo e contenuto">
+<file path=ppt/slideLayouts/slideLayout12.xml><?xml version="1.0" encoding="utf-8"?>
+<p:sldLayout xmlns:a="http://schemas.openxmlformats.org/drawingml/2006/main" xmlns:r="http://schemas.openxmlformats.org/officeDocument/2006/relationships" xmlns:p="http://schemas.openxmlformats.org/presentationml/2006/main" type="title" preserve="1">
+  <p:cSld name="Title Slide">
     <p:spTree>
       <p:nvGrpSpPr>
         <p:cNvPr id="1" name=""/>
@@ -9124,10 +9126,10 @@
       </p:grpSpPr>
       <p:sp>
         <p:nvSpPr>
-          <p:cNvPr id="2" name="Titolo 1">
+          <p:cNvPr id="2" name="Title 1">
             <a:extLst>
               <a:ext uri="{FF2B5EF4-FFF2-40B4-BE49-F238E27FC236}">
-                <a16:creationId xmlns:a16="http://schemas.microsoft.com/office/drawing/2014/main" id="{831C3509-E42A-4D19-B56B-E461C346E3CA}"/>
+                <a16:creationId xmlns:a16="http://schemas.microsoft.com/office/drawing/2014/main" id="{B9EF4149-8004-4793-A801-B214FBA41DAD}"/>
               </a:ext>
             </a:extLst>
           </p:cNvPr>
@@ -9135,27 +9137,37 @@
             <a:spLocks noGrp="1"/>
           </p:cNvSpPr>
           <p:nvPr>
-            <p:ph type="title"/>
+            <p:ph type="ctrTitle"/>
           </p:nvPr>
         </p:nvSpPr>
-        <p:spPr/>
+        <p:spPr>
+          <a:xfrm>
+            <a:off x="1524000" y="1122363"/>
+            <a:ext cx="9144000" cy="2387600"/>
+          </a:xfrm>
+        </p:spPr>
         <p:txBody>
-          <a:bodyPr/>
-          <a:lstStyle/>
+          <a:bodyPr anchor="b"/>
+          <a:lstStyle>
+            <a:lvl1pPr algn="ctr">
+              <a:defRPr sz="6000"/>
+            </a:lvl1pPr>
+          </a:lstStyle>
           <a:p>
             <a:r>
-              <a:rPr lang="it-IT"/>
-              <a:t>Fare clic per modificare lo stile del titolo dello schema</a:t>
+              <a:rPr lang="en-US"/>
+              <a:t>Click to edit Master title style</a:t>
             </a:r>
+            <a:endParaRPr lang="it-IT"/>
           </a:p>
         </p:txBody>
       </p:sp>
       <p:sp>
         <p:nvSpPr>
-          <p:cNvPr id="3" name="Segnaposto contenuto 2">
+          <p:cNvPr id="3" name="Subtitle 2">
             <a:extLst>
               <a:ext uri="{FF2B5EF4-FFF2-40B4-BE49-F238E27FC236}">
-                <a16:creationId xmlns:a16="http://schemas.microsoft.com/office/drawing/2014/main" id="{F2C97290-49AC-436E-82B1-98EC7AEBAA42}"/>
+                <a16:creationId xmlns:a16="http://schemas.microsoft.com/office/drawing/2014/main" id="{3BA17348-CE61-4E10-BC30-E58B3B8D36B2}"/>
               </a:ext>
             </a:extLst>
           </p:cNvPr>
@@ -9163,56 +9175,70 @@
             <a:spLocks noGrp="1"/>
           </p:cNvSpPr>
           <p:nvPr>
-            <p:ph idx="1"/>
+            <p:ph type="subTitle" idx="1"/>
           </p:nvPr>
         </p:nvSpPr>
-        <p:spPr/>
+        <p:spPr>
+          <a:xfrm>
+            <a:off x="1524000" y="3602038"/>
+            <a:ext cx="9144000" cy="1655762"/>
+          </a:xfrm>
+        </p:spPr>
         <p:txBody>
           <a:bodyPr/>
-          <a:lstStyle/>
-          <a:p>
-            <a:pPr lvl="0"/>
+          <a:lstStyle>
+            <a:lvl1pPr marL="0" indent="0" algn="ctr">
+              <a:buNone/>
+              <a:defRPr sz="2400"/>
+            </a:lvl1pPr>
+            <a:lvl2pPr marL="457200" indent="0" algn="ctr">
+              <a:buNone/>
+              <a:defRPr sz="2000"/>
+            </a:lvl2pPr>
+            <a:lvl3pPr marL="914400" indent="0" algn="ctr">
+              <a:buNone/>
+              <a:defRPr sz="1800"/>
+            </a:lvl3pPr>
+            <a:lvl4pPr marL="1371600" indent="0" algn="ctr">
+              <a:buNone/>
+              <a:defRPr sz="1600"/>
+            </a:lvl4pPr>
+            <a:lvl5pPr marL="1828800" indent="0" algn="ctr">
+              <a:buNone/>
+              <a:defRPr sz="1600"/>
+            </a:lvl5pPr>
+            <a:lvl6pPr marL="2286000" indent="0" algn="ctr">
+              <a:buNone/>
+              <a:defRPr sz="1600"/>
+            </a:lvl6pPr>
+            <a:lvl7pPr marL="2743200" indent="0" algn="ctr">
+              <a:buNone/>
+              <a:defRPr sz="1600"/>
+            </a:lvl7pPr>
+            <a:lvl8pPr marL="3200400" indent="0" algn="ctr">
+              <a:buNone/>
+              <a:defRPr sz="1600"/>
+            </a:lvl8pPr>
+            <a:lvl9pPr marL="3657600" indent="0" algn="ctr">
+              <a:buNone/>
+              <a:defRPr sz="1600"/>
+            </a:lvl9pPr>
+          </a:lstStyle>
+          <a:p>
             <a:r>
-              <a:rPr lang="it-IT"/>
-              <a:t>Fare clic per modificare gli stili del testo dello schema</a:t>
+              <a:rPr lang="en-US"/>
+              <a:t>Click to edit Master subtitle style</a:t>
             </a:r>
-          </a:p>
-          <a:p>
-            <a:pPr lvl="1"/>
-            <a:r>
-              <a:rPr lang="it-IT"/>
-              <a:t>Secondo livello</a:t>
-            </a:r>
-          </a:p>
-          <a:p>
-            <a:pPr lvl="2"/>
-            <a:r>
-              <a:rPr lang="it-IT"/>
-              <a:t>Terzo livello</a:t>
-            </a:r>
-          </a:p>
-          <a:p>
-            <a:pPr lvl="3"/>
-            <a:r>
-              <a:rPr lang="it-IT"/>
-              <a:t>Quarto livello</a:t>
-            </a:r>
-          </a:p>
-          <a:p>
-            <a:pPr lvl="4"/>
-            <a:r>
-              <a:rPr lang="it-IT"/>
-              <a:t>Quinto livello</a:t>
-            </a:r>
+            <a:endParaRPr lang="it-IT"/>
           </a:p>
         </p:txBody>
       </p:sp>
       <p:sp>
         <p:nvSpPr>
-          <p:cNvPr id="4" name="Segnaposto data 3">
+          <p:cNvPr id="4" name="Date Placeholder 3">
             <a:extLst>
               <a:ext uri="{FF2B5EF4-FFF2-40B4-BE49-F238E27FC236}">
-                <a16:creationId xmlns:a16="http://schemas.microsoft.com/office/drawing/2014/main" id="{0E1E3FD8-BCAC-4AC2-843E-DC91B0AF1476}"/>
+                <a16:creationId xmlns:a16="http://schemas.microsoft.com/office/drawing/2014/main" id="{6741B2C3-C83B-490F-B59F-775A5ABA4BBA}"/>
               </a:ext>
             </a:extLst>
           </p:cNvPr>
@@ -9228,9 +9254,9 @@
           <a:bodyPr/>
           <a:lstStyle/>
           <a:p>
-            <a:fld id="{BDDA5BA8-0F72-4057-B72F-B912B43C2937}" type="datetimeFigureOut">
+            <a:fld id="{A1720CB6-C394-4595-9B0B-B51B5CA3DAC2}" type="datetimeFigureOut">
               <a:rPr lang="it-IT" smtClean="0"/>
-              <a:t>28/04/2020</a:t>
+              <a:t>17/05/2020</a:t>
             </a:fld>
             <a:endParaRPr lang="it-IT"/>
           </a:p>
@@ -9238,10 +9264,10 @@
       </p:sp>
       <p:sp>
         <p:nvSpPr>
-          <p:cNvPr id="5" name="Segnaposto piè di pagina 4">
+          <p:cNvPr id="5" name="Footer Placeholder 4">
             <a:extLst>
               <a:ext uri="{FF2B5EF4-FFF2-40B4-BE49-F238E27FC236}">
-                <a16:creationId xmlns:a16="http://schemas.microsoft.com/office/drawing/2014/main" id="{33EEF944-F6C6-4AF9-85E4-7633ECAB2645}"/>
+                <a16:creationId xmlns:a16="http://schemas.microsoft.com/office/drawing/2014/main" id="{FCBF165C-D998-4A7B-8818-1B9CB525B347}"/>
               </a:ext>
             </a:extLst>
           </p:cNvPr>
@@ -9263,10 +9289,10 @@
       </p:sp>
       <p:sp>
         <p:nvSpPr>
-          <p:cNvPr id="6" name="Segnaposto numero diapositiva 5">
+          <p:cNvPr id="6" name="Slide Number Placeholder 5">
             <a:extLst>
               <a:ext uri="{FF2B5EF4-FFF2-40B4-BE49-F238E27FC236}">
-                <a16:creationId xmlns:a16="http://schemas.microsoft.com/office/drawing/2014/main" id="{1274056B-544C-4A72-AC0C-028BEED7F427}"/>
+                <a16:creationId xmlns:a16="http://schemas.microsoft.com/office/drawing/2014/main" id="{57C9FD22-8094-4A5E-B12A-6A7F7D77937F}"/>
               </a:ext>
             </a:extLst>
           </p:cNvPr>
@@ -9282,9 +9308,9 @@
           <a:bodyPr/>
           <a:lstStyle/>
           <a:p>
-            <a:fld id="{0CF15591-2ACB-4424-897B-E4D101B4C56F}" type="slidenum">
+            <a:fld id="{806D785F-B482-492C-9FD2-1B9F7AB891B9}" type="slidenum">
               <a:rPr lang="it-IT" smtClean="0"/>
-              <a:t>‹N›</a:t>
+              <a:t>‹#›</a:t>
             </a:fld>
             <a:endParaRPr lang="it-IT"/>
           </a:p>
@@ -9293,7 +9319,7 @@
     </p:spTree>
     <p:extLst>
       <p:ext uri="{BB962C8B-B14F-4D97-AF65-F5344CB8AC3E}">
-        <p14:creationId xmlns:p14="http://schemas.microsoft.com/office/powerpoint/2010/main" val="3792940251"/>
+        <p14:creationId xmlns:p14="http://schemas.microsoft.com/office/powerpoint/2010/main" val="3957203631"/>
       </p:ext>
     </p:extLst>
   </p:cSld>
@@ -9303,9 +9329,9 @@
 </p:sldLayout>
 </file>
 
-<file path=ppt/slideLayouts/slideLayout3.xml><?xml version="1.0" encoding="utf-8"?>
-<p:sldLayout xmlns:a="http://schemas.openxmlformats.org/drawingml/2006/main" xmlns:r="http://schemas.openxmlformats.org/officeDocument/2006/relationships" xmlns:p="http://schemas.openxmlformats.org/presentationml/2006/main" type="secHead" preserve="1">
-  <p:cSld name="Intestazione sezione">
+<file path=ppt/slideLayouts/slideLayout13.xml><?xml version="1.0" encoding="utf-8"?>
+<p:sldLayout xmlns:a="http://schemas.openxmlformats.org/drawingml/2006/main" xmlns:r="http://schemas.openxmlformats.org/officeDocument/2006/relationships" xmlns:p="http://schemas.openxmlformats.org/presentationml/2006/main" type="obj" preserve="1">
+  <p:cSld name="Title and Content">
     <p:spTree>
       <p:nvGrpSpPr>
         <p:cNvPr id="1" name=""/>
@@ -9322,10 +9348,210 @@
       </p:grpSpPr>
       <p:sp>
         <p:nvSpPr>
-          <p:cNvPr id="2" name="Titolo 1">
+          <p:cNvPr id="2" name="Title 1">
             <a:extLst>
               <a:ext uri="{FF2B5EF4-FFF2-40B4-BE49-F238E27FC236}">
-                <a16:creationId xmlns:a16="http://schemas.microsoft.com/office/drawing/2014/main" id="{E6694D58-D0EB-4951-BB73-924BE966A20A}"/>
+                <a16:creationId xmlns:a16="http://schemas.microsoft.com/office/drawing/2014/main" id="{7C53E9ED-7DC9-43D0-AF39-BEC81266C463}"/>
+              </a:ext>
+            </a:extLst>
+          </p:cNvPr>
+          <p:cNvSpPr>
+            <a:spLocks noGrp="1"/>
+          </p:cNvSpPr>
+          <p:nvPr>
+            <p:ph type="title"/>
+          </p:nvPr>
+        </p:nvSpPr>
+        <p:spPr/>
+        <p:txBody>
+          <a:bodyPr/>
+          <a:lstStyle/>
+          <a:p>
+            <a:r>
+              <a:rPr lang="en-US"/>
+              <a:t>Click to edit Master title style</a:t>
+            </a:r>
+            <a:endParaRPr lang="it-IT"/>
+          </a:p>
+        </p:txBody>
+      </p:sp>
+      <p:sp>
+        <p:nvSpPr>
+          <p:cNvPr id="3" name="Content Placeholder 2">
+            <a:extLst>
+              <a:ext uri="{FF2B5EF4-FFF2-40B4-BE49-F238E27FC236}">
+                <a16:creationId xmlns:a16="http://schemas.microsoft.com/office/drawing/2014/main" id="{DF4EBE3F-C18C-4672-A127-BC948385D864}"/>
+              </a:ext>
+            </a:extLst>
+          </p:cNvPr>
+          <p:cNvSpPr>
+            <a:spLocks noGrp="1"/>
+          </p:cNvSpPr>
+          <p:nvPr>
+            <p:ph idx="1"/>
+          </p:nvPr>
+        </p:nvSpPr>
+        <p:spPr/>
+        <p:txBody>
+          <a:bodyPr/>
+          <a:lstStyle/>
+          <a:p>
+            <a:pPr lvl="0"/>
+            <a:r>
+              <a:rPr lang="en-US"/>
+              <a:t>Click to edit Master text styles</a:t>
+            </a:r>
+          </a:p>
+          <a:p>
+            <a:pPr lvl="1"/>
+            <a:r>
+              <a:rPr lang="en-US"/>
+              <a:t>Second level</a:t>
+            </a:r>
+          </a:p>
+          <a:p>
+            <a:pPr lvl="2"/>
+            <a:r>
+              <a:rPr lang="en-US"/>
+              <a:t>Third level</a:t>
+            </a:r>
+          </a:p>
+          <a:p>
+            <a:pPr lvl="3"/>
+            <a:r>
+              <a:rPr lang="en-US"/>
+              <a:t>Fourth level</a:t>
+            </a:r>
+          </a:p>
+          <a:p>
+            <a:pPr lvl="4"/>
+            <a:r>
+              <a:rPr lang="en-US"/>
+              <a:t>Fifth level</a:t>
+            </a:r>
+            <a:endParaRPr lang="it-IT"/>
+          </a:p>
+        </p:txBody>
+      </p:sp>
+      <p:sp>
+        <p:nvSpPr>
+          <p:cNvPr id="4" name="Date Placeholder 3">
+            <a:extLst>
+              <a:ext uri="{FF2B5EF4-FFF2-40B4-BE49-F238E27FC236}">
+                <a16:creationId xmlns:a16="http://schemas.microsoft.com/office/drawing/2014/main" id="{D944E2F9-BCA6-4194-9F89-8D3D7F5C8506}"/>
+              </a:ext>
+            </a:extLst>
+          </p:cNvPr>
+          <p:cNvSpPr>
+            <a:spLocks noGrp="1"/>
+          </p:cNvSpPr>
+          <p:nvPr>
+            <p:ph type="dt" sz="half" idx="10"/>
+          </p:nvPr>
+        </p:nvSpPr>
+        <p:spPr/>
+        <p:txBody>
+          <a:bodyPr/>
+          <a:lstStyle/>
+          <a:p>
+            <a:fld id="{A1720CB6-C394-4595-9B0B-B51B5CA3DAC2}" type="datetimeFigureOut">
+              <a:rPr lang="it-IT" smtClean="0"/>
+              <a:t>17/05/2020</a:t>
+            </a:fld>
+            <a:endParaRPr lang="it-IT"/>
+          </a:p>
+        </p:txBody>
+      </p:sp>
+      <p:sp>
+        <p:nvSpPr>
+          <p:cNvPr id="5" name="Footer Placeholder 4">
+            <a:extLst>
+              <a:ext uri="{FF2B5EF4-FFF2-40B4-BE49-F238E27FC236}">
+                <a16:creationId xmlns:a16="http://schemas.microsoft.com/office/drawing/2014/main" id="{3328A437-E64F-4603-BAEB-1F959B49C054}"/>
+              </a:ext>
+            </a:extLst>
+          </p:cNvPr>
+          <p:cNvSpPr>
+            <a:spLocks noGrp="1"/>
+          </p:cNvSpPr>
+          <p:nvPr>
+            <p:ph type="ftr" sz="quarter" idx="11"/>
+          </p:nvPr>
+        </p:nvSpPr>
+        <p:spPr/>
+        <p:txBody>
+          <a:bodyPr/>
+          <a:lstStyle/>
+          <a:p>
+            <a:endParaRPr lang="it-IT"/>
+          </a:p>
+        </p:txBody>
+      </p:sp>
+      <p:sp>
+        <p:nvSpPr>
+          <p:cNvPr id="6" name="Slide Number Placeholder 5">
+            <a:extLst>
+              <a:ext uri="{FF2B5EF4-FFF2-40B4-BE49-F238E27FC236}">
+                <a16:creationId xmlns:a16="http://schemas.microsoft.com/office/drawing/2014/main" id="{15286E5B-A560-4B96-82CC-714C421BA953}"/>
+              </a:ext>
+            </a:extLst>
+          </p:cNvPr>
+          <p:cNvSpPr>
+            <a:spLocks noGrp="1"/>
+          </p:cNvSpPr>
+          <p:nvPr>
+            <p:ph type="sldNum" sz="quarter" idx="12"/>
+          </p:nvPr>
+        </p:nvSpPr>
+        <p:spPr/>
+        <p:txBody>
+          <a:bodyPr/>
+          <a:lstStyle/>
+          <a:p>
+            <a:fld id="{806D785F-B482-492C-9FD2-1B9F7AB891B9}" type="slidenum">
+              <a:rPr lang="it-IT" smtClean="0"/>
+              <a:t>‹#›</a:t>
+            </a:fld>
+            <a:endParaRPr lang="it-IT"/>
+          </a:p>
+        </p:txBody>
+      </p:sp>
+    </p:spTree>
+    <p:extLst>
+      <p:ext uri="{BB962C8B-B14F-4D97-AF65-F5344CB8AC3E}">
+        <p14:creationId xmlns:p14="http://schemas.microsoft.com/office/powerpoint/2010/main" val="877447384"/>
+      </p:ext>
+    </p:extLst>
+  </p:cSld>
+  <p:clrMapOvr>
+    <a:masterClrMapping/>
+  </p:clrMapOvr>
+</p:sldLayout>
+</file>
+
+<file path=ppt/slideLayouts/slideLayout14.xml><?xml version="1.0" encoding="utf-8"?>
+<p:sldLayout xmlns:a="http://schemas.openxmlformats.org/drawingml/2006/main" xmlns:r="http://schemas.openxmlformats.org/officeDocument/2006/relationships" xmlns:p="http://schemas.openxmlformats.org/presentationml/2006/main" type="secHead" preserve="1">
+  <p:cSld name="Section Header">
+    <p:spTree>
+      <p:nvGrpSpPr>
+        <p:cNvPr id="1" name=""/>
+        <p:cNvGrpSpPr/>
+        <p:nvPr/>
+      </p:nvGrpSpPr>
+      <p:grpSpPr>
+        <a:xfrm>
+          <a:off x="0" y="0"/>
+          <a:ext cx="0" cy="0"/>
+          <a:chOff x="0" y="0"/>
+          <a:chExt cx="0" cy="0"/>
+        </a:xfrm>
+      </p:grpSpPr>
+      <p:sp>
+        <p:nvSpPr>
+          <p:cNvPr id="2" name="Title 1">
+            <a:extLst>
+              <a:ext uri="{FF2B5EF4-FFF2-40B4-BE49-F238E27FC236}">
+                <a16:creationId xmlns:a16="http://schemas.microsoft.com/office/drawing/2014/main" id="{48D88EAE-6C77-4268-9E46-7B3223C33B1F}"/>
               </a:ext>
             </a:extLst>
           </p:cNvPr>
@@ -9351,18 +9577,19 @@
           </a:lstStyle>
           <a:p>
             <a:r>
-              <a:rPr lang="it-IT"/>
-              <a:t>Fare clic per modificare lo stile del titolo dello schema</a:t>
+              <a:rPr lang="en-US"/>
+              <a:t>Click to edit Master title style</a:t>
             </a:r>
+            <a:endParaRPr lang="it-IT"/>
           </a:p>
         </p:txBody>
       </p:sp>
       <p:sp>
         <p:nvSpPr>
-          <p:cNvPr id="3" name="Segnaposto testo 2">
+          <p:cNvPr id="3" name="Text Placeholder 2">
             <a:extLst>
               <a:ext uri="{FF2B5EF4-FFF2-40B4-BE49-F238E27FC236}">
-                <a16:creationId xmlns:a16="http://schemas.microsoft.com/office/drawing/2014/main" id="{7AE3B756-5B7E-4713-B308-5AEBE5B82AE2}"/>
+                <a16:creationId xmlns:a16="http://schemas.microsoft.com/office/drawing/2014/main" id="{A9976BFF-102A-4D89-8A97-46113242B01D}"/>
               </a:ext>
             </a:extLst>
           </p:cNvPr>
@@ -9476,18 +9703,18 @@
           <a:p>
             <a:pPr lvl="0"/>
             <a:r>
-              <a:rPr lang="it-IT"/>
-              <a:t>Fare clic per modificare gli stili del testo dello schema</a:t>
+              <a:rPr lang="en-US"/>
+              <a:t>Click to edit Master text styles</a:t>
             </a:r>
           </a:p>
         </p:txBody>
       </p:sp>
       <p:sp>
         <p:nvSpPr>
-          <p:cNvPr id="4" name="Segnaposto data 3">
+          <p:cNvPr id="4" name="Date Placeholder 3">
             <a:extLst>
               <a:ext uri="{FF2B5EF4-FFF2-40B4-BE49-F238E27FC236}">
-                <a16:creationId xmlns:a16="http://schemas.microsoft.com/office/drawing/2014/main" id="{08BD1C3D-F0CB-45FF-BB8A-B8708FC9C34A}"/>
+                <a16:creationId xmlns:a16="http://schemas.microsoft.com/office/drawing/2014/main" id="{EC044699-743A-4084-AE22-A605291C8645}"/>
               </a:ext>
             </a:extLst>
           </p:cNvPr>
@@ -9503,9 +9730,9 @@
           <a:bodyPr/>
           <a:lstStyle/>
           <a:p>
-            <a:fld id="{BDDA5BA8-0F72-4057-B72F-B912B43C2937}" type="datetimeFigureOut">
+            <a:fld id="{A1720CB6-C394-4595-9B0B-B51B5CA3DAC2}" type="datetimeFigureOut">
               <a:rPr lang="it-IT" smtClean="0"/>
-              <a:t>28/04/2020</a:t>
+              <a:t>17/05/2020</a:t>
             </a:fld>
             <a:endParaRPr lang="it-IT"/>
           </a:p>
@@ -9513,10 +9740,10 @@
       </p:sp>
       <p:sp>
         <p:nvSpPr>
-          <p:cNvPr id="5" name="Segnaposto piè di pagina 4">
+          <p:cNvPr id="5" name="Footer Placeholder 4">
             <a:extLst>
               <a:ext uri="{FF2B5EF4-FFF2-40B4-BE49-F238E27FC236}">
-                <a16:creationId xmlns:a16="http://schemas.microsoft.com/office/drawing/2014/main" id="{57AC0EB6-15D6-4A6E-B255-129484A5EE7D}"/>
+                <a16:creationId xmlns:a16="http://schemas.microsoft.com/office/drawing/2014/main" id="{B101BF3A-4B46-42B1-B5FE-A887AA6CDE65}"/>
               </a:ext>
             </a:extLst>
           </p:cNvPr>
@@ -9538,10 +9765,10 @@
       </p:sp>
       <p:sp>
         <p:nvSpPr>
-          <p:cNvPr id="6" name="Segnaposto numero diapositiva 5">
+          <p:cNvPr id="6" name="Slide Number Placeholder 5">
             <a:extLst>
               <a:ext uri="{FF2B5EF4-FFF2-40B4-BE49-F238E27FC236}">
-                <a16:creationId xmlns:a16="http://schemas.microsoft.com/office/drawing/2014/main" id="{44B52BFA-5FA7-493F-99A8-888B483F6BED}"/>
+                <a16:creationId xmlns:a16="http://schemas.microsoft.com/office/drawing/2014/main" id="{BBE5AFFA-7B9E-489D-B463-D7C5DAE01BF7}"/>
               </a:ext>
             </a:extLst>
           </p:cNvPr>
@@ -9557,9 +9784,9 @@
           <a:bodyPr/>
           <a:lstStyle/>
           <a:p>
-            <a:fld id="{0CF15591-2ACB-4424-897B-E4D101B4C56F}" type="slidenum">
+            <a:fld id="{806D785F-B482-492C-9FD2-1B9F7AB891B9}" type="slidenum">
               <a:rPr lang="it-IT" smtClean="0"/>
-              <a:t>‹N›</a:t>
+              <a:t>‹#›</a:t>
             </a:fld>
             <a:endParaRPr lang="it-IT"/>
           </a:p>
@@ -9568,7 +9795,7 @@
     </p:spTree>
     <p:extLst>
       <p:ext uri="{BB962C8B-B14F-4D97-AF65-F5344CB8AC3E}">
-        <p14:creationId xmlns:p14="http://schemas.microsoft.com/office/powerpoint/2010/main" val="384584841"/>
+        <p14:creationId xmlns:p14="http://schemas.microsoft.com/office/powerpoint/2010/main" val="1322255026"/>
       </p:ext>
     </p:extLst>
   </p:cSld>
@@ -9578,9 +9805,9 @@
 </p:sldLayout>
 </file>
 
-<file path=ppt/slideLayouts/slideLayout4.xml><?xml version="1.0" encoding="utf-8"?>
+<file path=ppt/slideLayouts/slideLayout15.xml><?xml version="1.0" encoding="utf-8"?>
 <p:sldLayout xmlns:a="http://schemas.openxmlformats.org/drawingml/2006/main" xmlns:r="http://schemas.openxmlformats.org/officeDocument/2006/relationships" xmlns:p="http://schemas.openxmlformats.org/presentationml/2006/main" type="twoObj" preserve="1">
-  <p:cSld name="Due contenuti">
+  <p:cSld name="Two Content">
     <p:spTree>
       <p:nvGrpSpPr>
         <p:cNvPr id="1" name=""/>
@@ -9597,10 +9824,10 @@
       </p:grpSpPr>
       <p:sp>
         <p:nvSpPr>
-          <p:cNvPr id="2" name="Titolo 1">
+          <p:cNvPr id="2" name="Title 1">
             <a:extLst>
               <a:ext uri="{FF2B5EF4-FFF2-40B4-BE49-F238E27FC236}">
-                <a16:creationId xmlns:a16="http://schemas.microsoft.com/office/drawing/2014/main" id="{5A991E95-A381-4488-9A2C-78D544ACF63B}"/>
+                <a16:creationId xmlns:a16="http://schemas.microsoft.com/office/drawing/2014/main" id="{45D7CE11-B4EE-4732-9D3D-DF80B51EA2B9}"/>
               </a:ext>
             </a:extLst>
           </p:cNvPr>
@@ -9617,18 +9844,19 @@
           <a:lstStyle/>
           <a:p>
             <a:r>
-              <a:rPr lang="it-IT"/>
-              <a:t>Fare clic per modificare lo stile del titolo dello schema</a:t>
+              <a:rPr lang="en-US"/>
+              <a:t>Click to edit Master title style</a:t>
             </a:r>
+            <a:endParaRPr lang="it-IT"/>
           </a:p>
         </p:txBody>
       </p:sp>
       <p:sp>
         <p:nvSpPr>
-          <p:cNvPr id="3" name="Segnaposto contenuto 2">
+          <p:cNvPr id="3" name="Content Placeholder 2">
             <a:extLst>
               <a:ext uri="{FF2B5EF4-FFF2-40B4-BE49-F238E27FC236}">
-                <a16:creationId xmlns:a16="http://schemas.microsoft.com/office/drawing/2014/main" id="{E8229169-9368-49BE-9405-3D298BD8353B}"/>
+                <a16:creationId xmlns:a16="http://schemas.microsoft.com/office/drawing/2014/main" id="{A10B3686-FD13-465F-A484-621EBE373B52}"/>
               </a:ext>
             </a:extLst>
           </p:cNvPr>
@@ -9651,46 +9879,47 @@
           <a:p>
             <a:pPr lvl="0"/>
             <a:r>
-              <a:rPr lang="it-IT"/>
-              <a:t>Fare clic per modificare gli stili del testo dello schema</a:t>
+              <a:rPr lang="en-US"/>
+              <a:t>Click to edit Master text styles</a:t>
             </a:r>
           </a:p>
           <a:p>
             <a:pPr lvl="1"/>
             <a:r>
-              <a:rPr lang="it-IT"/>
-              <a:t>Secondo livello</a:t>
+              <a:rPr lang="en-US"/>
+              <a:t>Second level</a:t>
             </a:r>
           </a:p>
           <a:p>
             <a:pPr lvl="2"/>
             <a:r>
-              <a:rPr lang="it-IT"/>
-              <a:t>Terzo livello</a:t>
+              <a:rPr lang="en-US"/>
+              <a:t>Third level</a:t>
             </a:r>
           </a:p>
           <a:p>
             <a:pPr lvl="3"/>
             <a:r>
-              <a:rPr lang="it-IT"/>
-              <a:t>Quarto livello</a:t>
+              <a:rPr lang="en-US"/>
+              <a:t>Fourth level</a:t>
             </a:r>
           </a:p>
           <a:p>
             <a:pPr lvl="4"/>
             <a:r>
-              <a:rPr lang="it-IT"/>
-              <a:t>Quinto livello</a:t>
+              <a:rPr lang="en-US"/>
+              <a:t>Fifth level</a:t>
             </a:r>
+            <a:endParaRPr lang="it-IT"/>
           </a:p>
         </p:txBody>
       </p:sp>
       <p:sp>
         <p:nvSpPr>
-          <p:cNvPr id="4" name="Segnaposto contenuto 3">
+          <p:cNvPr id="4" name="Content Placeholder 3">
             <a:extLst>
               <a:ext uri="{FF2B5EF4-FFF2-40B4-BE49-F238E27FC236}">
-                <a16:creationId xmlns:a16="http://schemas.microsoft.com/office/drawing/2014/main" id="{7638926F-BC35-4F0F-8DB2-0CE4E0630F03}"/>
+                <a16:creationId xmlns:a16="http://schemas.microsoft.com/office/drawing/2014/main" id="{2281E6A3-CA88-44CC-AEBC-43D267C1D4F3}"/>
               </a:ext>
             </a:extLst>
           </p:cNvPr>
@@ -9713,46 +9942,47 @@
           <a:p>
             <a:pPr lvl="0"/>
             <a:r>
-              <a:rPr lang="it-IT"/>
-              <a:t>Fare clic per modificare gli stili del testo dello schema</a:t>
+              <a:rPr lang="en-US"/>
+              <a:t>Click to edit Master text styles</a:t>
             </a:r>
           </a:p>
           <a:p>
             <a:pPr lvl="1"/>
             <a:r>
-              <a:rPr lang="it-IT"/>
-              <a:t>Secondo livello</a:t>
+              <a:rPr lang="en-US"/>
+              <a:t>Second level</a:t>
             </a:r>
           </a:p>
           <a:p>
             <a:pPr lvl="2"/>
             <a:r>
-              <a:rPr lang="it-IT"/>
-              <a:t>Terzo livello</a:t>
+              <a:rPr lang="en-US"/>
+              <a:t>Third level</a:t>
             </a:r>
           </a:p>
           <a:p>
             <a:pPr lvl="3"/>
             <a:r>
-              <a:rPr lang="it-IT"/>
-              <a:t>Quarto livello</a:t>
+              <a:rPr lang="en-US"/>
+              <a:t>Fourth level</a:t>
             </a:r>
           </a:p>
           <a:p>
             <a:pPr lvl="4"/>
             <a:r>
-              <a:rPr lang="it-IT"/>
-              <a:t>Quinto livello</a:t>
+              <a:rPr lang="en-US"/>
+              <a:t>Fifth level</a:t>
             </a:r>
+            <a:endParaRPr lang="it-IT"/>
           </a:p>
         </p:txBody>
       </p:sp>
       <p:sp>
         <p:nvSpPr>
-          <p:cNvPr id="5" name="Segnaposto data 4">
+          <p:cNvPr id="5" name="Date Placeholder 4">
             <a:extLst>
               <a:ext uri="{FF2B5EF4-FFF2-40B4-BE49-F238E27FC236}">
-                <a16:creationId xmlns:a16="http://schemas.microsoft.com/office/drawing/2014/main" id="{0DFB17DB-EFE4-4E97-8EBE-7F6BB6EAD1A0}"/>
+                <a16:creationId xmlns:a16="http://schemas.microsoft.com/office/drawing/2014/main" id="{A7B279A3-BDB4-4C37-88B9-545C89AF64C2}"/>
               </a:ext>
             </a:extLst>
           </p:cNvPr>
@@ -9768,9 +9998,9 @@
           <a:bodyPr/>
           <a:lstStyle/>
           <a:p>
-            <a:fld id="{BDDA5BA8-0F72-4057-B72F-B912B43C2937}" type="datetimeFigureOut">
+            <a:fld id="{A1720CB6-C394-4595-9B0B-B51B5CA3DAC2}" type="datetimeFigureOut">
               <a:rPr lang="it-IT" smtClean="0"/>
-              <a:t>28/04/2020</a:t>
+              <a:t>17/05/2020</a:t>
             </a:fld>
             <a:endParaRPr lang="it-IT"/>
           </a:p>
@@ -9778,10 +10008,10 @@
       </p:sp>
       <p:sp>
         <p:nvSpPr>
-          <p:cNvPr id="6" name="Segnaposto piè di pagina 5">
+          <p:cNvPr id="6" name="Footer Placeholder 5">
             <a:extLst>
               <a:ext uri="{FF2B5EF4-FFF2-40B4-BE49-F238E27FC236}">
-                <a16:creationId xmlns:a16="http://schemas.microsoft.com/office/drawing/2014/main" id="{9B94B93F-1159-44F5-93FE-8012041B0F81}"/>
+                <a16:creationId xmlns:a16="http://schemas.microsoft.com/office/drawing/2014/main" id="{ED71B219-0976-47C2-9852-00DE9022F6CD}"/>
               </a:ext>
             </a:extLst>
           </p:cNvPr>
@@ -9803,10 +10033,10 @@
       </p:sp>
       <p:sp>
         <p:nvSpPr>
-          <p:cNvPr id="7" name="Segnaposto numero diapositiva 6">
+          <p:cNvPr id="7" name="Slide Number Placeholder 6">
             <a:extLst>
               <a:ext uri="{FF2B5EF4-FFF2-40B4-BE49-F238E27FC236}">
-                <a16:creationId xmlns:a16="http://schemas.microsoft.com/office/drawing/2014/main" id="{47C4F0A2-4C8C-446C-9186-ADE61F7732C0}"/>
+                <a16:creationId xmlns:a16="http://schemas.microsoft.com/office/drawing/2014/main" id="{C8AFE7F9-FA0A-40F9-84E2-81DC28790D15}"/>
               </a:ext>
             </a:extLst>
           </p:cNvPr>
@@ -9822,9 +10052,9 @@
           <a:bodyPr/>
           <a:lstStyle/>
           <a:p>
-            <a:fld id="{0CF15591-2ACB-4424-897B-E4D101B4C56F}" type="slidenum">
+            <a:fld id="{806D785F-B482-492C-9FD2-1B9F7AB891B9}" type="slidenum">
               <a:rPr lang="it-IT" smtClean="0"/>
-              <a:t>‹N›</a:t>
+              <a:t>‹#›</a:t>
             </a:fld>
             <a:endParaRPr lang="it-IT"/>
           </a:p>
@@ -9833,7 +10063,7 @@
     </p:spTree>
     <p:extLst>
       <p:ext uri="{BB962C8B-B14F-4D97-AF65-F5344CB8AC3E}">
-        <p14:creationId xmlns:p14="http://schemas.microsoft.com/office/powerpoint/2010/main" val="1097459700"/>
+        <p14:creationId xmlns:p14="http://schemas.microsoft.com/office/powerpoint/2010/main" val="495645043"/>
       </p:ext>
     </p:extLst>
   </p:cSld>
@@ -9843,9 +10073,9 @@
 </p:sldLayout>
 </file>
 
-<file path=ppt/slideLayouts/slideLayout5.xml><?xml version="1.0" encoding="utf-8"?>
+<file path=ppt/slideLayouts/slideLayout16.xml><?xml version="1.0" encoding="utf-8"?>
 <p:sldLayout xmlns:a="http://schemas.openxmlformats.org/drawingml/2006/main" xmlns:r="http://schemas.openxmlformats.org/officeDocument/2006/relationships" xmlns:p="http://schemas.openxmlformats.org/presentationml/2006/main" type="twoTxTwoObj" preserve="1">
-  <p:cSld name="Confronto">
+  <p:cSld name="Comparison">
     <p:spTree>
       <p:nvGrpSpPr>
         <p:cNvPr id="1" name=""/>
@@ -9862,10 +10092,10 @@
       </p:grpSpPr>
       <p:sp>
         <p:nvSpPr>
-          <p:cNvPr id="2" name="Titolo 1">
+          <p:cNvPr id="2" name="Title 1">
             <a:extLst>
               <a:ext uri="{FF2B5EF4-FFF2-40B4-BE49-F238E27FC236}">
-                <a16:creationId xmlns:a16="http://schemas.microsoft.com/office/drawing/2014/main" id="{4A1C52AE-8B50-4926-BA05-4B0561C37A6A}"/>
+                <a16:creationId xmlns:a16="http://schemas.microsoft.com/office/drawing/2014/main" id="{0D01BC2E-1CC5-4E63-90B2-800F98E5E2BE}"/>
               </a:ext>
             </a:extLst>
           </p:cNvPr>
@@ -9887,18 +10117,19 @@
           <a:lstStyle/>
           <a:p>
             <a:r>
-              <a:rPr lang="it-IT"/>
-              <a:t>Fare clic per modificare lo stile del titolo dello schema</a:t>
+              <a:rPr lang="en-US"/>
+              <a:t>Click to edit Master title style</a:t>
             </a:r>
+            <a:endParaRPr lang="it-IT"/>
           </a:p>
         </p:txBody>
       </p:sp>
       <p:sp>
         <p:nvSpPr>
-          <p:cNvPr id="3" name="Segnaposto testo 2">
+          <p:cNvPr id="3" name="Text Placeholder 2">
             <a:extLst>
               <a:ext uri="{FF2B5EF4-FFF2-40B4-BE49-F238E27FC236}">
-                <a16:creationId xmlns:a16="http://schemas.microsoft.com/office/drawing/2014/main" id="{44FC8BED-6E82-41A5-927E-94A46F7A569B}"/>
+                <a16:creationId xmlns:a16="http://schemas.microsoft.com/office/drawing/2014/main" id="{621FC519-6A90-4E5E-A825-77E29309D8C3}"/>
               </a:ext>
             </a:extLst>
           </p:cNvPr>
@@ -9958,18 +10189,18 @@
           <a:p>
             <a:pPr lvl="0"/>
             <a:r>
-              <a:rPr lang="it-IT"/>
-              <a:t>Fare clic per modificare gli stili del testo dello schema</a:t>
+              <a:rPr lang="en-US"/>
+              <a:t>Click to edit Master text styles</a:t>
             </a:r>
           </a:p>
         </p:txBody>
       </p:sp>
       <p:sp>
         <p:nvSpPr>
-          <p:cNvPr id="4" name="Segnaposto contenuto 3">
+          <p:cNvPr id="4" name="Content Placeholder 3">
             <a:extLst>
               <a:ext uri="{FF2B5EF4-FFF2-40B4-BE49-F238E27FC236}">
-                <a16:creationId xmlns:a16="http://schemas.microsoft.com/office/drawing/2014/main" id="{8908FC61-C8BF-410F-95A0-C10ECC4C891E}"/>
+                <a16:creationId xmlns:a16="http://schemas.microsoft.com/office/drawing/2014/main" id="{8DE779FD-F490-4A14-A740-7BC381BE5C6C}"/>
               </a:ext>
             </a:extLst>
           </p:cNvPr>
@@ -9992,46 +10223,47 @@
           <a:p>
             <a:pPr lvl="0"/>
             <a:r>
-              <a:rPr lang="it-IT"/>
-              <a:t>Fare clic per modificare gli stili del testo dello schema</a:t>
+              <a:rPr lang="en-US"/>
+              <a:t>Click to edit Master text styles</a:t>
             </a:r>
           </a:p>
           <a:p>
             <a:pPr lvl="1"/>
             <a:r>
-              <a:rPr lang="it-IT"/>
-              <a:t>Secondo livello</a:t>
+              <a:rPr lang="en-US"/>
+              <a:t>Second level</a:t>
             </a:r>
           </a:p>
           <a:p>
             <a:pPr lvl="2"/>
             <a:r>
-              <a:rPr lang="it-IT"/>
-              <a:t>Terzo livello</a:t>
+              <a:rPr lang="en-US"/>
+              <a:t>Third level</a:t>
             </a:r>
           </a:p>
           <a:p>
             <a:pPr lvl="3"/>
             <a:r>
-              <a:rPr lang="it-IT"/>
-              <a:t>Quarto livello</a:t>
+              <a:rPr lang="en-US"/>
+              <a:t>Fourth level</a:t>
             </a:r>
           </a:p>
           <a:p>
             <a:pPr lvl="4"/>
             <a:r>
-              <a:rPr lang="it-IT"/>
-              <a:t>Quinto livello</a:t>
+              <a:rPr lang="en-US"/>
+              <a:t>Fifth level</a:t>
             </a:r>
+            <a:endParaRPr lang="it-IT"/>
           </a:p>
         </p:txBody>
       </p:sp>
       <p:sp>
         <p:nvSpPr>
-          <p:cNvPr id="5" name="Segnaposto testo 4">
+          <p:cNvPr id="5" name="Text Placeholder 4">
             <a:extLst>
               <a:ext uri="{FF2B5EF4-FFF2-40B4-BE49-F238E27FC236}">
-                <a16:creationId xmlns:a16="http://schemas.microsoft.com/office/drawing/2014/main" id="{788463CC-C746-4835-A62A-BB1AD872C58C}"/>
+                <a16:creationId xmlns:a16="http://schemas.microsoft.com/office/drawing/2014/main" id="{D051BC94-46E1-4D4E-8779-A037678D060C}"/>
               </a:ext>
             </a:extLst>
           </p:cNvPr>
@@ -10091,18 +10323,18 @@
           <a:p>
             <a:pPr lvl="0"/>
             <a:r>
-              <a:rPr lang="it-IT"/>
-              <a:t>Fare clic per modificare gli stili del testo dello schema</a:t>
+              <a:rPr lang="en-US"/>
+              <a:t>Click to edit Master text styles</a:t>
             </a:r>
           </a:p>
         </p:txBody>
       </p:sp>
       <p:sp>
         <p:nvSpPr>
-          <p:cNvPr id="6" name="Segnaposto contenuto 5">
+          <p:cNvPr id="6" name="Content Placeholder 5">
             <a:extLst>
               <a:ext uri="{FF2B5EF4-FFF2-40B4-BE49-F238E27FC236}">
-                <a16:creationId xmlns:a16="http://schemas.microsoft.com/office/drawing/2014/main" id="{F9BFAC39-836D-48E7-B87E-6DA45FDED4B5}"/>
+                <a16:creationId xmlns:a16="http://schemas.microsoft.com/office/drawing/2014/main" id="{91C44389-0F74-4E3E-9283-E9BB6DBE995F}"/>
               </a:ext>
             </a:extLst>
           </p:cNvPr>
@@ -10125,46 +10357,47 @@
           <a:p>
             <a:pPr lvl="0"/>
             <a:r>
-              <a:rPr lang="it-IT"/>
-              <a:t>Fare clic per modificare gli stili del testo dello schema</a:t>
+              <a:rPr lang="en-US"/>
+              <a:t>Click to edit Master text styles</a:t>
             </a:r>
           </a:p>
           <a:p>
             <a:pPr lvl="1"/>
             <a:r>
-              <a:rPr lang="it-IT"/>
-              <a:t>Secondo livello</a:t>
+              <a:rPr lang="en-US"/>
+              <a:t>Second level</a:t>
             </a:r>
           </a:p>
           <a:p>
             <a:pPr lvl="2"/>
             <a:r>
-              <a:rPr lang="it-IT"/>
-              <a:t>Terzo livello</a:t>
+              <a:rPr lang="en-US"/>
+              <a:t>Third level</a:t>
             </a:r>
           </a:p>
           <a:p>
             <a:pPr lvl="3"/>
             <a:r>
-              <a:rPr lang="it-IT"/>
-              <a:t>Quarto livello</a:t>
+              <a:rPr lang="en-US"/>
+              <a:t>Fourth level</a:t>
             </a:r>
           </a:p>
           <a:p>
             <a:pPr lvl="4"/>
             <a:r>
-              <a:rPr lang="it-IT"/>
-              <a:t>Quinto livello</a:t>
+              <a:rPr lang="en-US"/>
+              <a:t>Fifth level</a:t>
             </a:r>
+            <a:endParaRPr lang="it-IT"/>
           </a:p>
         </p:txBody>
       </p:sp>
       <p:sp>
         <p:nvSpPr>
-          <p:cNvPr id="7" name="Segnaposto data 6">
+          <p:cNvPr id="7" name="Date Placeholder 6">
             <a:extLst>
               <a:ext uri="{FF2B5EF4-FFF2-40B4-BE49-F238E27FC236}">
-                <a16:creationId xmlns:a16="http://schemas.microsoft.com/office/drawing/2014/main" id="{D4A0E18D-8086-4706-A80C-ECFDDAABC8CD}"/>
+                <a16:creationId xmlns:a16="http://schemas.microsoft.com/office/drawing/2014/main" id="{3A9092E1-37D9-4B81-87CC-D5C96ADB354E}"/>
               </a:ext>
             </a:extLst>
           </p:cNvPr>
@@ -10180,9 +10413,9 @@
           <a:bodyPr/>
           <a:lstStyle/>
           <a:p>
-            <a:fld id="{BDDA5BA8-0F72-4057-B72F-B912B43C2937}" type="datetimeFigureOut">
+            <a:fld id="{A1720CB6-C394-4595-9B0B-B51B5CA3DAC2}" type="datetimeFigureOut">
               <a:rPr lang="it-IT" smtClean="0"/>
-              <a:t>28/04/2020</a:t>
+              <a:t>17/05/2020</a:t>
             </a:fld>
             <a:endParaRPr lang="it-IT"/>
           </a:p>
@@ -10190,10 +10423,10 @@
       </p:sp>
       <p:sp>
         <p:nvSpPr>
-          <p:cNvPr id="8" name="Segnaposto piè di pagina 7">
+          <p:cNvPr id="8" name="Footer Placeholder 7">
             <a:extLst>
               <a:ext uri="{FF2B5EF4-FFF2-40B4-BE49-F238E27FC236}">
-                <a16:creationId xmlns:a16="http://schemas.microsoft.com/office/drawing/2014/main" id="{B23A6BF1-09F8-4F7A-95D2-D9D229621E92}"/>
+                <a16:creationId xmlns:a16="http://schemas.microsoft.com/office/drawing/2014/main" id="{2A731AF1-4E33-4517-AFAF-4F00DCFF8DF0}"/>
               </a:ext>
             </a:extLst>
           </p:cNvPr>
@@ -10215,10 +10448,10 @@
       </p:sp>
       <p:sp>
         <p:nvSpPr>
-          <p:cNvPr id="9" name="Segnaposto numero diapositiva 8">
+          <p:cNvPr id="9" name="Slide Number Placeholder 8">
             <a:extLst>
               <a:ext uri="{FF2B5EF4-FFF2-40B4-BE49-F238E27FC236}">
-                <a16:creationId xmlns:a16="http://schemas.microsoft.com/office/drawing/2014/main" id="{C3784DD3-EF0A-42F0-9F48-BF1945EDD168}"/>
+                <a16:creationId xmlns:a16="http://schemas.microsoft.com/office/drawing/2014/main" id="{3640C066-C8B7-4C13-9703-187727136F65}"/>
               </a:ext>
             </a:extLst>
           </p:cNvPr>
@@ -10234,9 +10467,9 @@
           <a:bodyPr/>
           <a:lstStyle/>
           <a:p>
-            <a:fld id="{0CF15591-2ACB-4424-897B-E4D101B4C56F}" type="slidenum">
+            <a:fld id="{806D785F-B482-492C-9FD2-1B9F7AB891B9}" type="slidenum">
               <a:rPr lang="it-IT" smtClean="0"/>
-              <a:t>‹N›</a:t>
+              <a:t>‹#›</a:t>
             </a:fld>
             <a:endParaRPr lang="it-IT"/>
           </a:p>
@@ -10245,7 +10478,7 @@
     </p:spTree>
     <p:extLst>
       <p:ext uri="{BB962C8B-B14F-4D97-AF65-F5344CB8AC3E}">
-        <p14:creationId xmlns:p14="http://schemas.microsoft.com/office/powerpoint/2010/main" val="721419271"/>
+        <p14:creationId xmlns:p14="http://schemas.microsoft.com/office/powerpoint/2010/main" val="1600396432"/>
       </p:ext>
     </p:extLst>
   </p:cSld>
@@ -10255,9 +10488,9 @@
 </p:sldLayout>
 </file>
 
-<file path=ppt/slideLayouts/slideLayout6.xml><?xml version="1.0" encoding="utf-8"?>
+<file path=ppt/slideLayouts/slideLayout17.xml><?xml version="1.0" encoding="utf-8"?>
 <p:sldLayout xmlns:a="http://schemas.openxmlformats.org/drawingml/2006/main" xmlns:r="http://schemas.openxmlformats.org/officeDocument/2006/relationships" xmlns:p="http://schemas.openxmlformats.org/presentationml/2006/main" type="titleOnly" preserve="1">
-  <p:cSld name="Solo titolo">
+  <p:cSld name="Title Only">
     <p:spTree>
       <p:nvGrpSpPr>
         <p:cNvPr id="1" name=""/>
@@ -10274,10 +10507,10 @@
       </p:grpSpPr>
       <p:sp>
         <p:nvSpPr>
-          <p:cNvPr id="2" name="Titolo 1">
+          <p:cNvPr id="2" name="Title 1">
             <a:extLst>
               <a:ext uri="{FF2B5EF4-FFF2-40B4-BE49-F238E27FC236}">
-                <a16:creationId xmlns:a16="http://schemas.microsoft.com/office/drawing/2014/main" id="{7B4A5206-768A-473A-BC19-7FA3B176CE83}"/>
+                <a16:creationId xmlns:a16="http://schemas.microsoft.com/office/drawing/2014/main" id="{2B6CC4C4-2071-46FE-A979-02A0C95A6AA4}"/>
               </a:ext>
             </a:extLst>
           </p:cNvPr>
@@ -10294,18 +10527,19 @@
           <a:lstStyle/>
           <a:p>
             <a:r>
-              <a:rPr lang="it-IT"/>
-              <a:t>Fare clic per modificare lo stile del titolo dello schema</a:t>
+              <a:rPr lang="en-US"/>
+              <a:t>Click to edit Master title style</a:t>
             </a:r>
+            <a:endParaRPr lang="it-IT"/>
           </a:p>
         </p:txBody>
       </p:sp>
       <p:sp>
         <p:nvSpPr>
-          <p:cNvPr id="3" name="Segnaposto data 2">
+          <p:cNvPr id="3" name="Date Placeholder 2">
             <a:extLst>
               <a:ext uri="{FF2B5EF4-FFF2-40B4-BE49-F238E27FC236}">
-                <a16:creationId xmlns:a16="http://schemas.microsoft.com/office/drawing/2014/main" id="{8E99BB72-122C-48ED-B8C2-6723068435F5}"/>
+                <a16:creationId xmlns:a16="http://schemas.microsoft.com/office/drawing/2014/main" id="{BDB39655-D8CA-4E9F-A230-A319A0484E7E}"/>
               </a:ext>
             </a:extLst>
           </p:cNvPr>
@@ -10321,9 +10555,9 @@
           <a:bodyPr/>
           <a:lstStyle/>
           <a:p>
-            <a:fld id="{BDDA5BA8-0F72-4057-B72F-B912B43C2937}" type="datetimeFigureOut">
+            <a:fld id="{A1720CB6-C394-4595-9B0B-B51B5CA3DAC2}" type="datetimeFigureOut">
               <a:rPr lang="it-IT" smtClean="0"/>
-              <a:t>28/04/2020</a:t>
+              <a:t>17/05/2020</a:t>
             </a:fld>
             <a:endParaRPr lang="it-IT"/>
           </a:p>
@@ -10331,10 +10565,10 @@
       </p:sp>
       <p:sp>
         <p:nvSpPr>
-          <p:cNvPr id="4" name="Segnaposto piè di pagina 3">
+          <p:cNvPr id="4" name="Footer Placeholder 3">
             <a:extLst>
               <a:ext uri="{FF2B5EF4-FFF2-40B4-BE49-F238E27FC236}">
-                <a16:creationId xmlns:a16="http://schemas.microsoft.com/office/drawing/2014/main" id="{6A60B2F1-0F23-45D5-AEA9-32055ADAE7A0}"/>
+                <a16:creationId xmlns:a16="http://schemas.microsoft.com/office/drawing/2014/main" id="{E16793A3-BABD-4839-B3D0-A53B51F590D2}"/>
               </a:ext>
             </a:extLst>
           </p:cNvPr>
@@ -10356,10 +10590,10 @@
       </p:sp>
       <p:sp>
         <p:nvSpPr>
-          <p:cNvPr id="5" name="Segnaposto numero diapositiva 4">
+          <p:cNvPr id="5" name="Slide Number Placeholder 4">
             <a:extLst>
               <a:ext uri="{FF2B5EF4-FFF2-40B4-BE49-F238E27FC236}">
-                <a16:creationId xmlns:a16="http://schemas.microsoft.com/office/drawing/2014/main" id="{17E69C57-940D-47AA-B607-C22802E0E23F}"/>
+                <a16:creationId xmlns:a16="http://schemas.microsoft.com/office/drawing/2014/main" id="{711B2A7E-AE5C-4AB4-A17D-3D25CAC26858}"/>
               </a:ext>
             </a:extLst>
           </p:cNvPr>
@@ -10375,9 +10609,9 @@
           <a:bodyPr/>
           <a:lstStyle/>
           <a:p>
-            <a:fld id="{0CF15591-2ACB-4424-897B-E4D101B4C56F}" type="slidenum">
+            <a:fld id="{806D785F-B482-492C-9FD2-1B9F7AB891B9}" type="slidenum">
               <a:rPr lang="it-IT" smtClean="0"/>
-              <a:t>‹N›</a:t>
+              <a:t>‹#›</a:t>
             </a:fld>
             <a:endParaRPr lang="it-IT"/>
           </a:p>
@@ -10386,7 +10620,7 @@
     </p:spTree>
     <p:extLst>
       <p:ext uri="{BB962C8B-B14F-4D97-AF65-F5344CB8AC3E}">
-        <p14:creationId xmlns:p14="http://schemas.microsoft.com/office/powerpoint/2010/main" val="2988205182"/>
+        <p14:creationId xmlns:p14="http://schemas.microsoft.com/office/powerpoint/2010/main" val="2871423652"/>
       </p:ext>
     </p:extLst>
   </p:cSld>
@@ -10396,9 +10630,9 @@
 </p:sldLayout>
 </file>
 
-<file path=ppt/slideLayouts/slideLayout7.xml><?xml version="1.0" encoding="utf-8"?>
+<file path=ppt/slideLayouts/slideLayout18.xml><?xml version="1.0" encoding="utf-8"?>
 <p:sldLayout xmlns:a="http://schemas.openxmlformats.org/drawingml/2006/main" xmlns:r="http://schemas.openxmlformats.org/officeDocument/2006/relationships" xmlns:p="http://schemas.openxmlformats.org/presentationml/2006/main" type="blank" preserve="1">
-  <p:cSld name="Vuota">
+  <p:cSld name="Blank">
     <p:spTree>
       <p:nvGrpSpPr>
         <p:cNvPr id="1" name=""/>
@@ -10415,10 +10649,10 @@
       </p:grpSpPr>
       <p:sp>
         <p:nvSpPr>
-          <p:cNvPr id="2" name="Segnaposto data 1">
+          <p:cNvPr id="2" name="Date Placeholder 1">
             <a:extLst>
               <a:ext uri="{FF2B5EF4-FFF2-40B4-BE49-F238E27FC236}">
-                <a16:creationId xmlns:a16="http://schemas.microsoft.com/office/drawing/2014/main" id="{2BD1E384-701A-47D7-A120-2C36288D7607}"/>
+                <a16:creationId xmlns:a16="http://schemas.microsoft.com/office/drawing/2014/main" id="{801F9A4B-F909-4F87-A595-0A949CD8B88E}"/>
               </a:ext>
             </a:extLst>
           </p:cNvPr>
@@ -10434,9 +10668,9 @@
           <a:bodyPr/>
           <a:lstStyle/>
           <a:p>
-            <a:fld id="{BDDA5BA8-0F72-4057-B72F-B912B43C2937}" type="datetimeFigureOut">
+            <a:fld id="{A1720CB6-C394-4595-9B0B-B51B5CA3DAC2}" type="datetimeFigureOut">
               <a:rPr lang="it-IT" smtClean="0"/>
-              <a:t>28/04/2020</a:t>
+              <a:t>17/05/2020</a:t>
             </a:fld>
             <a:endParaRPr lang="it-IT"/>
           </a:p>
@@ -10444,10 +10678,10 @@
       </p:sp>
       <p:sp>
         <p:nvSpPr>
-          <p:cNvPr id="3" name="Segnaposto piè di pagina 2">
+          <p:cNvPr id="3" name="Footer Placeholder 2">
             <a:extLst>
               <a:ext uri="{FF2B5EF4-FFF2-40B4-BE49-F238E27FC236}">
-                <a16:creationId xmlns:a16="http://schemas.microsoft.com/office/drawing/2014/main" id="{9A483785-4351-40F2-9E9A-EA72E5300D84}"/>
+                <a16:creationId xmlns:a16="http://schemas.microsoft.com/office/drawing/2014/main" id="{1AA38463-C850-40C8-BAE3-0CE9351BC1FE}"/>
               </a:ext>
             </a:extLst>
           </p:cNvPr>
@@ -10469,10 +10703,10 @@
       </p:sp>
       <p:sp>
         <p:nvSpPr>
-          <p:cNvPr id="4" name="Segnaposto numero diapositiva 3">
+          <p:cNvPr id="4" name="Slide Number Placeholder 3">
             <a:extLst>
               <a:ext uri="{FF2B5EF4-FFF2-40B4-BE49-F238E27FC236}">
-                <a16:creationId xmlns:a16="http://schemas.microsoft.com/office/drawing/2014/main" id="{0B8452FF-A6CF-4941-BBF6-264A264F480E}"/>
+                <a16:creationId xmlns:a16="http://schemas.microsoft.com/office/drawing/2014/main" id="{40CF8D16-EA0F-4212-A8D5-EFA33789A353}"/>
               </a:ext>
             </a:extLst>
           </p:cNvPr>
@@ -10488,9 +10722,9 @@
           <a:bodyPr/>
           <a:lstStyle/>
           <a:p>
-            <a:fld id="{0CF15591-2ACB-4424-897B-E4D101B4C56F}" type="slidenum">
+            <a:fld id="{806D785F-B482-492C-9FD2-1B9F7AB891B9}" type="slidenum">
               <a:rPr lang="it-IT" smtClean="0"/>
-              <a:t>‹N›</a:t>
+              <a:t>‹#›</a:t>
             </a:fld>
             <a:endParaRPr lang="it-IT"/>
           </a:p>
@@ -10499,7 +10733,7 @@
     </p:spTree>
     <p:extLst>
       <p:ext uri="{BB962C8B-B14F-4D97-AF65-F5344CB8AC3E}">
-        <p14:creationId xmlns:p14="http://schemas.microsoft.com/office/powerpoint/2010/main" val="960496947"/>
+        <p14:creationId xmlns:p14="http://schemas.microsoft.com/office/powerpoint/2010/main" val="3807177920"/>
       </p:ext>
     </p:extLst>
   </p:cSld>
@@ -10509,9 +10743,9 @@
 </p:sldLayout>
 </file>
 
-<file path=ppt/slideLayouts/slideLayout8.xml><?xml version="1.0" encoding="utf-8"?>
+<file path=ppt/slideLayouts/slideLayout19.xml><?xml version="1.0" encoding="utf-8"?>
 <p:sldLayout xmlns:a="http://schemas.openxmlformats.org/drawingml/2006/main" xmlns:r="http://schemas.openxmlformats.org/officeDocument/2006/relationships" xmlns:p="http://schemas.openxmlformats.org/presentationml/2006/main" type="objTx" preserve="1">
-  <p:cSld name="Contenuto con didascalia">
+  <p:cSld name="Content with Caption">
     <p:spTree>
       <p:nvGrpSpPr>
         <p:cNvPr id="1" name=""/>
@@ -10528,10 +10762,10 @@
       </p:grpSpPr>
       <p:sp>
         <p:nvSpPr>
-          <p:cNvPr id="2" name="Titolo 1">
+          <p:cNvPr id="2" name="Title 1">
             <a:extLst>
               <a:ext uri="{FF2B5EF4-FFF2-40B4-BE49-F238E27FC236}">
-                <a16:creationId xmlns:a16="http://schemas.microsoft.com/office/drawing/2014/main" id="{6F5F4FC9-692E-4EE5-A1A1-9C64D4D8EEFC}"/>
+                <a16:creationId xmlns:a16="http://schemas.microsoft.com/office/drawing/2014/main" id="{7D634DF2-8B2D-4637-A8B8-F6ECCC07AA2B}"/>
               </a:ext>
             </a:extLst>
           </p:cNvPr>
@@ -10557,18 +10791,19 @@
           </a:lstStyle>
           <a:p>
             <a:r>
-              <a:rPr lang="it-IT"/>
-              <a:t>Fare clic per modificare lo stile del titolo dello schema</a:t>
+              <a:rPr lang="en-US"/>
+              <a:t>Click to edit Master title style</a:t>
             </a:r>
+            <a:endParaRPr lang="it-IT"/>
           </a:p>
         </p:txBody>
       </p:sp>
       <p:sp>
         <p:nvSpPr>
-          <p:cNvPr id="3" name="Segnaposto contenuto 2">
+          <p:cNvPr id="3" name="Content Placeholder 2">
             <a:extLst>
               <a:ext uri="{FF2B5EF4-FFF2-40B4-BE49-F238E27FC236}">
-                <a16:creationId xmlns:a16="http://schemas.microsoft.com/office/drawing/2014/main" id="{77587B8E-ABF3-41A2-BFDC-77B7D7F44CCC}"/>
+                <a16:creationId xmlns:a16="http://schemas.microsoft.com/office/drawing/2014/main" id="{83AEE0B0-1289-42E9-8C68-C5FAD053F99C}"/>
               </a:ext>
             </a:extLst>
           </p:cNvPr>
@@ -10619,46 +10854,47 @@
           <a:p>
             <a:pPr lvl="0"/>
             <a:r>
-              <a:rPr lang="it-IT"/>
-              <a:t>Fare clic per modificare gli stili del testo dello schema</a:t>
+              <a:rPr lang="en-US"/>
+              <a:t>Click to edit Master text styles</a:t>
             </a:r>
           </a:p>
           <a:p>
             <a:pPr lvl="1"/>
             <a:r>
-              <a:rPr lang="it-IT"/>
-              <a:t>Secondo livello</a:t>
+              <a:rPr lang="en-US"/>
+              <a:t>Second level</a:t>
             </a:r>
           </a:p>
           <a:p>
             <a:pPr lvl="2"/>
             <a:r>
-              <a:rPr lang="it-IT"/>
-              <a:t>Terzo livello</a:t>
+              <a:rPr lang="en-US"/>
+              <a:t>Third level</a:t>
             </a:r>
           </a:p>
           <a:p>
             <a:pPr lvl="3"/>
             <a:r>
-              <a:rPr lang="it-IT"/>
-              <a:t>Quarto livello</a:t>
+              <a:rPr lang="en-US"/>
+              <a:t>Fourth level</a:t>
             </a:r>
           </a:p>
           <a:p>
             <a:pPr lvl="4"/>
             <a:r>
-              <a:rPr lang="it-IT"/>
-              <a:t>Quinto livello</a:t>
+              <a:rPr lang="en-US"/>
+              <a:t>Fifth level</a:t>
             </a:r>
+            <a:endParaRPr lang="it-IT"/>
           </a:p>
         </p:txBody>
       </p:sp>
       <p:sp>
         <p:nvSpPr>
-          <p:cNvPr id="4" name="Segnaposto testo 3">
+          <p:cNvPr id="4" name="Text Placeholder 3">
             <a:extLst>
               <a:ext uri="{FF2B5EF4-FFF2-40B4-BE49-F238E27FC236}">
-                <a16:creationId xmlns:a16="http://schemas.microsoft.com/office/drawing/2014/main" id="{2CF24A3F-CA41-415F-9F47-3221ECDDAF2A}"/>
+                <a16:creationId xmlns:a16="http://schemas.microsoft.com/office/drawing/2014/main" id="{593EE0D9-BDB6-4CF7-ABC7-43366BAA5267}"/>
               </a:ext>
             </a:extLst>
           </p:cNvPr>
@@ -10718,18 +10954,18 @@
           <a:p>
             <a:pPr lvl="0"/>
             <a:r>
-              <a:rPr lang="it-IT"/>
-              <a:t>Fare clic per modificare gli stili del testo dello schema</a:t>
+              <a:rPr lang="en-US"/>
+              <a:t>Click to edit Master text styles</a:t>
             </a:r>
           </a:p>
         </p:txBody>
       </p:sp>
       <p:sp>
         <p:nvSpPr>
-          <p:cNvPr id="5" name="Segnaposto data 4">
+          <p:cNvPr id="5" name="Date Placeholder 4">
             <a:extLst>
               <a:ext uri="{FF2B5EF4-FFF2-40B4-BE49-F238E27FC236}">
-                <a16:creationId xmlns:a16="http://schemas.microsoft.com/office/drawing/2014/main" id="{8027F4C8-C55C-4DEA-AC67-CB70BC281260}"/>
+                <a16:creationId xmlns:a16="http://schemas.microsoft.com/office/drawing/2014/main" id="{DC6F0793-D28E-4AF8-AE7E-44F8DA7CFE8B}"/>
               </a:ext>
             </a:extLst>
           </p:cNvPr>
@@ -10745,9 +10981,9 @@
           <a:bodyPr/>
           <a:lstStyle/>
           <a:p>
-            <a:fld id="{BDDA5BA8-0F72-4057-B72F-B912B43C2937}" type="datetimeFigureOut">
+            <a:fld id="{A1720CB6-C394-4595-9B0B-B51B5CA3DAC2}" type="datetimeFigureOut">
               <a:rPr lang="it-IT" smtClean="0"/>
-              <a:t>28/04/2020</a:t>
+              <a:t>17/05/2020</a:t>
             </a:fld>
             <a:endParaRPr lang="it-IT"/>
           </a:p>
@@ -10755,10 +10991,10 @@
       </p:sp>
       <p:sp>
         <p:nvSpPr>
-          <p:cNvPr id="6" name="Segnaposto piè di pagina 5">
+          <p:cNvPr id="6" name="Footer Placeholder 5">
             <a:extLst>
               <a:ext uri="{FF2B5EF4-FFF2-40B4-BE49-F238E27FC236}">
-                <a16:creationId xmlns:a16="http://schemas.microsoft.com/office/drawing/2014/main" id="{3E95D4B3-E777-4FE4-888C-D3800A3269C0}"/>
+                <a16:creationId xmlns:a16="http://schemas.microsoft.com/office/drawing/2014/main" id="{88D205EF-3A78-47C7-95A4-2137CE027ABC}"/>
               </a:ext>
             </a:extLst>
           </p:cNvPr>
@@ -10780,10 +11016,10 @@
       </p:sp>
       <p:sp>
         <p:nvSpPr>
-          <p:cNvPr id="7" name="Segnaposto numero diapositiva 6">
+          <p:cNvPr id="7" name="Slide Number Placeholder 6">
             <a:extLst>
               <a:ext uri="{FF2B5EF4-FFF2-40B4-BE49-F238E27FC236}">
-                <a16:creationId xmlns:a16="http://schemas.microsoft.com/office/drawing/2014/main" id="{3BC1A2FC-FC74-4287-AA01-271F2A44E85A}"/>
+                <a16:creationId xmlns:a16="http://schemas.microsoft.com/office/drawing/2014/main" id="{478CFC19-6D7B-464C-8197-AF8DD693CCA7}"/>
               </a:ext>
             </a:extLst>
           </p:cNvPr>
@@ -10799,9 +11035,9 @@
           <a:bodyPr/>
           <a:lstStyle/>
           <a:p>
-            <a:fld id="{0CF15591-2ACB-4424-897B-E4D101B4C56F}" type="slidenum">
+            <a:fld id="{806D785F-B482-492C-9FD2-1B9F7AB891B9}" type="slidenum">
               <a:rPr lang="it-IT" smtClean="0"/>
-              <a:t>‹N›</a:t>
+              <a:t>‹#›</a:t>
             </a:fld>
             <a:endParaRPr lang="it-IT"/>
           </a:p>
@@ -10810,7 +11046,7 @@
     </p:spTree>
     <p:extLst>
       <p:ext uri="{BB962C8B-B14F-4D97-AF65-F5344CB8AC3E}">
-        <p14:creationId xmlns:p14="http://schemas.microsoft.com/office/powerpoint/2010/main" val="134931128"/>
+        <p14:creationId xmlns:p14="http://schemas.microsoft.com/office/powerpoint/2010/main" val="3485122028"/>
       </p:ext>
     </p:extLst>
   </p:cSld>
@@ -10820,9 +11056,9 @@
 </p:sldLayout>
 </file>
 
-<file path=ppt/slideLayouts/slideLayout9.xml><?xml version="1.0" encoding="utf-8"?>
-<p:sldLayout xmlns:a="http://schemas.openxmlformats.org/drawingml/2006/main" xmlns:r="http://schemas.openxmlformats.org/officeDocument/2006/relationships" xmlns:p="http://schemas.openxmlformats.org/presentationml/2006/main" type="picTx" preserve="1">
-  <p:cSld name="Immagine con didascalia">
+<file path=ppt/slideLayouts/slideLayout2.xml><?xml version="1.0" encoding="utf-8"?>
+<p:sldLayout xmlns:a="http://schemas.openxmlformats.org/drawingml/2006/main" xmlns:r="http://schemas.openxmlformats.org/officeDocument/2006/relationships" xmlns:p="http://schemas.openxmlformats.org/presentationml/2006/main" type="obj" preserve="1">
+  <p:cSld name="Titolo e contenuto">
     <p:spTree>
       <p:nvGrpSpPr>
         <p:cNvPr id="1" name=""/>
@@ -10842,7 +11078,205 @@
           <p:cNvPr id="2" name="Titolo 1">
             <a:extLst>
               <a:ext uri="{FF2B5EF4-FFF2-40B4-BE49-F238E27FC236}">
-                <a16:creationId xmlns:a16="http://schemas.microsoft.com/office/drawing/2014/main" id="{6A655187-BE5F-40D9-AF14-DF2E68CE92F3}"/>
+                <a16:creationId xmlns:a16="http://schemas.microsoft.com/office/drawing/2014/main" id="{831C3509-E42A-4D19-B56B-E461C346E3CA}"/>
+              </a:ext>
+            </a:extLst>
+          </p:cNvPr>
+          <p:cNvSpPr>
+            <a:spLocks noGrp="1"/>
+          </p:cNvSpPr>
+          <p:nvPr>
+            <p:ph type="title"/>
+          </p:nvPr>
+        </p:nvSpPr>
+        <p:spPr/>
+        <p:txBody>
+          <a:bodyPr/>
+          <a:lstStyle/>
+          <a:p>
+            <a:r>
+              <a:rPr lang="it-IT"/>
+              <a:t>Fare clic per modificare lo stile del titolo dello schema</a:t>
+            </a:r>
+          </a:p>
+        </p:txBody>
+      </p:sp>
+      <p:sp>
+        <p:nvSpPr>
+          <p:cNvPr id="3" name="Segnaposto contenuto 2">
+            <a:extLst>
+              <a:ext uri="{FF2B5EF4-FFF2-40B4-BE49-F238E27FC236}">
+                <a16:creationId xmlns:a16="http://schemas.microsoft.com/office/drawing/2014/main" id="{F2C97290-49AC-436E-82B1-98EC7AEBAA42}"/>
+              </a:ext>
+            </a:extLst>
+          </p:cNvPr>
+          <p:cNvSpPr>
+            <a:spLocks noGrp="1"/>
+          </p:cNvSpPr>
+          <p:nvPr>
+            <p:ph idx="1"/>
+          </p:nvPr>
+        </p:nvSpPr>
+        <p:spPr/>
+        <p:txBody>
+          <a:bodyPr/>
+          <a:lstStyle/>
+          <a:p>
+            <a:pPr lvl="0"/>
+            <a:r>
+              <a:rPr lang="it-IT"/>
+              <a:t>Fare clic per modificare gli stili del testo dello schema</a:t>
+            </a:r>
+          </a:p>
+          <a:p>
+            <a:pPr lvl="1"/>
+            <a:r>
+              <a:rPr lang="it-IT"/>
+              <a:t>Secondo livello</a:t>
+            </a:r>
+          </a:p>
+          <a:p>
+            <a:pPr lvl="2"/>
+            <a:r>
+              <a:rPr lang="it-IT"/>
+              <a:t>Terzo livello</a:t>
+            </a:r>
+          </a:p>
+          <a:p>
+            <a:pPr lvl="3"/>
+            <a:r>
+              <a:rPr lang="it-IT"/>
+              <a:t>Quarto livello</a:t>
+            </a:r>
+          </a:p>
+          <a:p>
+            <a:pPr lvl="4"/>
+            <a:r>
+              <a:rPr lang="it-IT"/>
+              <a:t>Quinto livello</a:t>
+            </a:r>
+          </a:p>
+        </p:txBody>
+      </p:sp>
+      <p:sp>
+        <p:nvSpPr>
+          <p:cNvPr id="4" name="Segnaposto data 3">
+            <a:extLst>
+              <a:ext uri="{FF2B5EF4-FFF2-40B4-BE49-F238E27FC236}">
+                <a16:creationId xmlns:a16="http://schemas.microsoft.com/office/drawing/2014/main" id="{0E1E3FD8-BCAC-4AC2-843E-DC91B0AF1476}"/>
+              </a:ext>
+            </a:extLst>
+          </p:cNvPr>
+          <p:cNvSpPr>
+            <a:spLocks noGrp="1"/>
+          </p:cNvSpPr>
+          <p:nvPr>
+            <p:ph type="dt" sz="half" idx="10"/>
+          </p:nvPr>
+        </p:nvSpPr>
+        <p:spPr/>
+        <p:txBody>
+          <a:bodyPr/>
+          <a:lstStyle/>
+          <a:p>
+            <a:fld id="{BDDA5BA8-0F72-4057-B72F-B912B43C2937}" type="datetimeFigureOut">
+              <a:rPr lang="it-IT" smtClean="0"/>
+              <a:t>17/05/2020</a:t>
+            </a:fld>
+            <a:endParaRPr lang="it-IT"/>
+          </a:p>
+        </p:txBody>
+      </p:sp>
+      <p:sp>
+        <p:nvSpPr>
+          <p:cNvPr id="5" name="Segnaposto piè di pagina 4">
+            <a:extLst>
+              <a:ext uri="{FF2B5EF4-FFF2-40B4-BE49-F238E27FC236}">
+                <a16:creationId xmlns:a16="http://schemas.microsoft.com/office/drawing/2014/main" id="{33EEF944-F6C6-4AF9-85E4-7633ECAB2645}"/>
+              </a:ext>
+            </a:extLst>
+          </p:cNvPr>
+          <p:cNvSpPr>
+            <a:spLocks noGrp="1"/>
+          </p:cNvSpPr>
+          <p:nvPr>
+            <p:ph type="ftr" sz="quarter" idx="11"/>
+          </p:nvPr>
+        </p:nvSpPr>
+        <p:spPr/>
+        <p:txBody>
+          <a:bodyPr/>
+          <a:lstStyle/>
+          <a:p>
+            <a:endParaRPr lang="it-IT"/>
+          </a:p>
+        </p:txBody>
+      </p:sp>
+      <p:sp>
+        <p:nvSpPr>
+          <p:cNvPr id="6" name="Segnaposto numero diapositiva 5">
+            <a:extLst>
+              <a:ext uri="{FF2B5EF4-FFF2-40B4-BE49-F238E27FC236}">
+                <a16:creationId xmlns:a16="http://schemas.microsoft.com/office/drawing/2014/main" id="{1274056B-544C-4A72-AC0C-028BEED7F427}"/>
+              </a:ext>
+            </a:extLst>
+          </p:cNvPr>
+          <p:cNvSpPr>
+            <a:spLocks noGrp="1"/>
+          </p:cNvSpPr>
+          <p:nvPr>
+            <p:ph type="sldNum" sz="quarter" idx="12"/>
+          </p:nvPr>
+        </p:nvSpPr>
+        <p:spPr/>
+        <p:txBody>
+          <a:bodyPr/>
+          <a:lstStyle/>
+          <a:p>
+            <a:fld id="{0CF15591-2ACB-4424-897B-E4D101B4C56F}" type="slidenum">
+              <a:rPr lang="it-IT" smtClean="0"/>
+              <a:t>‹#›</a:t>
+            </a:fld>
+            <a:endParaRPr lang="it-IT"/>
+          </a:p>
+        </p:txBody>
+      </p:sp>
+    </p:spTree>
+    <p:extLst>
+      <p:ext uri="{BB962C8B-B14F-4D97-AF65-F5344CB8AC3E}">
+        <p14:creationId xmlns:p14="http://schemas.microsoft.com/office/powerpoint/2010/main" val="3792940251"/>
+      </p:ext>
+    </p:extLst>
+  </p:cSld>
+  <p:clrMapOvr>
+    <a:masterClrMapping/>
+  </p:clrMapOvr>
+</p:sldLayout>
+</file>
+
+<file path=ppt/slideLayouts/slideLayout20.xml><?xml version="1.0" encoding="utf-8"?>
+<p:sldLayout xmlns:a="http://schemas.openxmlformats.org/drawingml/2006/main" xmlns:r="http://schemas.openxmlformats.org/officeDocument/2006/relationships" xmlns:p="http://schemas.openxmlformats.org/presentationml/2006/main" type="picTx" preserve="1">
+  <p:cSld name="Picture with Caption">
+    <p:spTree>
+      <p:nvGrpSpPr>
+        <p:cNvPr id="1" name=""/>
+        <p:cNvGrpSpPr/>
+        <p:nvPr/>
+      </p:nvGrpSpPr>
+      <p:grpSpPr>
+        <a:xfrm>
+          <a:off x="0" y="0"/>
+          <a:ext cx="0" cy="0"/>
+          <a:chOff x="0" y="0"/>
+          <a:chExt cx="0" cy="0"/>
+        </a:xfrm>
+      </p:grpSpPr>
+      <p:sp>
+        <p:nvSpPr>
+          <p:cNvPr id="2" name="Title 1">
+            <a:extLst>
+              <a:ext uri="{FF2B5EF4-FFF2-40B4-BE49-F238E27FC236}">
+                <a16:creationId xmlns:a16="http://schemas.microsoft.com/office/drawing/2014/main" id="{5CD6895B-C38D-428A-AAEB-925A728EC99D}"/>
               </a:ext>
             </a:extLst>
           </p:cNvPr>
@@ -10868,18 +11302,19 @@
           </a:lstStyle>
           <a:p>
             <a:r>
-              <a:rPr lang="it-IT"/>
-              <a:t>Fare clic per modificare lo stile del titolo dello schema</a:t>
+              <a:rPr lang="en-US"/>
+              <a:t>Click to edit Master title style</a:t>
             </a:r>
+            <a:endParaRPr lang="it-IT"/>
           </a:p>
         </p:txBody>
       </p:sp>
       <p:sp>
         <p:nvSpPr>
-          <p:cNvPr id="3" name="Segnaposto immagine 2">
+          <p:cNvPr id="3" name="Picture Placeholder 2">
             <a:extLst>
               <a:ext uri="{FF2B5EF4-FFF2-40B4-BE49-F238E27FC236}">
-                <a16:creationId xmlns:a16="http://schemas.microsoft.com/office/drawing/2014/main" id="{60EE4323-D168-436A-AB60-3252FBD24D64}"/>
+                <a16:creationId xmlns:a16="http://schemas.microsoft.com/office/drawing/2014/main" id="{D1063382-63EE-4FEC-9C68-F940C25C2736}"/>
               </a:ext>
             </a:extLst>
           </p:cNvPr>
@@ -10943,10 +11378,10 @@
       </p:sp>
       <p:sp>
         <p:nvSpPr>
-          <p:cNvPr id="4" name="Segnaposto testo 3">
+          <p:cNvPr id="4" name="Text Placeholder 3">
             <a:extLst>
               <a:ext uri="{FF2B5EF4-FFF2-40B4-BE49-F238E27FC236}">
-                <a16:creationId xmlns:a16="http://schemas.microsoft.com/office/drawing/2014/main" id="{533372A9-0471-4A4C-B87A-C2A228C64AE9}"/>
+                <a16:creationId xmlns:a16="http://schemas.microsoft.com/office/drawing/2014/main" id="{8947F1E8-B0EE-44CA-B232-DD489BC487BF}"/>
               </a:ext>
             </a:extLst>
           </p:cNvPr>
@@ -11006,18 +11441,18 @@
           <a:p>
             <a:pPr lvl="0"/>
             <a:r>
-              <a:rPr lang="it-IT"/>
-              <a:t>Fare clic per modificare gli stili del testo dello schema</a:t>
+              <a:rPr lang="en-US"/>
+              <a:t>Click to edit Master text styles</a:t>
             </a:r>
           </a:p>
         </p:txBody>
       </p:sp>
       <p:sp>
         <p:nvSpPr>
-          <p:cNvPr id="5" name="Segnaposto data 4">
+          <p:cNvPr id="5" name="Date Placeholder 4">
             <a:extLst>
               <a:ext uri="{FF2B5EF4-FFF2-40B4-BE49-F238E27FC236}">
-                <a16:creationId xmlns:a16="http://schemas.microsoft.com/office/drawing/2014/main" id="{172DAC01-3764-4C60-BE98-C94ABECD15DB}"/>
+                <a16:creationId xmlns:a16="http://schemas.microsoft.com/office/drawing/2014/main" id="{B75F1A5D-EBDF-4D25-B18E-9BAB9B3A6056}"/>
               </a:ext>
             </a:extLst>
           </p:cNvPr>
@@ -11033,9 +11468,9 @@
           <a:bodyPr/>
           <a:lstStyle/>
           <a:p>
-            <a:fld id="{BDDA5BA8-0F72-4057-B72F-B912B43C2937}" type="datetimeFigureOut">
+            <a:fld id="{A1720CB6-C394-4595-9B0B-B51B5CA3DAC2}" type="datetimeFigureOut">
               <a:rPr lang="it-IT" smtClean="0"/>
-              <a:t>28/04/2020</a:t>
+              <a:t>17/05/2020</a:t>
             </a:fld>
             <a:endParaRPr lang="it-IT"/>
           </a:p>
@@ -11043,10 +11478,10 @@
       </p:sp>
       <p:sp>
         <p:nvSpPr>
-          <p:cNvPr id="6" name="Segnaposto piè di pagina 5">
+          <p:cNvPr id="6" name="Footer Placeholder 5">
             <a:extLst>
               <a:ext uri="{FF2B5EF4-FFF2-40B4-BE49-F238E27FC236}">
-                <a16:creationId xmlns:a16="http://schemas.microsoft.com/office/drawing/2014/main" id="{3BABA41D-BB11-4264-9AD8-8650AEB0F028}"/>
+                <a16:creationId xmlns:a16="http://schemas.microsoft.com/office/drawing/2014/main" id="{3CE3E32C-5BA6-4315-BF68-B586AF8D7386}"/>
               </a:ext>
             </a:extLst>
           </p:cNvPr>
@@ -11068,10 +11503,10 @@
       </p:sp>
       <p:sp>
         <p:nvSpPr>
-          <p:cNvPr id="7" name="Segnaposto numero diapositiva 6">
+          <p:cNvPr id="7" name="Slide Number Placeholder 6">
             <a:extLst>
               <a:ext uri="{FF2B5EF4-FFF2-40B4-BE49-F238E27FC236}">
-                <a16:creationId xmlns:a16="http://schemas.microsoft.com/office/drawing/2014/main" id="{59F3E7DE-A6F3-47F5-86FE-88F429932C86}"/>
+                <a16:creationId xmlns:a16="http://schemas.microsoft.com/office/drawing/2014/main" id="{0CCA5317-B986-449C-8B27-59C2D79F2E3B}"/>
               </a:ext>
             </a:extLst>
           </p:cNvPr>
@@ -11087,9 +11522,2224 @@
           <a:bodyPr/>
           <a:lstStyle/>
           <a:p>
+            <a:fld id="{806D785F-B482-492C-9FD2-1B9F7AB891B9}" type="slidenum">
+              <a:rPr lang="it-IT" smtClean="0"/>
+              <a:t>‹#›</a:t>
+            </a:fld>
+            <a:endParaRPr lang="it-IT"/>
+          </a:p>
+        </p:txBody>
+      </p:sp>
+    </p:spTree>
+    <p:extLst>
+      <p:ext uri="{BB962C8B-B14F-4D97-AF65-F5344CB8AC3E}">
+        <p14:creationId xmlns:p14="http://schemas.microsoft.com/office/powerpoint/2010/main" val="271482504"/>
+      </p:ext>
+    </p:extLst>
+  </p:cSld>
+  <p:clrMapOvr>
+    <a:masterClrMapping/>
+  </p:clrMapOvr>
+</p:sldLayout>
+</file>
+
+<file path=ppt/slideLayouts/slideLayout21.xml><?xml version="1.0" encoding="utf-8"?>
+<p:sldLayout xmlns:a="http://schemas.openxmlformats.org/drawingml/2006/main" xmlns:r="http://schemas.openxmlformats.org/officeDocument/2006/relationships" xmlns:p="http://schemas.openxmlformats.org/presentationml/2006/main" type="vertTx" preserve="1">
+  <p:cSld name="Title and Vertical Text">
+    <p:spTree>
+      <p:nvGrpSpPr>
+        <p:cNvPr id="1" name=""/>
+        <p:cNvGrpSpPr/>
+        <p:nvPr/>
+      </p:nvGrpSpPr>
+      <p:grpSpPr>
+        <a:xfrm>
+          <a:off x="0" y="0"/>
+          <a:ext cx="0" cy="0"/>
+          <a:chOff x="0" y="0"/>
+          <a:chExt cx="0" cy="0"/>
+        </a:xfrm>
+      </p:grpSpPr>
+      <p:sp>
+        <p:nvSpPr>
+          <p:cNvPr id="2" name="Title 1">
+            <a:extLst>
+              <a:ext uri="{FF2B5EF4-FFF2-40B4-BE49-F238E27FC236}">
+                <a16:creationId xmlns:a16="http://schemas.microsoft.com/office/drawing/2014/main" id="{8ABF508A-A05D-4377-B231-47B3FBB8BAC6}"/>
+              </a:ext>
+            </a:extLst>
+          </p:cNvPr>
+          <p:cNvSpPr>
+            <a:spLocks noGrp="1"/>
+          </p:cNvSpPr>
+          <p:nvPr>
+            <p:ph type="title"/>
+          </p:nvPr>
+        </p:nvSpPr>
+        <p:spPr/>
+        <p:txBody>
+          <a:bodyPr/>
+          <a:lstStyle/>
+          <a:p>
+            <a:r>
+              <a:rPr lang="en-US"/>
+              <a:t>Click to edit Master title style</a:t>
+            </a:r>
+            <a:endParaRPr lang="it-IT"/>
+          </a:p>
+        </p:txBody>
+      </p:sp>
+      <p:sp>
+        <p:nvSpPr>
+          <p:cNvPr id="3" name="Vertical Text Placeholder 2">
+            <a:extLst>
+              <a:ext uri="{FF2B5EF4-FFF2-40B4-BE49-F238E27FC236}">
+                <a16:creationId xmlns:a16="http://schemas.microsoft.com/office/drawing/2014/main" id="{D2F662FF-8C0C-4D5E-9403-97D16E004F0B}"/>
+              </a:ext>
+            </a:extLst>
+          </p:cNvPr>
+          <p:cNvSpPr>
+            <a:spLocks noGrp="1"/>
+          </p:cNvSpPr>
+          <p:nvPr>
+            <p:ph type="body" orient="vert" idx="1"/>
+          </p:nvPr>
+        </p:nvSpPr>
+        <p:spPr/>
+        <p:txBody>
+          <a:bodyPr vert="eaVert"/>
+          <a:lstStyle/>
+          <a:p>
+            <a:pPr lvl="0"/>
+            <a:r>
+              <a:rPr lang="en-US"/>
+              <a:t>Click to edit Master text styles</a:t>
+            </a:r>
+          </a:p>
+          <a:p>
+            <a:pPr lvl="1"/>
+            <a:r>
+              <a:rPr lang="en-US"/>
+              <a:t>Second level</a:t>
+            </a:r>
+          </a:p>
+          <a:p>
+            <a:pPr lvl="2"/>
+            <a:r>
+              <a:rPr lang="en-US"/>
+              <a:t>Third level</a:t>
+            </a:r>
+          </a:p>
+          <a:p>
+            <a:pPr lvl="3"/>
+            <a:r>
+              <a:rPr lang="en-US"/>
+              <a:t>Fourth level</a:t>
+            </a:r>
+          </a:p>
+          <a:p>
+            <a:pPr lvl="4"/>
+            <a:r>
+              <a:rPr lang="en-US"/>
+              <a:t>Fifth level</a:t>
+            </a:r>
+            <a:endParaRPr lang="it-IT"/>
+          </a:p>
+        </p:txBody>
+      </p:sp>
+      <p:sp>
+        <p:nvSpPr>
+          <p:cNvPr id="4" name="Date Placeholder 3">
+            <a:extLst>
+              <a:ext uri="{FF2B5EF4-FFF2-40B4-BE49-F238E27FC236}">
+                <a16:creationId xmlns:a16="http://schemas.microsoft.com/office/drawing/2014/main" id="{AC4B54C2-78E0-460C-9BCB-9A7597B3FEBC}"/>
+              </a:ext>
+            </a:extLst>
+          </p:cNvPr>
+          <p:cNvSpPr>
+            <a:spLocks noGrp="1"/>
+          </p:cNvSpPr>
+          <p:nvPr>
+            <p:ph type="dt" sz="half" idx="10"/>
+          </p:nvPr>
+        </p:nvSpPr>
+        <p:spPr/>
+        <p:txBody>
+          <a:bodyPr/>
+          <a:lstStyle/>
+          <a:p>
+            <a:fld id="{A1720CB6-C394-4595-9B0B-B51B5CA3DAC2}" type="datetimeFigureOut">
+              <a:rPr lang="it-IT" smtClean="0"/>
+              <a:t>17/05/2020</a:t>
+            </a:fld>
+            <a:endParaRPr lang="it-IT"/>
+          </a:p>
+        </p:txBody>
+      </p:sp>
+      <p:sp>
+        <p:nvSpPr>
+          <p:cNvPr id="5" name="Footer Placeholder 4">
+            <a:extLst>
+              <a:ext uri="{FF2B5EF4-FFF2-40B4-BE49-F238E27FC236}">
+                <a16:creationId xmlns:a16="http://schemas.microsoft.com/office/drawing/2014/main" id="{6ECB3C34-C965-46FB-BBA3-5B08919D37A0}"/>
+              </a:ext>
+            </a:extLst>
+          </p:cNvPr>
+          <p:cNvSpPr>
+            <a:spLocks noGrp="1"/>
+          </p:cNvSpPr>
+          <p:nvPr>
+            <p:ph type="ftr" sz="quarter" idx="11"/>
+          </p:nvPr>
+        </p:nvSpPr>
+        <p:spPr/>
+        <p:txBody>
+          <a:bodyPr/>
+          <a:lstStyle/>
+          <a:p>
+            <a:endParaRPr lang="it-IT"/>
+          </a:p>
+        </p:txBody>
+      </p:sp>
+      <p:sp>
+        <p:nvSpPr>
+          <p:cNvPr id="6" name="Slide Number Placeholder 5">
+            <a:extLst>
+              <a:ext uri="{FF2B5EF4-FFF2-40B4-BE49-F238E27FC236}">
+                <a16:creationId xmlns:a16="http://schemas.microsoft.com/office/drawing/2014/main" id="{E0AB8BC2-B6E8-4ECF-87B4-8795FA7501D8}"/>
+              </a:ext>
+            </a:extLst>
+          </p:cNvPr>
+          <p:cNvSpPr>
+            <a:spLocks noGrp="1"/>
+          </p:cNvSpPr>
+          <p:nvPr>
+            <p:ph type="sldNum" sz="quarter" idx="12"/>
+          </p:nvPr>
+        </p:nvSpPr>
+        <p:spPr/>
+        <p:txBody>
+          <a:bodyPr/>
+          <a:lstStyle/>
+          <a:p>
+            <a:fld id="{806D785F-B482-492C-9FD2-1B9F7AB891B9}" type="slidenum">
+              <a:rPr lang="it-IT" smtClean="0"/>
+              <a:t>‹#›</a:t>
+            </a:fld>
+            <a:endParaRPr lang="it-IT"/>
+          </a:p>
+        </p:txBody>
+      </p:sp>
+    </p:spTree>
+    <p:extLst>
+      <p:ext uri="{BB962C8B-B14F-4D97-AF65-F5344CB8AC3E}">
+        <p14:creationId xmlns:p14="http://schemas.microsoft.com/office/powerpoint/2010/main" val="2299027677"/>
+      </p:ext>
+    </p:extLst>
+  </p:cSld>
+  <p:clrMapOvr>
+    <a:masterClrMapping/>
+  </p:clrMapOvr>
+</p:sldLayout>
+</file>
+
+<file path=ppt/slideLayouts/slideLayout22.xml><?xml version="1.0" encoding="utf-8"?>
+<p:sldLayout xmlns:a="http://schemas.openxmlformats.org/drawingml/2006/main" xmlns:r="http://schemas.openxmlformats.org/officeDocument/2006/relationships" xmlns:p="http://schemas.openxmlformats.org/presentationml/2006/main" type="vertTitleAndTx" preserve="1">
+  <p:cSld name="Vertical Title and Text">
+    <p:spTree>
+      <p:nvGrpSpPr>
+        <p:cNvPr id="1" name=""/>
+        <p:cNvGrpSpPr/>
+        <p:nvPr/>
+      </p:nvGrpSpPr>
+      <p:grpSpPr>
+        <a:xfrm>
+          <a:off x="0" y="0"/>
+          <a:ext cx="0" cy="0"/>
+          <a:chOff x="0" y="0"/>
+          <a:chExt cx="0" cy="0"/>
+        </a:xfrm>
+      </p:grpSpPr>
+      <p:sp>
+        <p:nvSpPr>
+          <p:cNvPr id="2" name="Vertical Title 1">
+            <a:extLst>
+              <a:ext uri="{FF2B5EF4-FFF2-40B4-BE49-F238E27FC236}">
+                <a16:creationId xmlns:a16="http://schemas.microsoft.com/office/drawing/2014/main" id="{9E41E7DC-1A58-4438-B40E-536CA7CD0508}"/>
+              </a:ext>
+            </a:extLst>
+          </p:cNvPr>
+          <p:cNvSpPr>
+            <a:spLocks noGrp="1"/>
+          </p:cNvSpPr>
+          <p:nvPr>
+            <p:ph type="title" orient="vert"/>
+          </p:nvPr>
+        </p:nvSpPr>
+        <p:spPr>
+          <a:xfrm>
+            <a:off x="8724900" y="365125"/>
+            <a:ext cx="2628900" cy="5811838"/>
+          </a:xfrm>
+        </p:spPr>
+        <p:txBody>
+          <a:bodyPr vert="eaVert"/>
+          <a:lstStyle/>
+          <a:p>
+            <a:r>
+              <a:rPr lang="en-US"/>
+              <a:t>Click to edit Master title style</a:t>
+            </a:r>
+            <a:endParaRPr lang="it-IT"/>
+          </a:p>
+        </p:txBody>
+      </p:sp>
+      <p:sp>
+        <p:nvSpPr>
+          <p:cNvPr id="3" name="Vertical Text Placeholder 2">
+            <a:extLst>
+              <a:ext uri="{FF2B5EF4-FFF2-40B4-BE49-F238E27FC236}">
+                <a16:creationId xmlns:a16="http://schemas.microsoft.com/office/drawing/2014/main" id="{D44A3322-8E07-4997-A3B1-9A33B18E8B4F}"/>
+              </a:ext>
+            </a:extLst>
+          </p:cNvPr>
+          <p:cNvSpPr>
+            <a:spLocks noGrp="1"/>
+          </p:cNvSpPr>
+          <p:nvPr>
+            <p:ph type="body" orient="vert" idx="1"/>
+          </p:nvPr>
+        </p:nvSpPr>
+        <p:spPr>
+          <a:xfrm>
+            <a:off x="838200" y="365125"/>
+            <a:ext cx="7734300" cy="5811838"/>
+          </a:xfrm>
+        </p:spPr>
+        <p:txBody>
+          <a:bodyPr vert="eaVert"/>
+          <a:lstStyle/>
+          <a:p>
+            <a:pPr lvl="0"/>
+            <a:r>
+              <a:rPr lang="en-US"/>
+              <a:t>Click to edit Master text styles</a:t>
+            </a:r>
+          </a:p>
+          <a:p>
+            <a:pPr lvl="1"/>
+            <a:r>
+              <a:rPr lang="en-US"/>
+              <a:t>Second level</a:t>
+            </a:r>
+          </a:p>
+          <a:p>
+            <a:pPr lvl="2"/>
+            <a:r>
+              <a:rPr lang="en-US"/>
+              <a:t>Third level</a:t>
+            </a:r>
+          </a:p>
+          <a:p>
+            <a:pPr lvl="3"/>
+            <a:r>
+              <a:rPr lang="en-US"/>
+              <a:t>Fourth level</a:t>
+            </a:r>
+          </a:p>
+          <a:p>
+            <a:pPr lvl="4"/>
+            <a:r>
+              <a:rPr lang="en-US"/>
+              <a:t>Fifth level</a:t>
+            </a:r>
+            <a:endParaRPr lang="it-IT"/>
+          </a:p>
+        </p:txBody>
+      </p:sp>
+      <p:sp>
+        <p:nvSpPr>
+          <p:cNvPr id="4" name="Date Placeholder 3">
+            <a:extLst>
+              <a:ext uri="{FF2B5EF4-FFF2-40B4-BE49-F238E27FC236}">
+                <a16:creationId xmlns:a16="http://schemas.microsoft.com/office/drawing/2014/main" id="{12837817-7239-41E9-9DC0-1E4F12214BAA}"/>
+              </a:ext>
+            </a:extLst>
+          </p:cNvPr>
+          <p:cNvSpPr>
+            <a:spLocks noGrp="1"/>
+          </p:cNvSpPr>
+          <p:nvPr>
+            <p:ph type="dt" sz="half" idx="10"/>
+          </p:nvPr>
+        </p:nvSpPr>
+        <p:spPr/>
+        <p:txBody>
+          <a:bodyPr/>
+          <a:lstStyle/>
+          <a:p>
+            <a:fld id="{A1720CB6-C394-4595-9B0B-B51B5CA3DAC2}" type="datetimeFigureOut">
+              <a:rPr lang="it-IT" smtClean="0"/>
+              <a:t>17/05/2020</a:t>
+            </a:fld>
+            <a:endParaRPr lang="it-IT"/>
+          </a:p>
+        </p:txBody>
+      </p:sp>
+      <p:sp>
+        <p:nvSpPr>
+          <p:cNvPr id="5" name="Footer Placeholder 4">
+            <a:extLst>
+              <a:ext uri="{FF2B5EF4-FFF2-40B4-BE49-F238E27FC236}">
+                <a16:creationId xmlns:a16="http://schemas.microsoft.com/office/drawing/2014/main" id="{F5C2C5AF-DD41-4D7C-82D0-CED81DD8C556}"/>
+              </a:ext>
+            </a:extLst>
+          </p:cNvPr>
+          <p:cNvSpPr>
+            <a:spLocks noGrp="1"/>
+          </p:cNvSpPr>
+          <p:nvPr>
+            <p:ph type="ftr" sz="quarter" idx="11"/>
+          </p:nvPr>
+        </p:nvSpPr>
+        <p:spPr/>
+        <p:txBody>
+          <a:bodyPr/>
+          <a:lstStyle/>
+          <a:p>
+            <a:endParaRPr lang="it-IT"/>
+          </a:p>
+        </p:txBody>
+      </p:sp>
+      <p:sp>
+        <p:nvSpPr>
+          <p:cNvPr id="6" name="Slide Number Placeholder 5">
+            <a:extLst>
+              <a:ext uri="{FF2B5EF4-FFF2-40B4-BE49-F238E27FC236}">
+                <a16:creationId xmlns:a16="http://schemas.microsoft.com/office/drawing/2014/main" id="{8DD6AE86-1FE5-4B45-9995-C8994F7E3FA8}"/>
+              </a:ext>
+            </a:extLst>
+          </p:cNvPr>
+          <p:cNvSpPr>
+            <a:spLocks noGrp="1"/>
+          </p:cNvSpPr>
+          <p:nvPr>
+            <p:ph type="sldNum" sz="quarter" idx="12"/>
+          </p:nvPr>
+        </p:nvSpPr>
+        <p:spPr/>
+        <p:txBody>
+          <a:bodyPr/>
+          <a:lstStyle/>
+          <a:p>
+            <a:fld id="{806D785F-B482-492C-9FD2-1B9F7AB891B9}" type="slidenum">
+              <a:rPr lang="it-IT" smtClean="0"/>
+              <a:t>‹#›</a:t>
+            </a:fld>
+            <a:endParaRPr lang="it-IT"/>
+          </a:p>
+        </p:txBody>
+      </p:sp>
+    </p:spTree>
+    <p:extLst>
+      <p:ext uri="{BB962C8B-B14F-4D97-AF65-F5344CB8AC3E}">
+        <p14:creationId xmlns:p14="http://schemas.microsoft.com/office/powerpoint/2010/main" val="2630901336"/>
+      </p:ext>
+    </p:extLst>
+  </p:cSld>
+  <p:clrMapOvr>
+    <a:masterClrMapping/>
+  </p:clrMapOvr>
+</p:sldLayout>
+</file>
+
+<file path=ppt/slideLayouts/slideLayout3.xml><?xml version="1.0" encoding="utf-8"?>
+<p:sldLayout xmlns:a="http://schemas.openxmlformats.org/drawingml/2006/main" xmlns:r="http://schemas.openxmlformats.org/officeDocument/2006/relationships" xmlns:p="http://schemas.openxmlformats.org/presentationml/2006/main" type="secHead" preserve="1">
+  <p:cSld name="Intestazione sezione">
+    <p:spTree>
+      <p:nvGrpSpPr>
+        <p:cNvPr id="1" name=""/>
+        <p:cNvGrpSpPr/>
+        <p:nvPr/>
+      </p:nvGrpSpPr>
+      <p:grpSpPr>
+        <a:xfrm>
+          <a:off x="0" y="0"/>
+          <a:ext cx="0" cy="0"/>
+          <a:chOff x="0" y="0"/>
+          <a:chExt cx="0" cy="0"/>
+        </a:xfrm>
+      </p:grpSpPr>
+      <p:sp>
+        <p:nvSpPr>
+          <p:cNvPr id="2" name="Titolo 1">
+            <a:extLst>
+              <a:ext uri="{FF2B5EF4-FFF2-40B4-BE49-F238E27FC236}">
+                <a16:creationId xmlns:a16="http://schemas.microsoft.com/office/drawing/2014/main" id="{E6694D58-D0EB-4951-BB73-924BE966A20A}"/>
+              </a:ext>
+            </a:extLst>
+          </p:cNvPr>
+          <p:cNvSpPr>
+            <a:spLocks noGrp="1"/>
+          </p:cNvSpPr>
+          <p:nvPr>
+            <p:ph type="title"/>
+          </p:nvPr>
+        </p:nvSpPr>
+        <p:spPr>
+          <a:xfrm>
+            <a:off x="831850" y="1709738"/>
+            <a:ext cx="10515600" cy="2852737"/>
+          </a:xfrm>
+        </p:spPr>
+        <p:txBody>
+          <a:bodyPr anchor="b"/>
+          <a:lstStyle>
+            <a:lvl1pPr>
+              <a:defRPr sz="6000"/>
+            </a:lvl1pPr>
+          </a:lstStyle>
+          <a:p>
+            <a:r>
+              <a:rPr lang="it-IT"/>
+              <a:t>Fare clic per modificare lo stile del titolo dello schema</a:t>
+            </a:r>
+          </a:p>
+        </p:txBody>
+      </p:sp>
+      <p:sp>
+        <p:nvSpPr>
+          <p:cNvPr id="3" name="Segnaposto testo 2">
+            <a:extLst>
+              <a:ext uri="{FF2B5EF4-FFF2-40B4-BE49-F238E27FC236}">
+                <a16:creationId xmlns:a16="http://schemas.microsoft.com/office/drawing/2014/main" id="{7AE3B756-5B7E-4713-B308-5AEBE5B82AE2}"/>
+              </a:ext>
+            </a:extLst>
+          </p:cNvPr>
+          <p:cNvSpPr>
+            <a:spLocks noGrp="1"/>
+          </p:cNvSpPr>
+          <p:nvPr>
+            <p:ph type="body" idx="1"/>
+          </p:nvPr>
+        </p:nvSpPr>
+        <p:spPr>
+          <a:xfrm>
+            <a:off x="831850" y="4589463"/>
+            <a:ext cx="10515600" cy="1500187"/>
+          </a:xfrm>
+        </p:spPr>
+        <p:txBody>
+          <a:bodyPr/>
+          <a:lstStyle>
+            <a:lvl1pPr marL="0" indent="0">
+              <a:buNone/>
+              <a:defRPr sz="2400">
+                <a:solidFill>
+                  <a:schemeClr val="tx1">
+                    <a:tint val="75000"/>
+                  </a:schemeClr>
+                </a:solidFill>
+              </a:defRPr>
+            </a:lvl1pPr>
+            <a:lvl2pPr marL="457200" indent="0">
+              <a:buNone/>
+              <a:defRPr sz="2000">
+                <a:solidFill>
+                  <a:schemeClr val="tx1">
+                    <a:tint val="75000"/>
+                  </a:schemeClr>
+                </a:solidFill>
+              </a:defRPr>
+            </a:lvl2pPr>
+            <a:lvl3pPr marL="914400" indent="0">
+              <a:buNone/>
+              <a:defRPr sz="1800">
+                <a:solidFill>
+                  <a:schemeClr val="tx1">
+                    <a:tint val="75000"/>
+                  </a:schemeClr>
+                </a:solidFill>
+              </a:defRPr>
+            </a:lvl3pPr>
+            <a:lvl4pPr marL="1371600" indent="0">
+              <a:buNone/>
+              <a:defRPr sz="1600">
+                <a:solidFill>
+                  <a:schemeClr val="tx1">
+                    <a:tint val="75000"/>
+                  </a:schemeClr>
+                </a:solidFill>
+              </a:defRPr>
+            </a:lvl4pPr>
+            <a:lvl5pPr marL="1828800" indent="0">
+              <a:buNone/>
+              <a:defRPr sz="1600">
+                <a:solidFill>
+                  <a:schemeClr val="tx1">
+                    <a:tint val="75000"/>
+                  </a:schemeClr>
+                </a:solidFill>
+              </a:defRPr>
+            </a:lvl5pPr>
+            <a:lvl6pPr marL="2286000" indent="0">
+              <a:buNone/>
+              <a:defRPr sz="1600">
+                <a:solidFill>
+                  <a:schemeClr val="tx1">
+                    <a:tint val="75000"/>
+                  </a:schemeClr>
+                </a:solidFill>
+              </a:defRPr>
+            </a:lvl6pPr>
+            <a:lvl7pPr marL="2743200" indent="0">
+              <a:buNone/>
+              <a:defRPr sz="1600">
+                <a:solidFill>
+                  <a:schemeClr val="tx1">
+                    <a:tint val="75000"/>
+                  </a:schemeClr>
+                </a:solidFill>
+              </a:defRPr>
+            </a:lvl7pPr>
+            <a:lvl8pPr marL="3200400" indent="0">
+              <a:buNone/>
+              <a:defRPr sz="1600">
+                <a:solidFill>
+                  <a:schemeClr val="tx1">
+                    <a:tint val="75000"/>
+                  </a:schemeClr>
+                </a:solidFill>
+              </a:defRPr>
+            </a:lvl8pPr>
+            <a:lvl9pPr marL="3657600" indent="0">
+              <a:buNone/>
+              <a:defRPr sz="1600">
+                <a:solidFill>
+                  <a:schemeClr val="tx1">
+                    <a:tint val="75000"/>
+                  </a:schemeClr>
+                </a:solidFill>
+              </a:defRPr>
+            </a:lvl9pPr>
+          </a:lstStyle>
+          <a:p>
+            <a:pPr lvl="0"/>
+            <a:r>
+              <a:rPr lang="it-IT"/>
+              <a:t>Fare clic per modificare gli stili del testo dello schema</a:t>
+            </a:r>
+          </a:p>
+        </p:txBody>
+      </p:sp>
+      <p:sp>
+        <p:nvSpPr>
+          <p:cNvPr id="4" name="Segnaposto data 3">
+            <a:extLst>
+              <a:ext uri="{FF2B5EF4-FFF2-40B4-BE49-F238E27FC236}">
+                <a16:creationId xmlns:a16="http://schemas.microsoft.com/office/drawing/2014/main" id="{08BD1C3D-F0CB-45FF-BB8A-B8708FC9C34A}"/>
+              </a:ext>
+            </a:extLst>
+          </p:cNvPr>
+          <p:cNvSpPr>
+            <a:spLocks noGrp="1"/>
+          </p:cNvSpPr>
+          <p:nvPr>
+            <p:ph type="dt" sz="half" idx="10"/>
+          </p:nvPr>
+        </p:nvSpPr>
+        <p:spPr/>
+        <p:txBody>
+          <a:bodyPr/>
+          <a:lstStyle/>
+          <a:p>
+            <a:fld id="{BDDA5BA8-0F72-4057-B72F-B912B43C2937}" type="datetimeFigureOut">
+              <a:rPr lang="it-IT" smtClean="0"/>
+              <a:t>17/05/2020</a:t>
+            </a:fld>
+            <a:endParaRPr lang="it-IT"/>
+          </a:p>
+        </p:txBody>
+      </p:sp>
+      <p:sp>
+        <p:nvSpPr>
+          <p:cNvPr id="5" name="Segnaposto piè di pagina 4">
+            <a:extLst>
+              <a:ext uri="{FF2B5EF4-FFF2-40B4-BE49-F238E27FC236}">
+                <a16:creationId xmlns:a16="http://schemas.microsoft.com/office/drawing/2014/main" id="{57AC0EB6-15D6-4A6E-B255-129484A5EE7D}"/>
+              </a:ext>
+            </a:extLst>
+          </p:cNvPr>
+          <p:cNvSpPr>
+            <a:spLocks noGrp="1"/>
+          </p:cNvSpPr>
+          <p:nvPr>
+            <p:ph type="ftr" sz="quarter" idx="11"/>
+          </p:nvPr>
+        </p:nvSpPr>
+        <p:spPr/>
+        <p:txBody>
+          <a:bodyPr/>
+          <a:lstStyle/>
+          <a:p>
+            <a:endParaRPr lang="it-IT"/>
+          </a:p>
+        </p:txBody>
+      </p:sp>
+      <p:sp>
+        <p:nvSpPr>
+          <p:cNvPr id="6" name="Segnaposto numero diapositiva 5">
+            <a:extLst>
+              <a:ext uri="{FF2B5EF4-FFF2-40B4-BE49-F238E27FC236}">
+                <a16:creationId xmlns:a16="http://schemas.microsoft.com/office/drawing/2014/main" id="{44B52BFA-5FA7-493F-99A8-888B483F6BED}"/>
+              </a:ext>
+            </a:extLst>
+          </p:cNvPr>
+          <p:cNvSpPr>
+            <a:spLocks noGrp="1"/>
+          </p:cNvSpPr>
+          <p:nvPr>
+            <p:ph type="sldNum" sz="quarter" idx="12"/>
+          </p:nvPr>
+        </p:nvSpPr>
+        <p:spPr/>
+        <p:txBody>
+          <a:bodyPr/>
+          <a:lstStyle/>
+          <a:p>
             <a:fld id="{0CF15591-2ACB-4424-897B-E4D101B4C56F}" type="slidenum">
               <a:rPr lang="it-IT" smtClean="0"/>
-              <a:t>‹N›</a:t>
+              <a:t>‹#›</a:t>
+            </a:fld>
+            <a:endParaRPr lang="it-IT"/>
+          </a:p>
+        </p:txBody>
+      </p:sp>
+    </p:spTree>
+    <p:extLst>
+      <p:ext uri="{BB962C8B-B14F-4D97-AF65-F5344CB8AC3E}">
+        <p14:creationId xmlns:p14="http://schemas.microsoft.com/office/powerpoint/2010/main" val="384584841"/>
+      </p:ext>
+    </p:extLst>
+  </p:cSld>
+  <p:clrMapOvr>
+    <a:masterClrMapping/>
+  </p:clrMapOvr>
+</p:sldLayout>
+</file>
+
+<file path=ppt/slideLayouts/slideLayout4.xml><?xml version="1.0" encoding="utf-8"?>
+<p:sldLayout xmlns:a="http://schemas.openxmlformats.org/drawingml/2006/main" xmlns:r="http://schemas.openxmlformats.org/officeDocument/2006/relationships" xmlns:p="http://schemas.openxmlformats.org/presentationml/2006/main" type="twoObj" preserve="1">
+  <p:cSld name="Due contenuti">
+    <p:spTree>
+      <p:nvGrpSpPr>
+        <p:cNvPr id="1" name=""/>
+        <p:cNvGrpSpPr/>
+        <p:nvPr/>
+      </p:nvGrpSpPr>
+      <p:grpSpPr>
+        <a:xfrm>
+          <a:off x="0" y="0"/>
+          <a:ext cx="0" cy="0"/>
+          <a:chOff x="0" y="0"/>
+          <a:chExt cx="0" cy="0"/>
+        </a:xfrm>
+      </p:grpSpPr>
+      <p:sp>
+        <p:nvSpPr>
+          <p:cNvPr id="2" name="Titolo 1">
+            <a:extLst>
+              <a:ext uri="{FF2B5EF4-FFF2-40B4-BE49-F238E27FC236}">
+                <a16:creationId xmlns:a16="http://schemas.microsoft.com/office/drawing/2014/main" id="{5A991E95-A381-4488-9A2C-78D544ACF63B}"/>
+              </a:ext>
+            </a:extLst>
+          </p:cNvPr>
+          <p:cNvSpPr>
+            <a:spLocks noGrp="1"/>
+          </p:cNvSpPr>
+          <p:nvPr>
+            <p:ph type="title"/>
+          </p:nvPr>
+        </p:nvSpPr>
+        <p:spPr/>
+        <p:txBody>
+          <a:bodyPr/>
+          <a:lstStyle/>
+          <a:p>
+            <a:r>
+              <a:rPr lang="it-IT"/>
+              <a:t>Fare clic per modificare lo stile del titolo dello schema</a:t>
+            </a:r>
+          </a:p>
+        </p:txBody>
+      </p:sp>
+      <p:sp>
+        <p:nvSpPr>
+          <p:cNvPr id="3" name="Segnaposto contenuto 2">
+            <a:extLst>
+              <a:ext uri="{FF2B5EF4-FFF2-40B4-BE49-F238E27FC236}">
+                <a16:creationId xmlns:a16="http://schemas.microsoft.com/office/drawing/2014/main" id="{E8229169-9368-49BE-9405-3D298BD8353B}"/>
+              </a:ext>
+            </a:extLst>
+          </p:cNvPr>
+          <p:cNvSpPr>
+            <a:spLocks noGrp="1"/>
+          </p:cNvSpPr>
+          <p:nvPr>
+            <p:ph sz="half" idx="1"/>
+          </p:nvPr>
+        </p:nvSpPr>
+        <p:spPr>
+          <a:xfrm>
+            <a:off x="838200" y="1825625"/>
+            <a:ext cx="5181600" cy="4351338"/>
+          </a:xfrm>
+        </p:spPr>
+        <p:txBody>
+          <a:bodyPr/>
+          <a:lstStyle/>
+          <a:p>
+            <a:pPr lvl="0"/>
+            <a:r>
+              <a:rPr lang="it-IT"/>
+              <a:t>Fare clic per modificare gli stili del testo dello schema</a:t>
+            </a:r>
+          </a:p>
+          <a:p>
+            <a:pPr lvl="1"/>
+            <a:r>
+              <a:rPr lang="it-IT"/>
+              <a:t>Secondo livello</a:t>
+            </a:r>
+          </a:p>
+          <a:p>
+            <a:pPr lvl="2"/>
+            <a:r>
+              <a:rPr lang="it-IT"/>
+              <a:t>Terzo livello</a:t>
+            </a:r>
+          </a:p>
+          <a:p>
+            <a:pPr lvl="3"/>
+            <a:r>
+              <a:rPr lang="it-IT"/>
+              <a:t>Quarto livello</a:t>
+            </a:r>
+          </a:p>
+          <a:p>
+            <a:pPr lvl="4"/>
+            <a:r>
+              <a:rPr lang="it-IT"/>
+              <a:t>Quinto livello</a:t>
+            </a:r>
+          </a:p>
+        </p:txBody>
+      </p:sp>
+      <p:sp>
+        <p:nvSpPr>
+          <p:cNvPr id="4" name="Segnaposto contenuto 3">
+            <a:extLst>
+              <a:ext uri="{FF2B5EF4-FFF2-40B4-BE49-F238E27FC236}">
+                <a16:creationId xmlns:a16="http://schemas.microsoft.com/office/drawing/2014/main" id="{7638926F-BC35-4F0F-8DB2-0CE4E0630F03}"/>
+              </a:ext>
+            </a:extLst>
+          </p:cNvPr>
+          <p:cNvSpPr>
+            <a:spLocks noGrp="1"/>
+          </p:cNvSpPr>
+          <p:nvPr>
+            <p:ph sz="half" idx="2"/>
+          </p:nvPr>
+        </p:nvSpPr>
+        <p:spPr>
+          <a:xfrm>
+            <a:off x="6172200" y="1825625"/>
+            <a:ext cx="5181600" cy="4351338"/>
+          </a:xfrm>
+        </p:spPr>
+        <p:txBody>
+          <a:bodyPr/>
+          <a:lstStyle/>
+          <a:p>
+            <a:pPr lvl="0"/>
+            <a:r>
+              <a:rPr lang="it-IT"/>
+              <a:t>Fare clic per modificare gli stili del testo dello schema</a:t>
+            </a:r>
+          </a:p>
+          <a:p>
+            <a:pPr lvl="1"/>
+            <a:r>
+              <a:rPr lang="it-IT"/>
+              <a:t>Secondo livello</a:t>
+            </a:r>
+          </a:p>
+          <a:p>
+            <a:pPr lvl="2"/>
+            <a:r>
+              <a:rPr lang="it-IT"/>
+              <a:t>Terzo livello</a:t>
+            </a:r>
+          </a:p>
+          <a:p>
+            <a:pPr lvl="3"/>
+            <a:r>
+              <a:rPr lang="it-IT"/>
+              <a:t>Quarto livello</a:t>
+            </a:r>
+          </a:p>
+          <a:p>
+            <a:pPr lvl="4"/>
+            <a:r>
+              <a:rPr lang="it-IT"/>
+              <a:t>Quinto livello</a:t>
+            </a:r>
+          </a:p>
+        </p:txBody>
+      </p:sp>
+      <p:sp>
+        <p:nvSpPr>
+          <p:cNvPr id="5" name="Segnaposto data 4">
+            <a:extLst>
+              <a:ext uri="{FF2B5EF4-FFF2-40B4-BE49-F238E27FC236}">
+                <a16:creationId xmlns:a16="http://schemas.microsoft.com/office/drawing/2014/main" id="{0DFB17DB-EFE4-4E97-8EBE-7F6BB6EAD1A0}"/>
+              </a:ext>
+            </a:extLst>
+          </p:cNvPr>
+          <p:cNvSpPr>
+            <a:spLocks noGrp="1"/>
+          </p:cNvSpPr>
+          <p:nvPr>
+            <p:ph type="dt" sz="half" idx="10"/>
+          </p:nvPr>
+        </p:nvSpPr>
+        <p:spPr/>
+        <p:txBody>
+          <a:bodyPr/>
+          <a:lstStyle/>
+          <a:p>
+            <a:fld id="{BDDA5BA8-0F72-4057-B72F-B912B43C2937}" type="datetimeFigureOut">
+              <a:rPr lang="it-IT" smtClean="0"/>
+              <a:t>17/05/2020</a:t>
+            </a:fld>
+            <a:endParaRPr lang="it-IT"/>
+          </a:p>
+        </p:txBody>
+      </p:sp>
+      <p:sp>
+        <p:nvSpPr>
+          <p:cNvPr id="6" name="Segnaposto piè di pagina 5">
+            <a:extLst>
+              <a:ext uri="{FF2B5EF4-FFF2-40B4-BE49-F238E27FC236}">
+                <a16:creationId xmlns:a16="http://schemas.microsoft.com/office/drawing/2014/main" id="{9B94B93F-1159-44F5-93FE-8012041B0F81}"/>
+              </a:ext>
+            </a:extLst>
+          </p:cNvPr>
+          <p:cNvSpPr>
+            <a:spLocks noGrp="1"/>
+          </p:cNvSpPr>
+          <p:nvPr>
+            <p:ph type="ftr" sz="quarter" idx="11"/>
+          </p:nvPr>
+        </p:nvSpPr>
+        <p:spPr/>
+        <p:txBody>
+          <a:bodyPr/>
+          <a:lstStyle/>
+          <a:p>
+            <a:endParaRPr lang="it-IT"/>
+          </a:p>
+        </p:txBody>
+      </p:sp>
+      <p:sp>
+        <p:nvSpPr>
+          <p:cNvPr id="7" name="Segnaposto numero diapositiva 6">
+            <a:extLst>
+              <a:ext uri="{FF2B5EF4-FFF2-40B4-BE49-F238E27FC236}">
+                <a16:creationId xmlns:a16="http://schemas.microsoft.com/office/drawing/2014/main" id="{47C4F0A2-4C8C-446C-9186-ADE61F7732C0}"/>
+              </a:ext>
+            </a:extLst>
+          </p:cNvPr>
+          <p:cNvSpPr>
+            <a:spLocks noGrp="1"/>
+          </p:cNvSpPr>
+          <p:nvPr>
+            <p:ph type="sldNum" sz="quarter" idx="12"/>
+          </p:nvPr>
+        </p:nvSpPr>
+        <p:spPr/>
+        <p:txBody>
+          <a:bodyPr/>
+          <a:lstStyle/>
+          <a:p>
+            <a:fld id="{0CF15591-2ACB-4424-897B-E4D101B4C56F}" type="slidenum">
+              <a:rPr lang="it-IT" smtClean="0"/>
+              <a:t>‹#›</a:t>
+            </a:fld>
+            <a:endParaRPr lang="it-IT"/>
+          </a:p>
+        </p:txBody>
+      </p:sp>
+    </p:spTree>
+    <p:extLst>
+      <p:ext uri="{BB962C8B-B14F-4D97-AF65-F5344CB8AC3E}">
+        <p14:creationId xmlns:p14="http://schemas.microsoft.com/office/powerpoint/2010/main" val="1097459700"/>
+      </p:ext>
+    </p:extLst>
+  </p:cSld>
+  <p:clrMapOvr>
+    <a:masterClrMapping/>
+  </p:clrMapOvr>
+</p:sldLayout>
+</file>
+
+<file path=ppt/slideLayouts/slideLayout5.xml><?xml version="1.0" encoding="utf-8"?>
+<p:sldLayout xmlns:a="http://schemas.openxmlformats.org/drawingml/2006/main" xmlns:r="http://schemas.openxmlformats.org/officeDocument/2006/relationships" xmlns:p="http://schemas.openxmlformats.org/presentationml/2006/main" type="twoTxTwoObj" preserve="1">
+  <p:cSld name="Confronto">
+    <p:spTree>
+      <p:nvGrpSpPr>
+        <p:cNvPr id="1" name=""/>
+        <p:cNvGrpSpPr/>
+        <p:nvPr/>
+      </p:nvGrpSpPr>
+      <p:grpSpPr>
+        <a:xfrm>
+          <a:off x="0" y="0"/>
+          <a:ext cx="0" cy="0"/>
+          <a:chOff x="0" y="0"/>
+          <a:chExt cx="0" cy="0"/>
+        </a:xfrm>
+      </p:grpSpPr>
+      <p:sp>
+        <p:nvSpPr>
+          <p:cNvPr id="2" name="Titolo 1">
+            <a:extLst>
+              <a:ext uri="{FF2B5EF4-FFF2-40B4-BE49-F238E27FC236}">
+                <a16:creationId xmlns:a16="http://schemas.microsoft.com/office/drawing/2014/main" id="{4A1C52AE-8B50-4926-BA05-4B0561C37A6A}"/>
+              </a:ext>
+            </a:extLst>
+          </p:cNvPr>
+          <p:cNvSpPr>
+            <a:spLocks noGrp="1"/>
+          </p:cNvSpPr>
+          <p:nvPr>
+            <p:ph type="title"/>
+          </p:nvPr>
+        </p:nvSpPr>
+        <p:spPr>
+          <a:xfrm>
+            <a:off x="839788" y="365125"/>
+            <a:ext cx="10515600" cy="1325563"/>
+          </a:xfrm>
+        </p:spPr>
+        <p:txBody>
+          <a:bodyPr/>
+          <a:lstStyle/>
+          <a:p>
+            <a:r>
+              <a:rPr lang="it-IT"/>
+              <a:t>Fare clic per modificare lo stile del titolo dello schema</a:t>
+            </a:r>
+          </a:p>
+        </p:txBody>
+      </p:sp>
+      <p:sp>
+        <p:nvSpPr>
+          <p:cNvPr id="3" name="Segnaposto testo 2">
+            <a:extLst>
+              <a:ext uri="{FF2B5EF4-FFF2-40B4-BE49-F238E27FC236}">
+                <a16:creationId xmlns:a16="http://schemas.microsoft.com/office/drawing/2014/main" id="{44FC8BED-6E82-41A5-927E-94A46F7A569B}"/>
+              </a:ext>
+            </a:extLst>
+          </p:cNvPr>
+          <p:cNvSpPr>
+            <a:spLocks noGrp="1"/>
+          </p:cNvSpPr>
+          <p:nvPr>
+            <p:ph type="body" idx="1"/>
+          </p:nvPr>
+        </p:nvSpPr>
+        <p:spPr>
+          <a:xfrm>
+            <a:off x="839788" y="1681163"/>
+            <a:ext cx="5157787" cy="823912"/>
+          </a:xfrm>
+        </p:spPr>
+        <p:txBody>
+          <a:bodyPr anchor="b"/>
+          <a:lstStyle>
+            <a:lvl1pPr marL="0" indent="0">
+              <a:buNone/>
+              <a:defRPr sz="2400" b="1"/>
+            </a:lvl1pPr>
+            <a:lvl2pPr marL="457200" indent="0">
+              <a:buNone/>
+              <a:defRPr sz="2000" b="1"/>
+            </a:lvl2pPr>
+            <a:lvl3pPr marL="914400" indent="0">
+              <a:buNone/>
+              <a:defRPr sz="1800" b="1"/>
+            </a:lvl3pPr>
+            <a:lvl4pPr marL="1371600" indent="0">
+              <a:buNone/>
+              <a:defRPr sz="1600" b="1"/>
+            </a:lvl4pPr>
+            <a:lvl5pPr marL="1828800" indent="0">
+              <a:buNone/>
+              <a:defRPr sz="1600" b="1"/>
+            </a:lvl5pPr>
+            <a:lvl6pPr marL="2286000" indent="0">
+              <a:buNone/>
+              <a:defRPr sz="1600" b="1"/>
+            </a:lvl6pPr>
+            <a:lvl7pPr marL="2743200" indent="0">
+              <a:buNone/>
+              <a:defRPr sz="1600" b="1"/>
+            </a:lvl7pPr>
+            <a:lvl8pPr marL="3200400" indent="0">
+              <a:buNone/>
+              <a:defRPr sz="1600" b="1"/>
+            </a:lvl8pPr>
+            <a:lvl9pPr marL="3657600" indent="0">
+              <a:buNone/>
+              <a:defRPr sz="1600" b="1"/>
+            </a:lvl9pPr>
+          </a:lstStyle>
+          <a:p>
+            <a:pPr lvl="0"/>
+            <a:r>
+              <a:rPr lang="it-IT"/>
+              <a:t>Fare clic per modificare gli stili del testo dello schema</a:t>
+            </a:r>
+          </a:p>
+        </p:txBody>
+      </p:sp>
+      <p:sp>
+        <p:nvSpPr>
+          <p:cNvPr id="4" name="Segnaposto contenuto 3">
+            <a:extLst>
+              <a:ext uri="{FF2B5EF4-FFF2-40B4-BE49-F238E27FC236}">
+                <a16:creationId xmlns:a16="http://schemas.microsoft.com/office/drawing/2014/main" id="{8908FC61-C8BF-410F-95A0-C10ECC4C891E}"/>
+              </a:ext>
+            </a:extLst>
+          </p:cNvPr>
+          <p:cNvSpPr>
+            <a:spLocks noGrp="1"/>
+          </p:cNvSpPr>
+          <p:nvPr>
+            <p:ph sz="half" idx="2"/>
+          </p:nvPr>
+        </p:nvSpPr>
+        <p:spPr>
+          <a:xfrm>
+            <a:off x="839788" y="2505075"/>
+            <a:ext cx="5157787" cy="3684588"/>
+          </a:xfrm>
+        </p:spPr>
+        <p:txBody>
+          <a:bodyPr/>
+          <a:lstStyle/>
+          <a:p>
+            <a:pPr lvl="0"/>
+            <a:r>
+              <a:rPr lang="it-IT"/>
+              <a:t>Fare clic per modificare gli stili del testo dello schema</a:t>
+            </a:r>
+          </a:p>
+          <a:p>
+            <a:pPr lvl="1"/>
+            <a:r>
+              <a:rPr lang="it-IT"/>
+              <a:t>Secondo livello</a:t>
+            </a:r>
+          </a:p>
+          <a:p>
+            <a:pPr lvl="2"/>
+            <a:r>
+              <a:rPr lang="it-IT"/>
+              <a:t>Terzo livello</a:t>
+            </a:r>
+          </a:p>
+          <a:p>
+            <a:pPr lvl="3"/>
+            <a:r>
+              <a:rPr lang="it-IT"/>
+              <a:t>Quarto livello</a:t>
+            </a:r>
+          </a:p>
+          <a:p>
+            <a:pPr lvl="4"/>
+            <a:r>
+              <a:rPr lang="it-IT"/>
+              <a:t>Quinto livello</a:t>
+            </a:r>
+          </a:p>
+        </p:txBody>
+      </p:sp>
+      <p:sp>
+        <p:nvSpPr>
+          <p:cNvPr id="5" name="Segnaposto testo 4">
+            <a:extLst>
+              <a:ext uri="{FF2B5EF4-FFF2-40B4-BE49-F238E27FC236}">
+                <a16:creationId xmlns:a16="http://schemas.microsoft.com/office/drawing/2014/main" id="{788463CC-C746-4835-A62A-BB1AD872C58C}"/>
+              </a:ext>
+            </a:extLst>
+          </p:cNvPr>
+          <p:cNvSpPr>
+            <a:spLocks noGrp="1"/>
+          </p:cNvSpPr>
+          <p:nvPr>
+            <p:ph type="body" sz="quarter" idx="3"/>
+          </p:nvPr>
+        </p:nvSpPr>
+        <p:spPr>
+          <a:xfrm>
+            <a:off x="6172200" y="1681163"/>
+            <a:ext cx="5183188" cy="823912"/>
+          </a:xfrm>
+        </p:spPr>
+        <p:txBody>
+          <a:bodyPr anchor="b"/>
+          <a:lstStyle>
+            <a:lvl1pPr marL="0" indent="0">
+              <a:buNone/>
+              <a:defRPr sz="2400" b="1"/>
+            </a:lvl1pPr>
+            <a:lvl2pPr marL="457200" indent="0">
+              <a:buNone/>
+              <a:defRPr sz="2000" b="1"/>
+            </a:lvl2pPr>
+            <a:lvl3pPr marL="914400" indent="0">
+              <a:buNone/>
+              <a:defRPr sz="1800" b="1"/>
+            </a:lvl3pPr>
+            <a:lvl4pPr marL="1371600" indent="0">
+              <a:buNone/>
+              <a:defRPr sz="1600" b="1"/>
+            </a:lvl4pPr>
+            <a:lvl5pPr marL="1828800" indent="0">
+              <a:buNone/>
+              <a:defRPr sz="1600" b="1"/>
+            </a:lvl5pPr>
+            <a:lvl6pPr marL="2286000" indent="0">
+              <a:buNone/>
+              <a:defRPr sz="1600" b="1"/>
+            </a:lvl6pPr>
+            <a:lvl7pPr marL="2743200" indent="0">
+              <a:buNone/>
+              <a:defRPr sz="1600" b="1"/>
+            </a:lvl7pPr>
+            <a:lvl8pPr marL="3200400" indent="0">
+              <a:buNone/>
+              <a:defRPr sz="1600" b="1"/>
+            </a:lvl8pPr>
+            <a:lvl9pPr marL="3657600" indent="0">
+              <a:buNone/>
+              <a:defRPr sz="1600" b="1"/>
+            </a:lvl9pPr>
+          </a:lstStyle>
+          <a:p>
+            <a:pPr lvl="0"/>
+            <a:r>
+              <a:rPr lang="it-IT"/>
+              <a:t>Fare clic per modificare gli stili del testo dello schema</a:t>
+            </a:r>
+          </a:p>
+        </p:txBody>
+      </p:sp>
+      <p:sp>
+        <p:nvSpPr>
+          <p:cNvPr id="6" name="Segnaposto contenuto 5">
+            <a:extLst>
+              <a:ext uri="{FF2B5EF4-FFF2-40B4-BE49-F238E27FC236}">
+                <a16:creationId xmlns:a16="http://schemas.microsoft.com/office/drawing/2014/main" id="{F9BFAC39-836D-48E7-B87E-6DA45FDED4B5}"/>
+              </a:ext>
+            </a:extLst>
+          </p:cNvPr>
+          <p:cNvSpPr>
+            <a:spLocks noGrp="1"/>
+          </p:cNvSpPr>
+          <p:nvPr>
+            <p:ph sz="quarter" idx="4"/>
+          </p:nvPr>
+        </p:nvSpPr>
+        <p:spPr>
+          <a:xfrm>
+            <a:off x="6172200" y="2505075"/>
+            <a:ext cx="5183188" cy="3684588"/>
+          </a:xfrm>
+        </p:spPr>
+        <p:txBody>
+          <a:bodyPr/>
+          <a:lstStyle/>
+          <a:p>
+            <a:pPr lvl="0"/>
+            <a:r>
+              <a:rPr lang="it-IT"/>
+              <a:t>Fare clic per modificare gli stili del testo dello schema</a:t>
+            </a:r>
+          </a:p>
+          <a:p>
+            <a:pPr lvl="1"/>
+            <a:r>
+              <a:rPr lang="it-IT"/>
+              <a:t>Secondo livello</a:t>
+            </a:r>
+          </a:p>
+          <a:p>
+            <a:pPr lvl="2"/>
+            <a:r>
+              <a:rPr lang="it-IT"/>
+              <a:t>Terzo livello</a:t>
+            </a:r>
+          </a:p>
+          <a:p>
+            <a:pPr lvl="3"/>
+            <a:r>
+              <a:rPr lang="it-IT"/>
+              <a:t>Quarto livello</a:t>
+            </a:r>
+          </a:p>
+          <a:p>
+            <a:pPr lvl="4"/>
+            <a:r>
+              <a:rPr lang="it-IT"/>
+              <a:t>Quinto livello</a:t>
+            </a:r>
+          </a:p>
+        </p:txBody>
+      </p:sp>
+      <p:sp>
+        <p:nvSpPr>
+          <p:cNvPr id="7" name="Segnaposto data 6">
+            <a:extLst>
+              <a:ext uri="{FF2B5EF4-FFF2-40B4-BE49-F238E27FC236}">
+                <a16:creationId xmlns:a16="http://schemas.microsoft.com/office/drawing/2014/main" id="{D4A0E18D-8086-4706-A80C-ECFDDAABC8CD}"/>
+              </a:ext>
+            </a:extLst>
+          </p:cNvPr>
+          <p:cNvSpPr>
+            <a:spLocks noGrp="1"/>
+          </p:cNvSpPr>
+          <p:nvPr>
+            <p:ph type="dt" sz="half" idx="10"/>
+          </p:nvPr>
+        </p:nvSpPr>
+        <p:spPr/>
+        <p:txBody>
+          <a:bodyPr/>
+          <a:lstStyle/>
+          <a:p>
+            <a:fld id="{BDDA5BA8-0F72-4057-B72F-B912B43C2937}" type="datetimeFigureOut">
+              <a:rPr lang="it-IT" smtClean="0"/>
+              <a:t>17/05/2020</a:t>
+            </a:fld>
+            <a:endParaRPr lang="it-IT"/>
+          </a:p>
+        </p:txBody>
+      </p:sp>
+      <p:sp>
+        <p:nvSpPr>
+          <p:cNvPr id="8" name="Segnaposto piè di pagina 7">
+            <a:extLst>
+              <a:ext uri="{FF2B5EF4-FFF2-40B4-BE49-F238E27FC236}">
+                <a16:creationId xmlns:a16="http://schemas.microsoft.com/office/drawing/2014/main" id="{B23A6BF1-09F8-4F7A-95D2-D9D229621E92}"/>
+              </a:ext>
+            </a:extLst>
+          </p:cNvPr>
+          <p:cNvSpPr>
+            <a:spLocks noGrp="1"/>
+          </p:cNvSpPr>
+          <p:nvPr>
+            <p:ph type="ftr" sz="quarter" idx="11"/>
+          </p:nvPr>
+        </p:nvSpPr>
+        <p:spPr/>
+        <p:txBody>
+          <a:bodyPr/>
+          <a:lstStyle/>
+          <a:p>
+            <a:endParaRPr lang="it-IT"/>
+          </a:p>
+        </p:txBody>
+      </p:sp>
+      <p:sp>
+        <p:nvSpPr>
+          <p:cNvPr id="9" name="Segnaposto numero diapositiva 8">
+            <a:extLst>
+              <a:ext uri="{FF2B5EF4-FFF2-40B4-BE49-F238E27FC236}">
+                <a16:creationId xmlns:a16="http://schemas.microsoft.com/office/drawing/2014/main" id="{C3784DD3-EF0A-42F0-9F48-BF1945EDD168}"/>
+              </a:ext>
+            </a:extLst>
+          </p:cNvPr>
+          <p:cNvSpPr>
+            <a:spLocks noGrp="1"/>
+          </p:cNvSpPr>
+          <p:nvPr>
+            <p:ph type="sldNum" sz="quarter" idx="12"/>
+          </p:nvPr>
+        </p:nvSpPr>
+        <p:spPr/>
+        <p:txBody>
+          <a:bodyPr/>
+          <a:lstStyle/>
+          <a:p>
+            <a:fld id="{0CF15591-2ACB-4424-897B-E4D101B4C56F}" type="slidenum">
+              <a:rPr lang="it-IT" smtClean="0"/>
+              <a:t>‹#›</a:t>
+            </a:fld>
+            <a:endParaRPr lang="it-IT"/>
+          </a:p>
+        </p:txBody>
+      </p:sp>
+    </p:spTree>
+    <p:extLst>
+      <p:ext uri="{BB962C8B-B14F-4D97-AF65-F5344CB8AC3E}">
+        <p14:creationId xmlns:p14="http://schemas.microsoft.com/office/powerpoint/2010/main" val="721419271"/>
+      </p:ext>
+    </p:extLst>
+  </p:cSld>
+  <p:clrMapOvr>
+    <a:masterClrMapping/>
+  </p:clrMapOvr>
+</p:sldLayout>
+</file>
+
+<file path=ppt/slideLayouts/slideLayout6.xml><?xml version="1.0" encoding="utf-8"?>
+<p:sldLayout xmlns:a="http://schemas.openxmlformats.org/drawingml/2006/main" xmlns:r="http://schemas.openxmlformats.org/officeDocument/2006/relationships" xmlns:p="http://schemas.openxmlformats.org/presentationml/2006/main" type="titleOnly" preserve="1">
+  <p:cSld name="Solo titolo">
+    <p:spTree>
+      <p:nvGrpSpPr>
+        <p:cNvPr id="1" name=""/>
+        <p:cNvGrpSpPr/>
+        <p:nvPr/>
+      </p:nvGrpSpPr>
+      <p:grpSpPr>
+        <a:xfrm>
+          <a:off x="0" y="0"/>
+          <a:ext cx="0" cy="0"/>
+          <a:chOff x="0" y="0"/>
+          <a:chExt cx="0" cy="0"/>
+        </a:xfrm>
+      </p:grpSpPr>
+      <p:sp>
+        <p:nvSpPr>
+          <p:cNvPr id="2" name="Titolo 1">
+            <a:extLst>
+              <a:ext uri="{FF2B5EF4-FFF2-40B4-BE49-F238E27FC236}">
+                <a16:creationId xmlns:a16="http://schemas.microsoft.com/office/drawing/2014/main" id="{7B4A5206-768A-473A-BC19-7FA3B176CE83}"/>
+              </a:ext>
+            </a:extLst>
+          </p:cNvPr>
+          <p:cNvSpPr>
+            <a:spLocks noGrp="1"/>
+          </p:cNvSpPr>
+          <p:nvPr>
+            <p:ph type="title"/>
+          </p:nvPr>
+        </p:nvSpPr>
+        <p:spPr/>
+        <p:txBody>
+          <a:bodyPr/>
+          <a:lstStyle/>
+          <a:p>
+            <a:r>
+              <a:rPr lang="it-IT"/>
+              <a:t>Fare clic per modificare lo stile del titolo dello schema</a:t>
+            </a:r>
+          </a:p>
+        </p:txBody>
+      </p:sp>
+      <p:sp>
+        <p:nvSpPr>
+          <p:cNvPr id="3" name="Segnaposto data 2">
+            <a:extLst>
+              <a:ext uri="{FF2B5EF4-FFF2-40B4-BE49-F238E27FC236}">
+                <a16:creationId xmlns:a16="http://schemas.microsoft.com/office/drawing/2014/main" id="{8E99BB72-122C-48ED-B8C2-6723068435F5}"/>
+              </a:ext>
+            </a:extLst>
+          </p:cNvPr>
+          <p:cNvSpPr>
+            <a:spLocks noGrp="1"/>
+          </p:cNvSpPr>
+          <p:nvPr>
+            <p:ph type="dt" sz="half" idx="10"/>
+          </p:nvPr>
+        </p:nvSpPr>
+        <p:spPr/>
+        <p:txBody>
+          <a:bodyPr/>
+          <a:lstStyle/>
+          <a:p>
+            <a:fld id="{BDDA5BA8-0F72-4057-B72F-B912B43C2937}" type="datetimeFigureOut">
+              <a:rPr lang="it-IT" smtClean="0"/>
+              <a:t>17/05/2020</a:t>
+            </a:fld>
+            <a:endParaRPr lang="it-IT"/>
+          </a:p>
+        </p:txBody>
+      </p:sp>
+      <p:sp>
+        <p:nvSpPr>
+          <p:cNvPr id="4" name="Segnaposto piè di pagina 3">
+            <a:extLst>
+              <a:ext uri="{FF2B5EF4-FFF2-40B4-BE49-F238E27FC236}">
+                <a16:creationId xmlns:a16="http://schemas.microsoft.com/office/drawing/2014/main" id="{6A60B2F1-0F23-45D5-AEA9-32055ADAE7A0}"/>
+              </a:ext>
+            </a:extLst>
+          </p:cNvPr>
+          <p:cNvSpPr>
+            <a:spLocks noGrp="1"/>
+          </p:cNvSpPr>
+          <p:nvPr>
+            <p:ph type="ftr" sz="quarter" idx="11"/>
+          </p:nvPr>
+        </p:nvSpPr>
+        <p:spPr/>
+        <p:txBody>
+          <a:bodyPr/>
+          <a:lstStyle/>
+          <a:p>
+            <a:endParaRPr lang="it-IT"/>
+          </a:p>
+        </p:txBody>
+      </p:sp>
+      <p:sp>
+        <p:nvSpPr>
+          <p:cNvPr id="5" name="Segnaposto numero diapositiva 4">
+            <a:extLst>
+              <a:ext uri="{FF2B5EF4-FFF2-40B4-BE49-F238E27FC236}">
+                <a16:creationId xmlns:a16="http://schemas.microsoft.com/office/drawing/2014/main" id="{17E69C57-940D-47AA-B607-C22802E0E23F}"/>
+              </a:ext>
+            </a:extLst>
+          </p:cNvPr>
+          <p:cNvSpPr>
+            <a:spLocks noGrp="1"/>
+          </p:cNvSpPr>
+          <p:nvPr>
+            <p:ph type="sldNum" sz="quarter" idx="12"/>
+          </p:nvPr>
+        </p:nvSpPr>
+        <p:spPr/>
+        <p:txBody>
+          <a:bodyPr/>
+          <a:lstStyle/>
+          <a:p>
+            <a:fld id="{0CF15591-2ACB-4424-897B-E4D101B4C56F}" type="slidenum">
+              <a:rPr lang="it-IT" smtClean="0"/>
+              <a:t>‹#›</a:t>
+            </a:fld>
+            <a:endParaRPr lang="it-IT"/>
+          </a:p>
+        </p:txBody>
+      </p:sp>
+    </p:spTree>
+    <p:extLst>
+      <p:ext uri="{BB962C8B-B14F-4D97-AF65-F5344CB8AC3E}">
+        <p14:creationId xmlns:p14="http://schemas.microsoft.com/office/powerpoint/2010/main" val="2988205182"/>
+      </p:ext>
+    </p:extLst>
+  </p:cSld>
+  <p:clrMapOvr>
+    <a:masterClrMapping/>
+  </p:clrMapOvr>
+</p:sldLayout>
+</file>
+
+<file path=ppt/slideLayouts/slideLayout7.xml><?xml version="1.0" encoding="utf-8"?>
+<p:sldLayout xmlns:a="http://schemas.openxmlformats.org/drawingml/2006/main" xmlns:r="http://schemas.openxmlformats.org/officeDocument/2006/relationships" xmlns:p="http://schemas.openxmlformats.org/presentationml/2006/main" type="blank" preserve="1">
+  <p:cSld name="Vuota">
+    <p:spTree>
+      <p:nvGrpSpPr>
+        <p:cNvPr id="1" name=""/>
+        <p:cNvGrpSpPr/>
+        <p:nvPr/>
+      </p:nvGrpSpPr>
+      <p:grpSpPr>
+        <a:xfrm>
+          <a:off x="0" y="0"/>
+          <a:ext cx="0" cy="0"/>
+          <a:chOff x="0" y="0"/>
+          <a:chExt cx="0" cy="0"/>
+        </a:xfrm>
+      </p:grpSpPr>
+      <p:sp>
+        <p:nvSpPr>
+          <p:cNvPr id="2" name="Segnaposto data 1">
+            <a:extLst>
+              <a:ext uri="{FF2B5EF4-FFF2-40B4-BE49-F238E27FC236}">
+                <a16:creationId xmlns:a16="http://schemas.microsoft.com/office/drawing/2014/main" id="{2BD1E384-701A-47D7-A120-2C36288D7607}"/>
+              </a:ext>
+            </a:extLst>
+          </p:cNvPr>
+          <p:cNvSpPr>
+            <a:spLocks noGrp="1"/>
+          </p:cNvSpPr>
+          <p:nvPr>
+            <p:ph type="dt" sz="half" idx="10"/>
+          </p:nvPr>
+        </p:nvSpPr>
+        <p:spPr/>
+        <p:txBody>
+          <a:bodyPr/>
+          <a:lstStyle/>
+          <a:p>
+            <a:fld id="{BDDA5BA8-0F72-4057-B72F-B912B43C2937}" type="datetimeFigureOut">
+              <a:rPr lang="it-IT" smtClean="0"/>
+              <a:t>17/05/2020</a:t>
+            </a:fld>
+            <a:endParaRPr lang="it-IT"/>
+          </a:p>
+        </p:txBody>
+      </p:sp>
+      <p:sp>
+        <p:nvSpPr>
+          <p:cNvPr id="3" name="Segnaposto piè di pagina 2">
+            <a:extLst>
+              <a:ext uri="{FF2B5EF4-FFF2-40B4-BE49-F238E27FC236}">
+                <a16:creationId xmlns:a16="http://schemas.microsoft.com/office/drawing/2014/main" id="{9A483785-4351-40F2-9E9A-EA72E5300D84}"/>
+              </a:ext>
+            </a:extLst>
+          </p:cNvPr>
+          <p:cNvSpPr>
+            <a:spLocks noGrp="1"/>
+          </p:cNvSpPr>
+          <p:nvPr>
+            <p:ph type="ftr" sz="quarter" idx="11"/>
+          </p:nvPr>
+        </p:nvSpPr>
+        <p:spPr/>
+        <p:txBody>
+          <a:bodyPr/>
+          <a:lstStyle/>
+          <a:p>
+            <a:endParaRPr lang="it-IT"/>
+          </a:p>
+        </p:txBody>
+      </p:sp>
+      <p:sp>
+        <p:nvSpPr>
+          <p:cNvPr id="4" name="Segnaposto numero diapositiva 3">
+            <a:extLst>
+              <a:ext uri="{FF2B5EF4-FFF2-40B4-BE49-F238E27FC236}">
+                <a16:creationId xmlns:a16="http://schemas.microsoft.com/office/drawing/2014/main" id="{0B8452FF-A6CF-4941-BBF6-264A264F480E}"/>
+              </a:ext>
+            </a:extLst>
+          </p:cNvPr>
+          <p:cNvSpPr>
+            <a:spLocks noGrp="1"/>
+          </p:cNvSpPr>
+          <p:nvPr>
+            <p:ph type="sldNum" sz="quarter" idx="12"/>
+          </p:nvPr>
+        </p:nvSpPr>
+        <p:spPr/>
+        <p:txBody>
+          <a:bodyPr/>
+          <a:lstStyle/>
+          <a:p>
+            <a:fld id="{0CF15591-2ACB-4424-897B-E4D101B4C56F}" type="slidenum">
+              <a:rPr lang="it-IT" smtClean="0"/>
+              <a:t>‹#›</a:t>
+            </a:fld>
+            <a:endParaRPr lang="it-IT"/>
+          </a:p>
+        </p:txBody>
+      </p:sp>
+    </p:spTree>
+    <p:extLst>
+      <p:ext uri="{BB962C8B-B14F-4D97-AF65-F5344CB8AC3E}">
+        <p14:creationId xmlns:p14="http://schemas.microsoft.com/office/powerpoint/2010/main" val="960496947"/>
+      </p:ext>
+    </p:extLst>
+  </p:cSld>
+  <p:clrMapOvr>
+    <a:masterClrMapping/>
+  </p:clrMapOvr>
+</p:sldLayout>
+</file>
+
+<file path=ppt/slideLayouts/slideLayout8.xml><?xml version="1.0" encoding="utf-8"?>
+<p:sldLayout xmlns:a="http://schemas.openxmlformats.org/drawingml/2006/main" xmlns:r="http://schemas.openxmlformats.org/officeDocument/2006/relationships" xmlns:p="http://schemas.openxmlformats.org/presentationml/2006/main" type="objTx" preserve="1">
+  <p:cSld name="Contenuto con didascalia">
+    <p:spTree>
+      <p:nvGrpSpPr>
+        <p:cNvPr id="1" name=""/>
+        <p:cNvGrpSpPr/>
+        <p:nvPr/>
+      </p:nvGrpSpPr>
+      <p:grpSpPr>
+        <a:xfrm>
+          <a:off x="0" y="0"/>
+          <a:ext cx="0" cy="0"/>
+          <a:chOff x="0" y="0"/>
+          <a:chExt cx="0" cy="0"/>
+        </a:xfrm>
+      </p:grpSpPr>
+      <p:sp>
+        <p:nvSpPr>
+          <p:cNvPr id="2" name="Titolo 1">
+            <a:extLst>
+              <a:ext uri="{FF2B5EF4-FFF2-40B4-BE49-F238E27FC236}">
+                <a16:creationId xmlns:a16="http://schemas.microsoft.com/office/drawing/2014/main" id="{6F5F4FC9-692E-4EE5-A1A1-9C64D4D8EEFC}"/>
+              </a:ext>
+            </a:extLst>
+          </p:cNvPr>
+          <p:cNvSpPr>
+            <a:spLocks noGrp="1"/>
+          </p:cNvSpPr>
+          <p:nvPr>
+            <p:ph type="title"/>
+          </p:nvPr>
+        </p:nvSpPr>
+        <p:spPr>
+          <a:xfrm>
+            <a:off x="839788" y="457200"/>
+            <a:ext cx="3932237" cy="1600200"/>
+          </a:xfrm>
+        </p:spPr>
+        <p:txBody>
+          <a:bodyPr anchor="b"/>
+          <a:lstStyle>
+            <a:lvl1pPr>
+              <a:defRPr sz="3200"/>
+            </a:lvl1pPr>
+          </a:lstStyle>
+          <a:p>
+            <a:r>
+              <a:rPr lang="it-IT"/>
+              <a:t>Fare clic per modificare lo stile del titolo dello schema</a:t>
+            </a:r>
+          </a:p>
+        </p:txBody>
+      </p:sp>
+      <p:sp>
+        <p:nvSpPr>
+          <p:cNvPr id="3" name="Segnaposto contenuto 2">
+            <a:extLst>
+              <a:ext uri="{FF2B5EF4-FFF2-40B4-BE49-F238E27FC236}">
+                <a16:creationId xmlns:a16="http://schemas.microsoft.com/office/drawing/2014/main" id="{77587B8E-ABF3-41A2-BFDC-77B7D7F44CCC}"/>
+              </a:ext>
+            </a:extLst>
+          </p:cNvPr>
+          <p:cNvSpPr>
+            <a:spLocks noGrp="1"/>
+          </p:cNvSpPr>
+          <p:nvPr>
+            <p:ph idx="1"/>
+          </p:nvPr>
+        </p:nvSpPr>
+        <p:spPr>
+          <a:xfrm>
+            <a:off x="5183188" y="987425"/>
+            <a:ext cx="6172200" cy="4873625"/>
+          </a:xfrm>
+        </p:spPr>
+        <p:txBody>
+          <a:bodyPr/>
+          <a:lstStyle>
+            <a:lvl1pPr>
+              <a:defRPr sz="3200"/>
+            </a:lvl1pPr>
+            <a:lvl2pPr>
+              <a:defRPr sz="2800"/>
+            </a:lvl2pPr>
+            <a:lvl3pPr>
+              <a:defRPr sz="2400"/>
+            </a:lvl3pPr>
+            <a:lvl4pPr>
+              <a:defRPr sz="2000"/>
+            </a:lvl4pPr>
+            <a:lvl5pPr>
+              <a:defRPr sz="2000"/>
+            </a:lvl5pPr>
+            <a:lvl6pPr>
+              <a:defRPr sz="2000"/>
+            </a:lvl6pPr>
+            <a:lvl7pPr>
+              <a:defRPr sz="2000"/>
+            </a:lvl7pPr>
+            <a:lvl8pPr>
+              <a:defRPr sz="2000"/>
+            </a:lvl8pPr>
+            <a:lvl9pPr>
+              <a:defRPr sz="2000"/>
+            </a:lvl9pPr>
+          </a:lstStyle>
+          <a:p>
+            <a:pPr lvl="0"/>
+            <a:r>
+              <a:rPr lang="it-IT"/>
+              <a:t>Fare clic per modificare gli stili del testo dello schema</a:t>
+            </a:r>
+          </a:p>
+          <a:p>
+            <a:pPr lvl="1"/>
+            <a:r>
+              <a:rPr lang="it-IT"/>
+              <a:t>Secondo livello</a:t>
+            </a:r>
+          </a:p>
+          <a:p>
+            <a:pPr lvl="2"/>
+            <a:r>
+              <a:rPr lang="it-IT"/>
+              <a:t>Terzo livello</a:t>
+            </a:r>
+          </a:p>
+          <a:p>
+            <a:pPr lvl="3"/>
+            <a:r>
+              <a:rPr lang="it-IT"/>
+              <a:t>Quarto livello</a:t>
+            </a:r>
+          </a:p>
+          <a:p>
+            <a:pPr lvl="4"/>
+            <a:r>
+              <a:rPr lang="it-IT"/>
+              <a:t>Quinto livello</a:t>
+            </a:r>
+          </a:p>
+        </p:txBody>
+      </p:sp>
+      <p:sp>
+        <p:nvSpPr>
+          <p:cNvPr id="4" name="Segnaposto testo 3">
+            <a:extLst>
+              <a:ext uri="{FF2B5EF4-FFF2-40B4-BE49-F238E27FC236}">
+                <a16:creationId xmlns:a16="http://schemas.microsoft.com/office/drawing/2014/main" id="{2CF24A3F-CA41-415F-9F47-3221ECDDAF2A}"/>
+              </a:ext>
+            </a:extLst>
+          </p:cNvPr>
+          <p:cNvSpPr>
+            <a:spLocks noGrp="1"/>
+          </p:cNvSpPr>
+          <p:nvPr>
+            <p:ph type="body" sz="half" idx="2"/>
+          </p:nvPr>
+        </p:nvSpPr>
+        <p:spPr>
+          <a:xfrm>
+            <a:off x="839788" y="2057400"/>
+            <a:ext cx="3932237" cy="3811588"/>
+          </a:xfrm>
+        </p:spPr>
+        <p:txBody>
+          <a:bodyPr/>
+          <a:lstStyle>
+            <a:lvl1pPr marL="0" indent="0">
+              <a:buNone/>
+              <a:defRPr sz="1600"/>
+            </a:lvl1pPr>
+            <a:lvl2pPr marL="457200" indent="0">
+              <a:buNone/>
+              <a:defRPr sz="1400"/>
+            </a:lvl2pPr>
+            <a:lvl3pPr marL="914400" indent="0">
+              <a:buNone/>
+              <a:defRPr sz="1200"/>
+            </a:lvl3pPr>
+            <a:lvl4pPr marL="1371600" indent="0">
+              <a:buNone/>
+              <a:defRPr sz="1000"/>
+            </a:lvl4pPr>
+            <a:lvl5pPr marL="1828800" indent="0">
+              <a:buNone/>
+              <a:defRPr sz="1000"/>
+            </a:lvl5pPr>
+            <a:lvl6pPr marL="2286000" indent="0">
+              <a:buNone/>
+              <a:defRPr sz="1000"/>
+            </a:lvl6pPr>
+            <a:lvl7pPr marL="2743200" indent="0">
+              <a:buNone/>
+              <a:defRPr sz="1000"/>
+            </a:lvl7pPr>
+            <a:lvl8pPr marL="3200400" indent="0">
+              <a:buNone/>
+              <a:defRPr sz="1000"/>
+            </a:lvl8pPr>
+            <a:lvl9pPr marL="3657600" indent="0">
+              <a:buNone/>
+              <a:defRPr sz="1000"/>
+            </a:lvl9pPr>
+          </a:lstStyle>
+          <a:p>
+            <a:pPr lvl="0"/>
+            <a:r>
+              <a:rPr lang="it-IT"/>
+              <a:t>Fare clic per modificare gli stili del testo dello schema</a:t>
+            </a:r>
+          </a:p>
+        </p:txBody>
+      </p:sp>
+      <p:sp>
+        <p:nvSpPr>
+          <p:cNvPr id="5" name="Segnaposto data 4">
+            <a:extLst>
+              <a:ext uri="{FF2B5EF4-FFF2-40B4-BE49-F238E27FC236}">
+                <a16:creationId xmlns:a16="http://schemas.microsoft.com/office/drawing/2014/main" id="{8027F4C8-C55C-4DEA-AC67-CB70BC281260}"/>
+              </a:ext>
+            </a:extLst>
+          </p:cNvPr>
+          <p:cNvSpPr>
+            <a:spLocks noGrp="1"/>
+          </p:cNvSpPr>
+          <p:nvPr>
+            <p:ph type="dt" sz="half" idx="10"/>
+          </p:nvPr>
+        </p:nvSpPr>
+        <p:spPr/>
+        <p:txBody>
+          <a:bodyPr/>
+          <a:lstStyle/>
+          <a:p>
+            <a:fld id="{BDDA5BA8-0F72-4057-B72F-B912B43C2937}" type="datetimeFigureOut">
+              <a:rPr lang="it-IT" smtClean="0"/>
+              <a:t>17/05/2020</a:t>
+            </a:fld>
+            <a:endParaRPr lang="it-IT"/>
+          </a:p>
+        </p:txBody>
+      </p:sp>
+      <p:sp>
+        <p:nvSpPr>
+          <p:cNvPr id="6" name="Segnaposto piè di pagina 5">
+            <a:extLst>
+              <a:ext uri="{FF2B5EF4-FFF2-40B4-BE49-F238E27FC236}">
+                <a16:creationId xmlns:a16="http://schemas.microsoft.com/office/drawing/2014/main" id="{3E95D4B3-E777-4FE4-888C-D3800A3269C0}"/>
+              </a:ext>
+            </a:extLst>
+          </p:cNvPr>
+          <p:cNvSpPr>
+            <a:spLocks noGrp="1"/>
+          </p:cNvSpPr>
+          <p:nvPr>
+            <p:ph type="ftr" sz="quarter" idx="11"/>
+          </p:nvPr>
+        </p:nvSpPr>
+        <p:spPr/>
+        <p:txBody>
+          <a:bodyPr/>
+          <a:lstStyle/>
+          <a:p>
+            <a:endParaRPr lang="it-IT"/>
+          </a:p>
+        </p:txBody>
+      </p:sp>
+      <p:sp>
+        <p:nvSpPr>
+          <p:cNvPr id="7" name="Segnaposto numero diapositiva 6">
+            <a:extLst>
+              <a:ext uri="{FF2B5EF4-FFF2-40B4-BE49-F238E27FC236}">
+                <a16:creationId xmlns:a16="http://schemas.microsoft.com/office/drawing/2014/main" id="{3BC1A2FC-FC74-4287-AA01-271F2A44E85A}"/>
+              </a:ext>
+            </a:extLst>
+          </p:cNvPr>
+          <p:cNvSpPr>
+            <a:spLocks noGrp="1"/>
+          </p:cNvSpPr>
+          <p:nvPr>
+            <p:ph type="sldNum" sz="quarter" idx="12"/>
+          </p:nvPr>
+        </p:nvSpPr>
+        <p:spPr/>
+        <p:txBody>
+          <a:bodyPr/>
+          <a:lstStyle/>
+          <a:p>
+            <a:fld id="{0CF15591-2ACB-4424-897B-E4D101B4C56F}" type="slidenum">
+              <a:rPr lang="it-IT" smtClean="0"/>
+              <a:t>‹#›</a:t>
+            </a:fld>
+            <a:endParaRPr lang="it-IT"/>
+          </a:p>
+        </p:txBody>
+      </p:sp>
+    </p:spTree>
+    <p:extLst>
+      <p:ext uri="{BB962C8B-B14F-4D97-AF65-F5344CB8AC3E}">
+        <p14:creationId xmlns:p14="http://schemas.microsoft.com/office/powerpoint/2010/main" val="134931128"/>
+      </p:ext>
+    </p:extLst>
+  </p:cSld>
+  <p:clrMapOvr>
+    <a:masterClrMapping/>
+  </p:clrMapOvr>
+</p:sldLayout>
+</file>
+
+<file path=ppt/slideLayouts/slideLayout9.xml><?xml version="1.0" encoding="utf-8"?>
+<p:sldLayout xmlns:a="http://schemas.openxmlformats.org/drawingml/2006/main" xmlns:r="http://schemas.openxmlformats.org/officeDocument/2006/relationships" xmlns:p="http://schemas.openxmlformats.org/presentationml/2006/main" type="picTx" preserve="1">
+  <p:cSld name="Immagine con didascalia">
+    <p:spTree>
+      <p:nvGrpSpPr>
+        <p:cNvPr id="1" name=""/>
+        <p:cNvGrpSpPr/>
+        <p:nvPr/>
+      </p:nvGrpSpPr>
+      <p:grpSpPr>
+        <a:xfrm>
+          <a:off x="0" y="0"/>
+          <a:ext cx="0" cy="0"/>
+          <a:chOff x="0" y="0"/>
+          <a:chExt cx="0" cy="0"/>
+        </a:xfrm>
+      </p:grpSpPr>
+      <p:sp>
+        <p:nvSpPr>
+          <p:cNvPr id="2" name="Titolo 1">
+            <a:extLst>
+              <a:ext uri="{FF2B5EF4-FFF2-40B4-BE49-F238E27FC236}">
+                <a16:creationId xmlns:a16="http://schemas.microsoft.com/office/drawing/2014/main" id="{6A655187-BE5F-40D9-AF14-DF2E68CE92F3}"/>
+              </a:ext>
+            </a:extLst>
+          </p:cNvPr>
+          <p:cNvSpPr>
+            <a:spLocks noGrp="1"/>
+          </p:cNvSpPr>
+          <p:nvPr>
+            <p:ph type="title"/>
+          </p:nvPr>
+        </p:nvSpPr>
+        <p:spPr>
+          <a:xfrm>
+            <a:off x="839788" y="457200"/>
+            <a:ext cx="3932237" cy="1600200"/>
+          </a:xfrm>
+        </p:spPr>
+        <p:txBody>
+          <a:bodyPr anchor="b"/>
+          <a:lstStyle>
+            <a:lvl1pPr>
+              <a:defRPr sz="3200"/>
+            </a:lvl1pPr>
+          </a:lstStyle>
+          <a:p>
+            <a:r>
+              <a:rPr lang="it-IT"/>
+              <a:t>Fare clic per modificare lo stile del titolo dello schema</a:t>
+            </a:r>
+          </a:p>
+        </p:txBody>
+      </p:sp>
+      <p:sp>
+        <p:nvSpPr>
+          <p:cNvPr id="3" name="Segnaposto immagine 2">
+            <a:extLst>
+              <a:ext uri="{FF2B5EF4-FFF2-40B4-BE49-F238E27FC236}">
+                <a16:creationId xmlns:a16="http://schemas.microsoft.com/office/drawing/2014/main" id="{60EE4323-D168-436A-AB60-3252FBD24D64}"/>
+              </a:ext>
+            </a:extLst>
+          </p:cNvPr>
+          <p:cNvSpPr>
+            <a:spLocks noGrp="1"/>
+          </p:cNvSpPr>
+          <p:nvPr>
+            <p:ph type="pic" idx="1"/>
+          </p:nvPr>
+        </p:nvSpPr>
+        <p:spPr>
+          <a:xfrm>
+            <a:off x="5183188" y="987425"/>
+            <a:ext cx="6172200" cy="4873625"/>
+          </a:xfrm>
+        </p:spPr>
+        <p:txBody>
+          <a:bodyPr/>
+          <a:lstStyle>
+            <a:lvl1pPr marL="0" indent="0">
+              <a:buNone/>
+              <a:defRPr sz="3200"/>
+            </a:lvl1pPr>
+            <a:lvl2pPr marL="457200" indent="0">
+              <a:buNone/>
+              <a:defRPr sz="2800"/>
+            </a:lvl2pPr>
+            <a:lvl3pPr marL="914400" indent="0">
+              <a:buNone/>
+              <a:defRPr sz="2400"/>
+            </a:lvl3pPr>
+            <a:lvl4pPr marL="1371600" indent="0">
+              <a:buNone/>
+              <a:defRPr sz="2000"/>
+            </a:lvl4pPr>
+            <a:lvl5pPr marL="1828800" indent="0">
+              <a:buNone/>
+              <a:defRPr sz="2000"/>
+            </a:lvl5pPr>
+            <a:lvl6pPr marL="2286000" indent="0">
+              <a:buNone/>
+              <a:defRPr sz="2000"/>
+            </a:lvl6pPr>
+            <a:lvl7pPr marL="2743200" indent="0">
+              <a:buNone/>
+              <a:defRPr sz="2000"/>
+            </a:lvl7pPr>
+            <a:lvl8pPr marL="3200400" indent="0">
+              <a:buNone/>
+              <a:defRPr sz="2000"/>
+            </a:lvl8pPr>
+            <a:lvl9pPr marL="3657600" indent="0">
+              <a:buNone/>
+              <a:defRPr sz="2000"/>
+            </a:lvl9pPr>
+          </a:lstStyle>
+          <a:p>
+            <a:endParaRPr lang="it-IT"/>
+          </a:p>
+        </p:txBody>
+      </p:sp>
+      <p:sp>
+        <p:nvSpPr>
+          <p:cNvPr id="4" name="Segnaposto testo 3">
+            <a:extLst>
+              <a:ext uri="{FF2B5EF4-FFF2-40B4-BE49-F238E27FC236}">
+                <a16:creationId xmlns:a16="http://schemas.microsoft.com/office/drawing/2014/main" id="{533372A9-0471-4A4C-B87A-C2A228C64AE9}"/>
+              </a:ext>
+            </a:extLst>
+          </p:cNvPr>
+          <p:cNvSpPr>
+            <a:spLocks noGrp="1"/>
+          </p:cNvSpPr>
+          <p:nvPr>
+            <p:ph type="body" sz="half" idx="2"/>
+          </p:nvPr>
+        </p:nvSpPr>
+        <p:spPr>
+          <a:xfrm>
+            <a:off x="839788" y="2057400"/>
+            <a:ext cx="3932237" cy="3811588"/>
+          </a:xfrm>
+        </p:spPr>
+        <p:txBody>
+          <a:bodyPr/>
+          <a:lstStyle>
+            <a:lvl1pPr marL="0" indent="0">
+              <a:buNone/>
+              <a:defRPr sz="1600"/>
+            </a:lvl1pPr>
+            <a:lvl2pPr marL="457200" indent="0">
+              <a:buNone/>
+              <a:defRPr sz="1400"/>
+            </a:lvl2pPr>
+            <a:lvl3pPr marL="914400" indent="0">
+              <a:buNone/>
+              <a:defRPr sz="1200"/>
+            </a:lvl3pPr>
+            <a:lvl4pPr marL="1371600" indent="0">
+              <a:buNone/>
+              <a:defRPr sz="1000"/>
+            </a:lvl4pPr>
+            <a:lvl5pPr marL="1828800" indent="0">
+              <a:buNone/>
+              <a:defRPr sz="1000"/>
+            </a:lvl5pPr>
+            <a:lvl6pPr marL="2286000" indent="0">
+              <a:buNone/>
+              <a:defRPr sz="1000"/>
+            </a:lvl6pPr>
+            <a:lvl7pPr marL="2743200" indent="0">
+              <a:buNone/>
+              <a:defRPr sz="1000"/>
+            </a:lvl7pPr>
+            <a:lvl8pPr marL="3200400" indent="0">
+              <a:buNone/>
+              <a:defRPr sz="1000"/>
+            </a:lvl8pPr>
+            <a:lvl9pPr marL="3657600" indent="0">
+              <a:buNone/>
+              <a:defRPr sz="1000"/>
+            </a:lvl9pPr>
+          </a:lstStyle>
+          <a:p>
+            <a:pPr lvl="0"/>
+            <a:r>
+              <a:rPr lang="it-IT"/>
+              <a:t>Fare clic per modificare gli stili del testo dello schema</a:t>
+            </a:r>
+          </a:p>
+        </p:txBody>
+      </p:sp>
+      <p:sp>
+        <p:nvSpPr>
+          <p:cNvPr id="5" name="Segnaposto data 4">
+            <a:extLst>
+              <a:ext uri="{FF2B5EF4-FFF2-40B4-BE49-F238E27FC236}">
+                <a16:creationId xmlns:a16="http://schemas.microsoft.com/office/drawing/2014/main" id="{172DAC01-3764-4C60-BE98-C94ABECD15DB}"/>
+              </a:ext>
+            </a:extLst>
+          </p:cNvPr>
+          <p:cNvSpPr>
+            <a:spLocks noGrp="1"/>
+          </p:cNvSpPr>
+          <p:nvPr>
+            <p:ph type="dt" sz="half" idx="10"/>
+          </p:nvPr>
+        </p:nvSpPr>
+        <p:spPr/>
+        <p:txBody>
+          <a:bodyPr/>
+          <a:lstStyle/>
+          <a:p>
+            <a:fld id="{BDDA5BA8-0F72-4057-B72F-B912B43C2937}" type="datetimeFigureOut">
+              <a:rPr lang="it-IT" smtClean="0"/>
+              <a:t>17/05/2020</a:t>
+            </a:fld>
+            <a:endParaRPr lang="it-IT"/>
+          </a:p>
+        </p:txBody>
+      </p:sp>
+      <p:sp>
+        <p:nvSpPr>
+          <p:cNvPr id="6" name="Segnaposto piè di pagina 5">
+            <a:extLst>
+              <a:ext uri="{FF2B5EF4-FFF2-40B4-BE49-F238E27FC236}">
+                <a16:creationId xmlns:a16="http://schemas.microsoft.com/office/drawing/2014/main" id="{3BABA41D-BB11-4264-9AD8-8650AEB0F028}"/>
+              </a:ext>
+            </a:extLst>
+          </p:cNvPr>
+          <p:cNvSpPr>
+            <a:spLocks noGrp="1"/>
+          </p:cNvSpPr>
+          <p:nvPr>
+            <p:ph type="ftr" sz="quarter" idx="11"/>
+          </p:nvPr>
+        </p:nvSpPr>
+        <p:spPr/>
+        <p:txBody>
+          <a:bodyPr/>
+          <a:lstStyle/>
+          <a:p>
+            <a:endParaRPr lang="it-IT"/>
+          </a:p>
+        </p:txBody>
+      </p:sp>
+      <p:sp>
+        <p:nvSpPr>
+          <p:cNvPr id="7" name="Segnaposto numero diapositiva 6">
+            <a:extLst>
+              <a:ext uri="{FF2B5EF4-FFF2-40B4-BE49-F238E27FC236}">
+                <a16:creationId xmlns:a16="http://schemas.microsoft.com/office/drawing/2014/main" id="{59F3E7DE-A6F3-47F5-86FE-88F429932C86}"/>
+              </a:ext>
+            </a:extLst>
+          </p:cNvPr>
+          <p:cNvSpPr>
+            <a:spLocks noGrp="1"/>
+          </p:cNvSpPr>
+          <p:nvPr>
+            <p:ph type="sldNum" sz="quarter" idx="12"/>
+          </p:nvPr>
+        </p:nvSpPr>
+        <p:spPr/>
+        <p:txBody>
+          <a:bodyPr/>
+          <a:lstStyle/>
+          <a:p>
+            <a:fld id="{0CF15591-2ACB-4424-897B-E4D101B4C56F}" type="slidenum">
+              <a:rPr lang="it-IT" smtClean="0"/>
+              <a:t>‹#›</a:t>
             </a:fld>
             <a:endParaRPr lang="it-IT"/>
           </a:p>
@@ -11276,7 +13926,7 @@
           <a:p>
             <a:fld id="{BDDA5BA8-0F72-4057-B72F-B912B43C2937}" type="datetimeFigureOut">
               <a:rPr lang="it-IT" smtClean="0"/>
-              <a:t>28/04/2020</a:t>
+              <a:t>17/05/2020</a:t>
             </a:fld>
             <a:endParaRPr lang="it-IT"/>
           </a:p>
@@ -11366,7 +14016,7 @@
           <a:p>
             <a:fld id="{0CF15591-2ACB-4424-897B-E4D101B4C56F}" type="slidenum">
               <a:rPr lang="it-IT" smtClean="0"/>
-              <a:t>‹N›</a:t>
+              <a:t>‹#›</a:t>
             </a:fld>
             <a:endParaRPr lang="it-IT"/>
           </a:p>
@@ -11392,6 +14042,576 @@
     <p:sldLayoutId id="2147483657" r:id="rId9"/>
     <p:sldLayoutId id="2147483658" r:id="rId10"/>
     <p:sldLayoutId id="2147483659" r:id="rId11"/>
+  </p:sldLayoutIdLst>
+  <p:txStyles>
+    <p:titleStyle>
+      <a:lvl1pPr algn="l" defTabSz="914400" rtl="0" eaLnBrk="1" latinLnBrk="0" hangingPunct="1">
+        <a:lnSpc>
+          <a:spcPct val="90000"/>
+        </a:lnSpc>
+        <a:spcBef>
+          <a:spcPct val="0"/>
+        </a:spcBef>
+        <a:buNone/>
+        <a:defRPr sz="4400" kern="1200">
+          <a:solidFill>
+            <a:schemeClr val="tx1"/>
+          </a:solidFill>
+          <a:latin typeface="+mj-lt"/>
+          <a:ea typeface="+mj-ea"/>
+          <a:cs typeface="+mj-cs"/>
+        </a:defRPr>
+      </a:lvl1pPr>
+    </p:titleStyle>
+    <p:bodyStyle>
+      <a:lvl1pPr marL="228600" indent="-228600" algn="l" defTabSz="914400" rtl="0" eaLnBrk="1" latinLnBrk="0" hangingPunct="1">
+        <a:lnSpc>
+          <a:spcPct val="90000"/>
+        </a:lnSpc>
+        <a:spcBef>
+          <a:spcPts val="1000"/>
+        </a:spcBef>
+        <a:buFont typeface="Arial" panose="020B0604020202020204" pitchFamily="34" charset="0"/>
+        <a:buChar char="•"/>
+        <a:defRPr sz="2800" kern="1200">
+          <a:solidFill>
+            <a:schemeClr val="tx1"/>
+          </a:solidFill>
+          <a:latin typeface="+mn-lt"/>
+          <a:ea typeface="+mn-ea"/>
+          <a:cs typeface="+mn-cs"/>
+        </a:defRPr>
+      </a:lvl1pPr>
+      <a:lvl2pPr marL="685800" indent="-228600" algn="l" defTabSz="914400" rtl="0" eaLnBrk="1" latinLnBrk="0" hangingPunct="1">
+        <a:lnSpc>
+          <a:spcPct val="90000"/>
+        </a:lnSpc>
+        <a:spcBef>
+          <a:spcPts val="500"/>
+        </a:spcBef>
+        <a:buFont typeface="Arial" panose="020B0604020202020204" pitchFamily="34" charset="0"/>
+        <a:buChar char="•"/>
+        <a:defRPr sz="2400" kern="1200">
+          <a:solidFill>
+            <a:schemeClr val="tx1"/>
+          </a:solidFill>
+          <a:latin typeface="+mn-lt"/>
+          <a:ea typeface="+mn-ea"/>
+          <a:cs typeface="+mn-cs"/>
+        </a:defRPr>
+      </a:lvl2pPr>
+      <a:lvl3pPr marL="1143000" indent="-228600" algn="l" defTabSz="914400" rtl="0" eaLnBrk="1" latinLnBrk="0" hangingPunct="1">
+        <a:lnSpc>
+          <a:spcPct val="90000"/>
+        </a:lnSpc>
+        <a:spcBef>
+          <a:spcPts val="500"/>
+        </a:spcBef>
+        <a:buFont typeface="Arial" panose="020B0604020202020204" pitchFamily="34" charset="0"/>
+        <a:buChar char="•"/>
+        <a:defRPr sz="2000" kern="1200">
+          <a:solidFill>
+            <a:schemeClr val="tx1"/>
+          </a:solidFill>
+          <a:latin typeface="+mn-lt"/>
+          <a:ea typeface="+mn-ea"/>
+          <a:cs typeface="+mn-cs"/>
+        </a:defRPr>
+      </a:lvl3pPr>
+      <a:lvl4pPr marL="1600200" indent="-228600" algn="l" defTabSz="914400" rtl="0" eaLnBrk="1" latinLnBrk="0" hangingPunct="1">
+        <a:lnSpc>
+          <a:spcPct val="90000"/>
+        </a:lnSpc>
+        <a:spcBef>
+          <a:spcPts val="500"/>
+        </a:spcBef>
+        <a:buFont typeface="Arial" panose="020B0604020202020204" pitchFamily="34" charset="0"/>
+        <a:buChar char="•"/>
+        <a:defRPr sz="1800" kern="1200">
+          <a:solidFill>
+            <a:schemeClr val="tx1"/>
+          </a:solidFill>
+          <a:latin typeface="+mn-lt"/>
+          <a:ea typeface="+mn-ea"/>
+          <a:cs typeface="+mn-cs"/>
+        </a:defRPr>
+      </a:lvl4pPr>
+      <a:lvl5pPr marL="2057400" indent="-228600" algn="l" defTabSz="914400" rtl="0" eaLnBrk="1" latinLnBrk="0" hangingPunct="1">
+        <a:lnSpc>
+          <a:spcPct val="90000"/>
+        </a:lnSpc>
+        <a:spcBef>
+          <a:spcPts val="500"/>
+        </a:spcBef>
+        <a:buFont typeface="Arial" panose="020B0604020202020204" pitchFamily="34" charset="0"/>
+        <a:buChar char="•"/>
+        <a:defRPr sz="1800" kern="1200">
+          <a:solidFill>
+            <a:schemeClr val="tx1"/>
+          </a:solidFill>
+          <a:latin typeface="+mn-lt"/>
+          <a:ea typeface="+mn-ea"/>
+          <a:cs typeface="+mn-cs"/>
+        </a:defRPr>
+      </a:lvl5pPr>
+      <a:lvl6pPr marL="2514600" indent="-228600" algn="l" defTabSz="914400" rtl="0" eaLnBrk="1" latinLnBrk="0" hangingPunct="1">
+        <a:lnSpc>
+          <a:spcPct val="90000"/>
+        </a:lnSpc>
+        <a:spcBef>
+          <a:spcPts val="500"/>
+        </a:spcBef>
+        <a:buFont typeface="Arial" panose="020B0604020202020204" pitchFamily="34" charset="0"/>
+        <a:buChar char="•"/>
+        <a:defRPr sz="1800" kern="1200">
+          <a:solidFill>
+            <a:schemeClr val="tx1"/>
+          </a:solidFill>
+          <a:latin typeface="+mn-lt"/>
+          <a:ea typeface="+mn-ea"/>
+          <a:cs typeface="+mn-cs"/>
+        </a:defRPr>
+      </a:lvl6pPr>
+      <a:lvl7pPr marL="2971800" indent="-228600" algn="l" defTabSz="914400" rtl="0" eaLnBrk="1" latinLnBrk="0" hangingPunct="1">
+        <a:lnSpc>
+          <a:spcPct val="90000"/>
+        </a:lnSpc>
+        <a:spcBef>
+          <a:spcPts val="500"/>
+        </a:spcBef>
+        <a:buFont typeface="Arial" panose="020B0604020202020204" pitchFamily="34" charset="0"/>
+        <a:buChar char="•"/>
+        <a:defRPr sz="1800" kern="1200">
+          <a:solidFill>
+            <a:schemeClr val="tx1"/>
+          </a:solidFill>
+          <a:latin typeface="+mn-lt"/>
+          <a:ea typeface="+mn-ea"/>
+          <a:cs typeface="+mn-cs"/>
+        </a:defRPr>
+      </a:lvl7pPr>
+      <a:lvl8pPr marL="3429000" indent="-228600" algn="l" defTabSz="914400" rtl="0" eaLnBrk="1" latinLnBrk="0" hangingPunct="1">
+        <a:lnSpc>
+          <a:spcPct val="90000"/>
+        </a:lnSpc>
+        <a:spcBef>
+          <a:spcPts val="500"/>
+        </a:spcBef>
+        <a:buFont typeface="Arial" panose="020B0604020202020204" pitchFamily="34" charset="0"/>
+        <a:buChar char="•"/>
+        <a:defRPr sz="1800" kern="1200">
+          <a:solidFill>
+            <a:schemeClr val="tx1"/>
+          </a:solidFill>
+          <a:latin typeface="+mn-lt"/>
+          <a:ea typeface="+mn-ea"/>
+          <a:cs typeface="+mn-cs"/>
+        </a:defRPr>
+      </a:lvl8pPr>
+      <a:lvl9pPr marL="3886200" indent="-228600" algn="l" defTabSz="914400" rtl="0" eaLnBrk="1" latinLnBrk="0" hangingPunct="1">
+        <a:lnSpc>
+          <a:spcPct val="90000"/>
+        </a:lnSpc>
+        <a:spcBef>
+          <a:spcPts val="500"/>
+        </a:spcBef>
+        <a:buFont typeface="Arial" panose="020B0604020202020204" pitchFamily="34" charset="0"/>
+        <a:buChar char="•"/>
+        <a:defRPr sz="1800" kern="1200">
+          <a:solidFill>
+            <a:schemeClr val="tx1"/>
+          </a:solidFill>
+          <a:latin typeface="+mn-lt"/>
+          <a:ea typeface="+mn-ea"/>
+          <a:cs typeface="+mn-cs"/>
+        </a:defRPr>
+      </a:lvl9pPr>
+    </p:bodyStyle>
+    <p:otherStyle>
+      <a:defPPr>
+        <a:defRPr lang="it-IT"/>
+      </a:defPPr>
+      <a:lvl1pPr marL="0" algn="l" defTabSz="914400" rtl="0" eaLnBrk="1" latinLnBrk="0" hangingPunct="1">
+        <a:defRPr sz="1800" kern="1200">
+          <a:solidFill>
+            <a:schemeClr val="tx1"/>
+          </a:solidFill>
+          <a:latin typeface="+mn-lt"/>
+          <a:ea typeface="+mn-ea"/>
+          <a:cs typeface="+mn-cs"/>
+        </a:defRPr>
+      </a:lvl1pPr>
+      <a:lvl2pPr marL="457200" algn="l" defTabSz="914400" rtl="0" eaLnBrk="1" latinLnBrk="0" hangingPunct="1">
+        <a:defRPr sz="1800" kern="1200">
+          <a:solidFill>
+            <a:schemeClr val="tx1"/>
+          </a:solidFill>
+          <a:latin typeface="+mn-lt"/>
+          <a:ea typeface="+mn-ea"/>
+          <a:cs typeface="+mn-cs"/>
+        </a:defRPr>
+      </a:lvl2pPr>
+      <a:lvl3pPr marL="914400" algn="l" defTabSz="914400" rtl="0" eaLnBrk="1" latinLnBrk="0" hangingPunct="1">
+        <a:defRPr sz="1800" kern="1200">
+          <a:solidFill>
+            <a:schemeClr val="tx1"/>
+          </a:solidFill>
+          <a:latin typeface="+mn-lt"/>
+          <a:ea typeface="+mn-ea"/>
+          <a:cs typeface="+mn-cs"/>
+        </a:defRPr>
+      </a:lvl3pPr>
+      <a:lvl4pPr marL="1371600" algn="l" defTabSz="914400" rtl="0" eaLnBrk="1" latinLnBrk="0" hangingPunct="1">
+        <a:defRPr sz="1800" kern="1200">
+          <a:solidFill>
+            <a:schemeClr val="tx1"/>
+          </a:solidFill>
+          <a:latin typeface="+mn-lt"/>
+          <a:ea typeface="+mn-ea"/>
+          <a:cs typeface="+mn-cs"/>
+        </a:defRPr>
+      </a:lvl4pPr>
+      <a:lvl5pPr marL="1828800" algn="l" defTabSz="914400" rtl="0" eaLnBrk="1" latinLnBrk="0" hangingPunct="1">
+        <a:defRPr sz="1800" kern="1200">
+          <a:solidFill>
+            <a:schemeClr val="tx1"/>
+          </a:solidFill>
+          <a:latin typeface="+mn-lt"/>
+          <a:ea typeface="+mn-ea"/>
+          <a:cs typeface="+mn-cs"/>
+        </a:defRPr>
+      </a:lvl5pPr>
+      <a:lvl6pPr marL="2286000" algn="l" defTabSz="914400" rtl="0" eaLnBrk="1" latinLnBrk="0" hangingPunct="1">
+        <a:defRPr sz="1800" kern="1200">
+          <a:solidFill>
+            <a:schemeClr val="tx1"/>
+          </a:solidFill>
+          <a:latin typeface="+mn-lt"/>
+          <a:ea typeface="+mn-ea"/>
+          <a:cs typeface="+mn-cs"/>
+        </a:defRPr>
+      </a:lvl6pPr>
+      <a:lvl7pPr marL="2743200" algn="l" defTabSz="914400" rtl="0" eaLnBrk="1" latinLnBrk="0" hangingPunct="1">
+        <a:defRPr sz="1800" kern="1200">
+          <a:solidFill>
+            <a:schemeClr val="tx1"/>
+          </a:solidFill>
+          <a:latin typeface="+mn-lt"/>
+          <a:ea typeface="+mn-ea"/>
+          <a:cs typeface="+mn-cs"/>
+        </a:defRPr>
+      </a:lvl7pPr>
+      <a:lvl8pPr marL="3200400" algn="l" defTabSz="914400" rtl="0" eaLnBrk="1" latinLnBrk="0" hangingPunct="1">
+        <a:defRPr sz="1800" kern="1200">
+          <a:solidFill>
+            <a:schemeClr val="tx1"/>
+          </a:solidFill>
+          <a:latin typeface="+mn-lt"/>
+          <a:ea typeface="+mn-ea"/>
+          <a:cs typeface="+mn-cs"/>
+        </a:defRPr>
+      </a:lvl8pPr>
+      <a:lvl9pPr marL="3657600" algn="l" defTabSz="914400" rtl="0" eaLnBrk="1" latinLnBrk="0" hangingPunct="1">
+        <a:defRPr sz="1800" kern="1200">
+          <a:solidFill>
+            <a:schemeClr val="tx1"/>
+          </a:solidFill>
+          <a:latin typeface="+mn-lt"/>
+          <a:ea typeface="+mn-ea"/>
+          <a:cs typeface="+mn-cs"/>
+        </a:defRPr>
+      </a:lvl9pPr>
+    </p:otherStyle>
+  </p:txStyles>
+</p:sldMaster>
+</file>
+
+<file path=ppt/slideMasters/slideMaster2.xml><?xml version="1.0" encoding="utf-8"?>
+<p:sldMaster xmlns:a="http://schemas.openxmlformats.org/drawingml/2006/main" xmlns:r="http://schemas.openxmlformats.org/officeDocument/2006/relationships" xmlns:p="http://schemas.openxmlformats.org/presentationml/2006/main">
+  <p:cSld>
+    <p:bg>
+      <p:bgRef idx="1001">
+        <a:schemeClr val="bg1"/>
+      </p:bgRef>
+    </p:bg>
+    <p:spTree>
+      <p:nvGrpSpPr>
+        <p:cNvPr id="1" name=""/>
+        <p:cNvGrpSpPr/>
+        <p:nvPr/>
+      </p:nvGrpSpPr>
+      <p:grpSpPr>
+        <a:xfrm>
+          <a:off x="0" y="0"/>
+          <a:ext cx="0" cy="0"/>
+          <a:chOff x="0" y="0"/>
+          <a:chExt cx="0" cy="0"/>
+        </a:xfrm>
+      </p:grpSpPr>
+      <p:sp>
+        <p:nvSpPr>
+          <p:cNvPr id="2" name="Title Placeholder 1">
+            <a:extLst>
+              <a:ext uri="{FF2B5EF4-FFF2-40B4-BE49-F238E27FC236}">
+                <a16:creationId xmlns:a16="http://schemas.microsoft.com/office/drawing/2014/main" id="{10BD6DE3-1A5E-4231-885F-8EE9A53DC07D}"/>
+              </a:ext>
+            </a:extLst>
+          </p:cNvPr>
+          <p:cNvSpPr>
+            <a:spLocks noGrp="1"/>
+          </p:cNvSpPr>
+          <p:nvPr>
+            <p:ph type="title"/>
+          </p:nvPr>
+        </p:nvSpPr>
+        <p:spPr>
+          <a:xfrm>
+            <a:off x="838200" y="365125"/>
+            <a:ext cx="10515600" cy="1325563"/>
+          </a:xfrm>
+          <a:prstGeom prst="rect">
+            <a:avLst/>
+          </a:prstGeom>
+        </p:spPr>
+        <p:txBody>
+          <a:bodyPr vert="horz" lIns="91440" tIns="45720" rIns="91440" bIns="45720" rtlCol="0" anchor="ctr">
+            <a:normAutofit/>
+          </a:bodyPr>
+          <a:lstStyle/>
+          <a:p>
+            <a:r>
+              <a:rPr lang="en-US"/>
+              <a:t>Click to edit Master title style</a:t>
+            </a:r>
+            <a:endParaRPr lang="it-IT"/>
+          </a:p>
+        </p:txBody>
+      </p:sp>
+      <p:sp>
+        <p:nvSpPr>
+          <p:cNvPr id="3" name="Text Placeholder 2">
+            <a:extLst>
+              <a:ext uri="{FF2B5EF4-FFF2-40B4-BE49-F238E27FC236}">
+                <a16:creationId xmlns:a16="http://schemas.microsoft.com/office/drawing/2014/main" id="{0440FB3F-F6E8-4717-9E9E-DA208E62AB43}"/>
+              </a:ext>
+            </a:extLst>
+          </p:cNvPr>
+          <p:cNvSpPr>
+            <a:spLocks noGrp="1"/>
+          </p:cNvSpPr>
+          <p:nvPr>
+            <p:ph type="body" idx="1"/>
+          </p:nvPr>
+        </p:nvSpPr>
+        <p:spPr>
+          <a:xfrm>
+            <a:off x="838200" y="1825625"/>
+            <a:ext cx="10515600" cy="4351338"/>
+          </a:xfrm>
+          <a:prstGeom prst="rect">
+            <a:avLst/>
+          </a:prstGeom>
+        </p:spPr>
+        <p:txBody>
+          <a:bodyPr vert="horz" lIns="91440" tIns="45720" rIns="91440" bIns="45720" rtlCol="0">
+            <a:normAutofit/>
+          </a:bodyPr>
+          <a:lstStyle/>
+          <a:p>
+            <a:pPr lvl="0"/>
+            <a:r>
+              <a:rPr lang="en-US"/>
+              <a:t>Click to edit Master text styles</a:t>
+            </a:r>
+          </a:p>
+          <a:p>
+            <a:pPr lvl="1"/>
+            <a:r>
+              <a:rPr lang="en-US"/>
+              <a:t>Second level</a:t>
+            </a:r>
+          </a:p>
+          <a:p>
+            <a:pPr lvl="2"/>
+            <a:r>
+              <a:rPr lang="en-US"/>
+              <a:t>Third level</a:t>
+            </a:r>
+          </a:p>
+          <a:p>
+            <a:pPr lvl="3"/>
+            <a:r>
+              <a:rPr lang="en-US"/>
+              <a:t>Fourth level</a:t>
+            </a:r>
+          </a:p>
+          <a:p>
+            <a:pPr lvl="4"/>
+            <a:r>
+              <a:rPr lang="en-US"/>
+              <a:t>Fifth level</a:t>
+            </a:r>
+            <a:endParaRPr lang="it-IT"/>
+          </a:p>
+        </p:txBody>
+      </p:sp>
+      <p:sp>
+        <p:nvSpPr>
+          <p:cNvPr id="4" name="Date Placeholder 3">
+            <a:extLst>
+              <a:ext uri="{FF2B5EF4-FFF2-40B4-BE49-F238E27FC236}">
+                <a16:creationId xmlns:a16="http://schemas.microsoft.com/office/drawing/2014/main" id="{3A0946B0-79EF-4BB0-B6A3-54EE37A08C46}"/>
+              </a:ext>
+            </a:extLst>
+          </p:cNvPr>
+          <p:cNvSpPr>
+            <a:spLocks noGrp="1"/>
+          </p:cNvSpPr>
+          <p:nvPr>
+            <p:ph type="dt" sz="half" idx="2"/>
+          </p:nvPr>
+        </p:nvSpPr>
+        <p:spPr>
+          <a:xfrm>
+            <a:off x="838200" y="6356350"/>
+            <a:ext cx="2743200" cy="365125"/>
+          </a:xfrm>
+          <a:prstGeom prst="rect">
+            <a:avLst/>
+          </a:prstGeom>
+        </p:spPr>
+        <p:txBody>
+          <a:bodyPr vert="horz" lIns="91440" tIns="45720" rIns="91440" bIns="45720" rtlCol="0" anchor="ctr"/>
+          <a:lstStyle>
+            <a:lvl1pPr algn="l">
+              <a:defRPr sz="1200">
+                <a:solidFill>
+                  <a:schemeClr val="tx1">
+                    <a:tint val="75000"/>
+                  </a:schemeClr>
+                </a:solidFill>
+              </a:defRPr>
+            </a:lvl1pPr>
+          </a:lstStyle>
+          <a:p>
+            <a:fld id="{A1720CB6-C394-4595-9B0B-B51B5CA3DAC2}" type="datetimeFigureOut">
+              <a:rPr lang="it-IT" smtClean="0"/>
+              <a:t>17/05/2020</a:t>
+            </a:fld>
+            <a:endParaRPr lang="it-IT"/>
+          </a:p>
+        </p:txBody>
+      </p:sp>
+      <p:sp>
+        <p:nvSpPr>
+          <p:cNvPr id="5" name="Footer Placeholder 4">
+            <a:extLst>
+              <a:ext uri="{FF2B5EF4-FFF2-40B4-BE49-F238E27FC236}">
+                <a16:creationId xmlns:a16="http://schemas.microsoft.com/office/drawing/2014/main" id="{10E5079B-C664-4B49-8704-9B54985FFECF}"/>
+              </a:ext>
+            </a:extLst>
+          </p:cNvPr>
+          <p:cNvSpPr>
+            <a:spLocks noGrp="1"/>
+          </p:cNvSpPr>
+          <p:nvPr>
+            <p:ph type="ftr" sz="quarter" idx="3"/>
+          </p:nvPr>
+        </p:nvSpPr>
+        <p:spPr>
+          <a:xfrm>
+            <a:off x="4038600" y="6356350"/>
+            <a:ext cx="4114800" cy="365125"/>
+          </a:xfrm>
+          <a:prstGeom prst="rect">
+            <a:avLst/>
+          </a:prstGeom>
+        </p:spPr>
+        <p:txBody>
+          <a:bodyPr vert="horz" lIns="91440" tIns="45720" rIns="91440" bIns="45720" rtlCol="0" anchor="ctr"/>
+          <a:lstStyle>
+            <a:lvl1pPr algn="ctr">
+              <a:defRPr sz="1200">
+                <a:solidFill>
+                  <a:schemeClr val="tx1">
+                    <a:tint val="75000"/>
+                  </a:schemeClr>
+                </a:solidFill>
+              </a:defRPr>
+            </a:lvl1pPr>
+          </a:lstStyle>
+          <a:p>
+            <a:endParaRPr lang="it-IT"/>
+          </a:p>
+        </p:txBody>
+      </p:sp>
+      <p:sp>
+        <p:nvSpPr>
+          <p:cNvPr id="6" name="Slide Number Placeholder 5">
+            <a:extLst>
+              <a:ext uri="{FF2B5EF4-FFF2-40B4-BE49-F238E27FC236}">
+                <a16:creationId xmlns:a16="http://schemas.microsoft.com/office/drawing/2014/main" id="{13D2BAD5-746E-4FC6-BE79-ECDAA4425BFC}"/>
+              </a:ext>
+            </a:extLst>
+          </p:cNvPr>
+          <p:cNvSpPr>
+            <a:spLocks noGrp="1"/>
+          </p:cNvSpPr>
+          <p:nvPr>
+            <p:ph type="sldNum" sz="quarter" idx="4"/>
+          </p:nvPr>
+        </p:nvSpPr>
+        <p:spPr>
+          <a:xfrm>
+            <a:off x="8610600" y="6356350"/>
+            <a:ext cx="2743200" cy="365125"/>
+          </a:xfrm>
+          <a:prstGeom prst="rect">
+            <a:avLst/>
+          </a:prstGeom>
+        </p:spPr>
+        <p:txBody>
+          <a:bodyPr vert="horz" lIns="91440" tIns="45720" rIns="91440" bIns="45720" rtlCol="0" anchor="ctr"/>
+          <a:lstStyle>
+            <a:lvl1pPr algn="r">
+              <a:defRPr sz="1200">
+                <a:solidFill>
+                  <a:schemeClr val="tx1">
+                    <a:tint val="75000"/>
+                  </a:schemeClr>
+                </a:solidFill>
+              </a:defRPr>
+            </a:lvl1pPr>
+          </a:lstStyle>
+          <a:p>
+            <a:fld id="{806D785F-B482-492C-9FD2-1B9F7AB891B9}" type="slidenum">
+              <a:rPr lang="it-IT" smtClean="0"/>
+              <a:t>‹#›</a:t>
+            </a:fld>
+            <a:endParaRPr lang="it-IT"/>
+          </a:p>
+        </p:txBody>
+      </p:sp>
+    </p:spTree>
+    <p:extLst>
+      <p:ext uri="{BB962C8B-B14F-4D97-AF65-F5344CB8AC3E}">
+        <p14:creationId xmlns:p14="http://schemas.microsoft.com/office/powerpoint/2010/main" val="2326796750"/>
+      </p:ext>
+    </p:extLst>
+  </p:cSld>
+  <p:clrMap bg1="lt1" tx1="dk1" bg2="lt2" tx2="dk2" accent1="accent1" accent2="accent2" accent3="accent3" accent4="accent4" accent5="accent5" accent6="accent6" hlink="hlink" folHlink="folHlink"/>
+  <p:sldLayoutIdLst>
+    <p:sldLayoutId id="2147483661" r:id="rId1"/>
+    <p:sldLayoutId id="2147483662" r:id="rId2"/>
+    <p:sldLayoutId id="2147483663" r:id="rId3"/>
+    <p:sldLayoutId id="2147483664" r:id="rId4"/>
+    <p:sldLayoutId id="2147483665" r:id="rId5"/>
+    <p:sldLayoutId id="2147483666" r:id="rId6"/>
+    <p:sldLayoutId id="2147483667" r:id="rId7"/>
+    <p:sldLayoutId id="2147483668" r:id="rId8"/>
+    <p:sldLayoutId id="2147483669" r:id="rId9"/>
+    <p:sldLayoutId id="2147483670" r:id="rId10"/>
+    <p:sldLayoutId id="2147483671" r:id="rId11"/>
   </p:sldLayoutIdLst>
   <p:txStyles>
     <p:titleStyle>
@@ -12207,6 +15427,522 @@
 </p:sld>
 </file>
 
+<file path=ppt/slides/slide10.xml><?xml version="1.0" encoding="utf-8"?>
+<p:sld xmlns:a="http://schemas.openxmlformats.org/drawingml/2006/main" xmlns:r="http://schemas.openxmlformats.org/officeDocument/2006/relationships" xmlns:p="http://schemas.openxmlformats.org/presentationml/2006/main">
+  <p:cSld>
+    <p:bg>
+      <p:bgPr>
+        <a:solidFill>
+          <a:schemeClr val="bg1"/>
+        </a:solidFill>
+        <a:effectLst/>
+      </p:bgPr>
+    </p:bg>
+    <p:spTree>
+      <p:nvGrpSpPr>
+        <p:cNvPr id="1" name=""/>
+        <p:cNvGrpSpPr/>
+        <p:nvPr/>
+      </p:nvGrpSpPr>
+      <p:grpSpPr>
+        <a:xfrm>
+          <a:off x="0" y="0"/>
+          <a:ext cx="0" cy="0"/>
+          <a:chOff x="0" y="0"/>
+          <a:chExt cx="0" cy="0"/>
+        </a:xfrm>
+      </p:grpSpPr>
+      <p:sp useBgFill="1">
+        <p:nvSpPr>
+          <p:cNvPr id="63" name="Rectangle 52">
+            <a:extLst>
+              <a:ext uri="{FF2B5EF4-FFF2-40B4-BE49-F238E27FC236}">
+                <a16:creationId xmlns:a16="http://schemas.microsoft.com/office/drawing/2014/main" id="{B1A4CC90-E81A-4B03-8C94-6821E5FDE5CC}"/>
+              </a:ext>
+              <a:ext uri="{C183D7F6-B498-43B3-948B-1728B52AA6E4}">
+                <adec:decorative xmlns:adec="http://schemas.microsoft.com/office/drawing/2017/decorative" val="1"/>
+              </a:ext>
+            </a:extLst>
+          </p:cNvPr>
+          <p:cNvSpPr>
+            <a:spLocks noGrp="1" noRot="1" noChangeAspect="1" noMove="1" noResize="1" noEditPoints="1" noAdjustHandles="1" noChangeArrowheads="1" noChangeShapeType="1" noTextEdit="1"/>
+          </p:cNvSpPr>
+          <p:nvPr>
+            <p:extLst>
+              <p:ext uri="{386F3935-93C4-4BCD-93E2-E3B085C9AB24}">
+                <p16:designElem xmlns:p16="http://schemas.microsoft.com/office/powerpoint/2015/main" val="1"/>
+              </p:ext>
+            </p:extLst>
+          </p:nvPr>
+        </p:nvSpPr>
+        <p:spPr>
+          <a:xfrm>
+            <a:off x="0" y="0"/>
+            <a:ext cx="12188952" cy="6858000"/>
+          </a:xfrm>
+          <a:prstGeom prst="rect">
+            <a:avLst/>
+          </a:prstGeom>
+          <a:ln>
+            <a:noFill/>
+          </a:ln>
+        </p:spPr>
+        <p:style>
+          <a:lnRef idx="2">
+            <a:schemeClr val="accent1">
+              <a:shade val="50000"/>
+            </a:schemeClr>
+          </a:lnRef>
+          <a:fillRef idx="1">
+            <a:schemeClr val="accent1"/>
+          </a:fillRef>
+          <a:effectRef idx="0">
+            <a:schemeClr val="accent1"/>
+          </a:effectRef>
+          <a:fontRef idx="minor">
+            <a:schemeClr val="lt1"/>
+          </a:fontRef>
+        </p:style>
+        <p:txBody>
+          <a:bodyPr rtlCol="0" anchor="ctr"/>
+          <a:lstStyle/>
+          <a:p>
+            <a:pPr algn="ctr"/>
+            <a:endParaRPr lang="en-US"/>
+          </a:p>
+        </p:txBody>
+      </p:sp>
+      <p:pic>
+        <p:nvPicPr>
+          <p:cNvPr id="48" name="Picture 47">
+            <a:extLst>
+              <a:ext uri="{FF2B5EF4-FFF2-40B4-BE49-F238E27FC236}">
+                <a16:creationId xmlns:a16="http://schemas.microsoft.com/office/drawing/2014/main" id="{32A2C1C8-5A60-48F9-8DD0-7FD2C8CC6036}"/>
+              </a:ext>
+            </a:extLst>
+          </p:cNvPr>
+          <p:cNvPicPr>
+            <a:picLocks noChangeAspect="1"/>
+          </p:cNvPicPr>
+          <p:nvPr/>
+        </p:nvPicPr>
+        <p:blipFill rotWithShape="1">
+          <a:blip r:embed="rId2"/>
+          <a:srcRect t="2976" r="-1" b="3271"/>
+          <a:stretch/>
+        </p:blipFill>
+        <p:spPr>
+          <a:xfrm>
+            <a:off x="20" y="10"/>
+            <a:ext cx="12191980" cy="6857990"/>
+          </a:xfrm>
+          <a:prstGeom prst="rect">
+            <a:avLst/>
+          </a:prstGeom>
+        </p:spPr>
+      </p:pic>
+      <p:sp>
+        <p:nvSpPr>
+          <p:cNvPr id="64" name="Freeform 6">
+            <a:extLst>
+              <a:ext uri="{FF2B5EF4-FFF2-40B4-BE49-F238E27FC236}">
+                <a16:creationId xmlns:a16="http://schemas.microsoft.com/office/drawing/2014/main" id="{38CD23D4-26BA-4E59-A55A-81578AFAAF46}"/>
+              </a:ext>
+              <a:ext uri="{C183D7F6-B498-43B3-948B-1728B52AA6E4}">
+                <adec:decorative xmlns:adec="http://schemas.microsoft.com/office/drawing/2017/decorative" val="1"/>
+              </a:ext>
+            </a:extLst>
+          </p:cNvPr>
+          <p:cNvSpPr>
+            <a:spLocks noGrp="1" noRot="1" noChangeAspect="1" noMove="1" noResize="1" noEditPoints="1" noAdjustHandles="1" noChangeArrowheads="1" noChangeShapeType="1" noTextEdit="1"/>
+          </p:cNvSpPr>
+          <p:nvPr>
+            <p:extLst>
+              <p:ext uri="{386F3935-93C4-4BCD-93E2-E3B085C9AB24}">
+                <p16:designElem xmlns:p16="http://schemas.microsoft.com/office/powerpoint/2015/main" val="1"/>
+              </p:ext>
+            </p:extLst>
+          </p:nvPr>
+        </p:nvSpPr>
+        <p:spPr bwMode="auto">
+          <a:xfrm flipH="1">
+            <a:off x="521144" y="911116"/>
+            <a:ext cx="687754" cy="5710965"/>
+          </a:xfrm>
+          <a:custGeom>
+            <a:avLst/>
+            <a:gdLst>
+              <a:gd name="T0" fmla="*/ 414 w 414"/>
+              <a:gd name="T1" fmla="*/ 2447 h 2447"/>
+              <a:gd name="T2" fmla="*/ 0 w 414"/>
+              <a:gd name="T3" fmla="*/ 2247 h 2447"/>
+              <a:gd name="T4" fmla="*/ 0 w 414"/>
+              <a:gd name="T5" fmla="*/ 0 h 2447"/>
+              <a:gd name="T6" fmla="*/ 414 w 414"/>
+              <a:gd name="T7" fmla="*/ 200 h 2447"/>
+              <a:gd name="T8" fmla="*/ 414 w 414"/>
+              <a:gd name="T9" fmla="*/ 2447 h 2447"/>
+            </a:gdLst>
+            <a:ahLst/>
+            <a:cxnLst>
+              <a:cxn ang="0">
+                <a:pos x="T0" y="T1"/>
+              </a:cxn>
+              <a:cxn ang="0">
+                <a:pos x="T2" y="T3"/>
+              </a:cxn>
+              <a:cxn ang="0">
+                <a:pos x="T4" y="T5"/>
+              </a:cxn>
+              <a:cxn ang="0">
+                <a:pos x="T6" y="T7"/>
+              </a:cxn>
+              <a:cxn ang="0">
+                <a:pos x="T8" y="T9"/>
+              </a:cxn>
+            </a:cxnLst>
+            <a:rect l="0" t="0" r="r" b="b"/>
+            <a:pathLst>
+              <a:path w="414" h="2447">
+                <a:moveTo>
+                  <a:pt x="414" y="2447"/>
+                </a:moveTo>
+                <a:lnTo>
+                  <a:pt x="0" y="2247"/>
+                </a:lnTo>
+                <a:lnTo>
+                  <a:pt x="0" y="0"/>
+                </a:lnTo>
+                <a:lnTo>
+                  <a:pt x="414" y="200"/>
+                </a:lnTo>
+                <a:lnTo>
+                  <a:pt x="414" y="2447"/>
+                </a:lnTo>
+                <a:close/>
+              </a:path>
+            </a:pathLst>
+          </a:custGeom>
+          <a:solidFill>
+            <a:schemeClr val="accent1">
+              <a:lumMod val="75000"/>
+            </a:schemeClr>
+          </a:solidFill>
+          <a:ln>
+            <a:noFill/>
+          </a:ln>
+        </p:spPr>
+        <p:txBody>
+          <a:bodyPr vert="horz" wrap="square" lIns="91440" tIns="45720" rIns="91440" bIns="45720" numCol="1" anchor="t" anchorCtr="0" compatLnSpc="1">
+            <a:prstTxWarp prst="textNoShape">
+              <a:avLst/>
+            </a:prstTxWarp>
+          </a:bodyPr>
+          <a:lstStyle/>
+          <a:p>
+            <a:endParaRPr lang="en-US"/>
+          </a:p>
+        </p:txBody>
+      </p:sp>
+      <p:sp>
+        <p:nvSpPr>
+          <p:cNvPr id="65" name="Rectangle 8">
+            <a:extLst>
+              <a:ext uri="{FF2B5EF4-FFF2-40B4-BE49-F238E27FC236}">
+                <a16:creationId xmlns:a16="http://schemas.microsoft.com/office/drawing/2014/main" id="{6F059731-63E0-422B-B3AA-680FC080EF8A}"/>
+              </a:ext>
+              <a:ext uri="{C183D7F6-B498-43B3-948B-1728B52AA6E4}">
+                <adec:decorative xmlns:adec="http://schemas.microsoft.com/office/drawing/2017/decorative" val="1"/>
+              </a:ext>
+            </a:extLst>
+          </p:cNvPr>
+          <p:cNvSpPr>
+            <a:spLocks noGrp="1" noRot="1" noChangeAspect="1" noMove="1" noResize="1" noEditPoints="1" noAdjustHandles="1" noChangeArrowheads="1" noChangeShapeType="1" noTextEdit="1"/>
+          </p:cNvSpPr>
+          <p:nvPr>
+            <p:extLst>
+              <p:ext uri="{386F3935-93C4-4BCD-93E2-E3B085C9AB24}">
+                <p16:designElem xmlns:p16="http://schemas.microsoft.com/office/powerpoint/2015/main" val="1"/>
+              </p:ext>
+            </p:extLst>
+          </p:nvPr>
+        </p:nvSpPr>
+        <p:spPr bwMode="auto">
+          <a:xfrm flipH="1">
+            <a:off x="0" y="1370435"/>
+            <a:ext cx="527226" cy="5251646"/>
+          </a:xfrm>
+          <a:prstGeom prst="rect">
+            <a:avLst/>
+          </a:prstGeom>
+          <a:solidFill>
+            <a:schemeClr val="accent1"/>
+          </a:solidFill>
+          <a:ln>
+            <a:noFill/>
+          </a:ln>
+        </p:spPr>
+        <p:txBody>
+          <a:bodyPr vert="horz" wrap="square" lIns="91440" tIns="45720" rIns="91440" bIns="45720" numCol="1" anchor="t" anchorCtr="0" compatLnSpc="1">
+            <a:prstTxWarp prst="textNoShape">
+              <a:avLst/>
+            </a:prstTxWarp>
+          </a:bodyPr>
+          <a:lstStyle/>
+          <a:p>
+            <a:endParaRPr lang="en-US"/>
+          </a:p>
+        </p:txBody>
+      </p:sp>
+      <p:sp>
+        <p:nvSpPr>
+          <p:cNvPr id="66" name="Freeform 7">
+            <a:extLst>
+              <a:ext uri="{FF2B5EF4-FFF2-40B4-BE49-F238E27FC236}">
+                <a16:creationId xmlns:a16="http://schemas.microsoft.com/office/drawing/2014/main" id="{D1A706C7-360D-4E89-98E4-289C5332F2C8}"/>
+              </a:ext>
+              <a:ext uri="{C183D7F6-B498-43B3-948B-1728B52AA6E4}">
+                <adec:decorative xmlns:adec="http://schemas.microsoft.com/office/drawing/2017/decorative" val="1"/>
+              </a:ext>
+            </a:extLst>
+          </p:cNvPr>
+          <p:cNvSpPr>
+            <a:spLocks noGrp="1" noRot="1" noChangeAspect="1" noMove="1" noResize="1" noEditPoints="1" noAdjustHandles="1" noChangeArrowheads="1" noChangeShapeType="1" noTextEdit="1"/>
+          </p:cNvSpPr>
+          <p:nvPr>
+            <p:extLst>
+              <p:ext uri="{386F3935-93C4-4BCD-93E2-E3B085C9AB24}">
+                <p16:designElem xmlns:p16="http://schemas.microsoft.com/office/powerpoint/2015/main" val="1"/>
+              </p:ext>
+            </p:extLst>
+          </p:nvPr>
+        </p:nvSpPr>
+        <p:spPr bwMode="auto">
+          <a:xfrm flipH="1">
+            <a:off x="800164" y="643467"/>
+            <a:ext cx="409371" cy="5521414"/>
+          </a:xfrm>
+          <a:custGeom>
+            <a:avLst/>
+            <a:gdLst>
+              <a:gd name="T0" fmla="*/ 209 w 209"/>
+              <a:gd name="T1" fmla="*/ 2246 h 2358"/>
+              <a:gd name="T2" fmla="*/ 0 w 209"/>
+              <a:gd name="T3" fmla="*/ 2358 h 2358"/>
+              <a:gd name="T4" fmla="*/ 0 w 209"/>
+              <a:gd name="T5" fmla="*/ 111 h 2358"/>
+              <a:gd name="T6" fmla="*/ 209 w 209"/>
+              <a:gd name="T7" fmla="*/ 0 h 2358"/>
+              <a:gd name="T8" fmla="*/ 209 w 209"/>
+              <a:gd name="T9" fmla="*/ 2246 h 2358"/>
+            </a:gdLst>
+            <a:ahLst/>
+            <a:cxnLst>
+              <a:cxn ang="0">
+                <a:pos x="T0" y="T1"/>
+              </a:cxn>
+              <a:cxn ang="0">
+                <a:pos x="T2" y="T3"/>
+              </a:cxn>
+              <a:cxn ang="0">
+                <a:pos x="T4" y="T5"/>
+              </a:cxn>
+              <a:cxn ang="0">
+                <a:pos x="T6" y="T7"/>
+              </a:cxn>
+              <a:cxn ang="0">
+                <a:pos x="T8" y="T9"/>
+              </a:cxn>
+            </a:cxnLst>
+            <a:rect l="0" t="0" r="r" b="b"/>
+            <a:pathLst>
+              <a:path w="209" h="2358">
+                <a:moveTo>
+                  <a:pt x="209" y="2246"/>
+                </a:moveTo>
+                <a:lnTo>
+                  <a:pt x="0" y="2358"/>
+                </a:lnTo>
+                <a:lnTo>
+                  <a:pt x="0" y="111"/>
+                </a:lnTo>
+                <a:lnTo>
+                  <a:pt x="209" y="0"/>
+                </a:lnTo>
+                <a:lnTo>
+                  <a:pt x="209" y="2246"/>
+                </a:lnTo>
+                <a:close/>
+              </a:path>
+            </a:pathLst>
+          </a:custGeom>
+          <a:solidFill>
+            <a:schemeClr val="accent1">
+              <a:lumMod val="50000"/>
+            </a:schemeClr>
+          </a:solidFill>
+          <a:ln>
+            <a:noFill/>
+          </a:ln>
+        </p:spPr>
+        <p:txBody>
+          <a:bodyPr vert="horz" wrap="square" lIns="91440" tIns="45720" rIns="91440" bIns="45720" numCol="1" anchor="t" anchorCtr="0" compatLnSpc="1">
+            <a:prstTxWarp prst="textNoShape">
+              <a:avLst/>
+            </a:prstTxWarp>
+          </a:bodyPr>
+          <a:lstStyle/>
+          <a:p>
+            <a:endParaRPr lang="en-US"/>
+          </a:p>
+        </p:txBody>
+      </p:sp>
+      <p:sp>
+        <p:nvSpPr>
+          <p:cNvPr id="67" name="Rectangle 8">
+            <a:extLst>
+              <a:ext uri="{FF2B5EF4-FFF2-40B4-BE49-F238E27FC236}">
+                <a16:creationId xmlns:a16="http://schemas.microsoft.com/office/drawing/2014/main" id="{6BA198B2-A78E-4D9C-A9E4-B0ED42B2E8B7}"/>
+              </a:ext>
+              <a:ext uri="{C183D7F6-B498-43B3-948B-1728B52AA6E4}">
+                <adec:decorative xmlns:adec="http://schemas.microsoft.com/office/drawing/2017/decorative" val="1"/>
+              </a:ext>
+            </a:extLst>
+          </p:cNvPr>
+          <p:cNvSpPr>
+            <a:spLocks noGrp="1" noRot="1" noChangeAspect="1" noMove="1" noResize="1" noEditPoints="1" noAdjustHandles="1" noChangeArrowheads="1" noChangeShapeType="1" noTextEdit="1"/>
+          </p:cNvSpPr>
+          <p:nvPr>
+            <p:extLst>
+              <p:ext uri="{386F3935-93C4-4BCD-93E2-E3B085C9AB24}">
+                <p16:designElem xmlns:p16="http://schemas.microsoft.com/office/powerpoint/2015/main" val="1"/>
+              </p:ext>
+            </p:extLst>
+          </p:nvPr>
+        </p:nvSpPr>
+        <p:spPr bwMode="auto">
+          <a:xfrm>
+            <a:off x="795529" y="644382"/>
+            <a:ext cx="3856024" cy="5251646"/>
+          </a:xfrm>
+          <a:prstGeom prst="rect">
+            <a:avLst/>
+          </a:prstGeom>
+          <a:solidFill>
+            <a:schemeClr val="accent1"/>
+          </a:solidFill>
+          <a:ln>
+            <a:noFill/>
+          </a:ln>
+        </p:spPr>
+        <p:txBody>
+          <a:bodyPr vert="horz" wrap="square" lIns="91440" tIns="45720" rIns="91440" bIns="45720" numCol="1" anchor="t" anchorCtr="0" compatLnSpc="1">
+            <a:prstTxWarp prst="textNoShape">
+              <a:avLst/>
+            </a:prstTxWarp>
+          </a:bodyPr>
+          <a:lstStyle/>
+          <a:p>
+            <a:endParaRPr lang="en-US"/>
+          </a:p>
+        </p:txBody>
+      </p:sp>
+      <p:sp>
+        <p:nvSpPr>
+          <p:cNvPr id="13" name="CasellaDiTesto 12">
+            <a:extLst>
+              <a:ext uri="{FF2B5EF4-FFF2-40B4-BE49-F238E27FC236}">
+                <a16:creationId xmlns:a16="http://schemas.microsoft.com/office/drawing/2014/main" id="{DC841165-FADD-4392-B287-1D0DA2F05ABB}"/>
+              </a:ext>
+            </a:extLst>
+          </p:cNvPr>
+          <p:cNvSpPr txBox="1"/>
+          <p:nvPr/>
+        </p:nvSpPr>
+        <p:spPr>
+          <a:xfrm>
+            <a:off x="1146879" y="998002"/>
+            <a:ext cx="3182940" cy="1471959"/>
+          </a:xfrm>
+          <a:prstGeom prst="rect">
+            <a:avLst/>
+          </a:prstGeom>
+        </p:spPr>
+        <p:txBody>
+          <a:bodyPr vert="horz" lIns="91440" tIns="45720" rIns="91440" bIns="45720" rtlCol="0" anchor="ctr">
+            <a:normAutofit/>
+          </a:bodyPr>
+          <a:lstStyle/>
+          <a:p>
+            <a:pPr>
+              <a:lnSpc>
+                <a:spcPct val="90000"/>
+              </a:lnSpc>
+              <a:spcBef>
+                <a:spcPct val="0"/>
+              </a:spcBef>
+              <a:spcAft>
+                <a:spcPts val="600"/>
+              </a:spcAft>
+            </a:pPr>
+            <a:r>
+              <a:rPr lang="en-US" sz="3300">
+                <a:solidFill>
+                  <a:srgbClr val="FFFFFF"/>
+                </a:solidFill>
+                <a:latin typeface="+mj-lt"/>
+                <a:ea typeface="+mj-ea"/>
+                <a:cs typeface="+mj-cs"/>
+              </a:rPr>
+              <a:t>Progetto di visualizzazione Scientifica</a:t>
+            </a:r>
+          </a:p>
+        </p:txBody>
+      </p:sp>
+      <p:graphicFrame>
+        <p:nvGraphicFramePr>
+          <p:cNvPr id="41" name="Segnaposto contenuto 2">
+            <a:extLst>
+              <a:ext uri="{FF2B5EF4-FFF2-40B4-BE49-F238E27FC236}">
+                <a16:creationId xmlns:a16="http://schemas.microsoft.com/office/drawing/2014/main" id="{78EFAD43-5130-42B8-BA51-F4184DF4C4A6}"/>
+              </a:ext>
+            </a:extLst>
+          </p:cNvPr>
+          <p:cNvGraphicFramePr>
+            <a:graphicFrameLocks noGrp="1"/>
+          </p:cNvGraphicFramePr>
+          <p:nvPr>
+            <p:ph idx="1"/>
+            <p:extLst>
+              <p:ext uri="{D42A27DB-BD31-4B8C-83A1-F6EECF244321}">
+                <p14:modId xmlns:p14="http://schemas.microsoft.com/office/powerpoint/2010/main" val="3470051983"/>
+              </p:ext>
+            </p:extLst>
+          </p:nvPr>
+        </p:nvGraphicFramePr>
+        <p:xfrm>
+          <a:off x="1139635" y="2546161"/>
+          <a:ext cx="3200451" cy="2985929"/>
+        </p:xfrm>
+        <a:graphic>
+          <a:graphicData uri="http://schemas.openxmlformats.org/drawingml/2006/diagram">
+            <dgm:relIds xmlns:dgm="http://schemas.openxmlformats.org/drawingml/2006/diagram" xmlns:r="http://schemas.openxmlformats.org/officeDocument/2006/relationships" r:dm="rId3" r:lo="rId4" r:qs="rId5" r:cs="rId6"/>
+          </a:graphicData>
+        </a:graphic>
+      </p:graphicFrame>
+    </p:spTree>
+    <p:extLst>
+      <p:ext uri="{BB962C8B-B14F-4D97-AF65-F5344CB8AC3E}">
+        <p14:creationId xmlns:p14="http://schemas.microsoft.com/office/powerpoint/2010/main" val="1750642642"/>
+      </p:ext>
+    </p:extLst>
+  </p:cSld>
+  <p:clrMapOvr>
+    <a:masterClrMapping/>
+  </p:clrMapOvr>
+</p:sld>
+</file>
+
 <file path=ppt/slides/slide2.xml><?xml version="1.0" encoding="utf-8"?>
 <p:sld xmlns:a="http://schemas.openxmlformats.org/drawingml/2006/main" xmlns:r="http://schemas.openxmlformats.org/officeDocument/2006/relationships" xmlns:p="http://schemas.openxmlformats.org/presentationml/2006/main">
   <p:cSld>
@@ -13827,7 +17563,7 @@
           <a:lstStyle/>
           <a:p>
             <a:r>
-              <a:rPr lang="it-IT" sz="3600"/>
+              <a:rPr lang="it-IT" sz="3600" dirty="0"/>
               <a:t>Data Retrieval</a:t>
             </a:r>
           </a:p>
@@ -15265,12 +19001,12 @@
                     <a:p>
                       <a:pPr algn="r" fontAlgn="b"/>
                       <a:r>
-                        <a:rPr lang="it-IT" sz="1000" u="none" strike="noStrike">
+                        <a:rPr lang="it-IT" sz="1000" u="none" strike="noStrike" dirty="0">
                           <a:effectLst/>
                         </a:rPr>
                         <a:t>141</a:t>
                       </a:r>
-                      <a:endParaRPr lang="it-IT" sz="1000" b="0" i="0" u="none" strike="noStrike">
+                      <a:endParaRPr lang="it-IT" sz="1000" b="0" i="0" u="none" strike="noStrike" dirty="0">
                         <a:solidFill>
                           <a:srgbClr val="000000"/>
                         </a:solidFill>
@@ -17870,6 +21606,1727 @@
 <file path=ppt/slides/slide8.xml><?xml version="1.0" encoding="utf-8"?>
 <p:sld xmlns:a="http://schemas.openxmlformats.org/drawingml/2006/main" xmlns:r="http://schemas.openxmlformats.org/officeDocument/2006/relationships" xmlns:p="http://schemas.openxmlformats.org/presentationml/2006/main">
   <p:cSld>
+    <p:spTree>
+      <p:nvGrpSpPr>
+        <p:cNvPr id="1" name=""/>
+        <p:cNvGrpSpPr/>
+        <p:nvPr/>
+      </p:nvGrpSpPr>
+      <p:grpSpPr>
+        <a:xfrm>
+          <a:off x="0" y="0"/>
+          <a:ext cx="0" cy="0"/>
+          <a:chOff x="0" y="0"/>
+          <a:chExt cx="0" cy="0"/>
+        </a:xfrm>
+      </p:grpSpPr>
+      <p:pic>
+        <p:nvPicPr>
+          <p:cNvPr id="17" name="Picture 4">
+            <a:extLst>
+              <a:ext uri="{FF2B5EF4-FFF2-40B4-BE49-F238E27FC236}">
+                <a16:creationId xmlns:a16="http://schemas.microsoft.com/office/drawing/2014/main" id="{6939F97B-E284-4E2A-8169-73E875B47C2D}"/>
+              </a:ext>
+            </a:extLst>
+          </p:cNvPr>
+          <p:cNvPicPr>
+            <a:picLocks noChangeAspect="1" noChangeArrowheads="1"/>
+          </p:cNvPicPr>
+          <p:nvPr/>
+        </p:nvPicPr>
+        <p:blipFill rotWithShape="1">
+          <a:blip r:embed="rId2">
+            <a:lum bright="70000" contrast="-70000"/>
+            <a:alphaModFix amt="20000"/>
+            <a:extLst>
+              <a:ext uri="{BEBA8EAE-BF5A-486C-A8C5-ECC9F3942E4B}">
+                <a14:imgProps xmlns:a14="http://schemas.microsoft.com/office/drawing/2010/main">
+                  <a14:imgLayer r:embed="rId3">
+                    <a14:imgEffect>
+                      <a14:sharpenSoften amount="25000"/>
+                    </a14:imgEffect>
+                  </a14:imgLayer>
+                </a14:imgProps>
+              </a:ext>
+              <a:ext uri="{28A0092B-C50C-407E-A947-70E740481C1C}">
+                <a14:useLocalDpi xmlns:a14="http://schemas.microsoft.com/office/drawing/2010/main" val="0"/>
+              </a:ext>
+            </a:extLst>
+          </a:blip>
+          <a:srcRect t="24299"/>
+          <a:stretch/>
+        </p:blipFill>
+        <p:spPr bwMode="auto">
+          <a:xfrm>
+            <a:off x="0" y="0"/>
+            <a:ext cx="12192000" cy="6858000"/>
+          </a:xfrm>
+          <a:prstGeom prst="rect">
+            <a:avLst/>
+          </a:prstGeom>
+          <a:noFill/>
+          <a:extLst>
+            <a:ext uri="{909E8E84-426E-40DD-AFC4-6F175D3DCCD1}">
+              <a14:hiddenFill xmlns:a14="http://schemas.microsoft.com/office/drawing/2010/main">
+                <a:solidFill>
+                  <a:srgbClr val="FFFFFF"/>
+                </a:solidFill>
+              </a14:hiddenFill>
+            </a:ext>
+          </a:extLst>
+        </p:spPr>
+      </p:pic>
+      <p:sp>
+        <p:nvSpPr>
+          <p:cNvPr id="9" name="TextBox 8">
+            <a:extLst>
+              <a:ext uri="{FF2B5EF4-FFF2-40B4-BE49-F238E27FC236}">
+                <a16:creationId xmlns:a16="http://schemas.microsoft.com/office/drawing/2014/main" id="{CEC1B127-8301-4539-93E4-DE04C81806B4}"/>
+              </a:ext>
+            </a:extLst>
+          </p:cNvPr>
+          <p:cNvSpPr txBox="1"/>
+          <p:nvPr/>
+        </p:nvSpPr>
+        <p:spPr>
+          <a:xfrm>
+            <a:off x="427837" y="1333787"/>
+            <a:ext cx="5254629" cy="369332"/>
+          </a:xfrm>
+          <a:prstGeom prst="rect">
+            <a:avLst/>
+          </a:prstGeom>
+          <a:solidFill>
+            <a:schemeClr val="accent6">
+              <a:lumMod val="20000"/>
+              <a:lumOff val="80000"/>
+            </a:schemeClr>
+          </a:solidFill>
+          <a:ln w="38100">
+            <a:solidFill>
+              <a:schemeClr val="bg1"/>
+            </a:solidFill>
+          </a:ln>
+        </p:spPr>
+        <p:txBody>
+          <a:bodyPr wrap="square" rtlCol="0">
+            <a:spAutoFit/>
+          </a:bodyPr>
+          <a:lstStyle>
+            <a:defPPr>
+              <a:defRPr lang="it-IT"/>
+            </a:defPPr>
+          </a:lstStyle>
+          <a:p>
+            <a:pPr marL="0" marR="0" lvl="0" indent="0" algn="l" defTabSz="914400" rtl="0" eaLnBrk="1" fontAlgn="auto" latinLnBrk="0" hangingPunct="1">
+              <a:lnSpc>
+                <a:spcPct val="100000"/>
+              </a:lnSpc>
+              <a:spcBef>
+                <a:spcPts val="0"/>
+              </a:spcBef>
+              <a:spcAft>
+                <a:spcPts val="0"/>
+              </a:spcAft>
+              <a:buClrTx/>
+              <a:buSzTx/>
+              <a:buFontTx/>
+              <a:buNone/>
+              <a:tabLst/>
+              <a:defRPr/>
+            </a:pPr>
+            <a:r>
+              <a:rPr kumimoji="0" lang="it-IT" sz="1800" b="0" i="0" u="none" strike="noStrike" kern="1200" cap="none" spc="0" normalizeH="0" baseline="0" noProof="0" dirty="0">
+                <a:ln>
+                  <a:noFill/>
+                </a:ln>
+                <a:solidFill>
+                  <a:prstClr val="black"/>
+                </a:solidFill>
+                <a:effectLst/>
+                <a:uLnTx/>
+                <a:uFillTx/>
+                <a:latin typeface="Calibri" panose="020F0502020204030204"/>
+                <a:ea typeface="+mn-ea"/>
+                <a:cs typeface="+mn-cs"/>
+              </a:rPr>
+              <a:t>Paradigma di programmazione di tipo dichiarativo</a:t>
+            </a:r>
+          </a:p>
+        </p:txBody>
+      </p:sp>
+      <p:sp>
+        <p:nvSpPr>
+          <p:cNvPr id="11" name="TextBox 10">
+            <a:extLst>
+              <a:ext uri="{FF2B5EF4-FFF2-40B4-BE49-F238E27FC236}">
+                <a16:creationId xmlns:a16="http://schemas.microsoft.com/office/drawing/2014/main" id="{85DE0A53-A2A2-444B-90B4-ADAF99FD9D6A}"/>
+              </a:ext>
+            </a:extLst>
+          </p:cNvPr>
+          <p:cNvSpPr txBox="1"/>
+          <p:nvPr/>
+        </p:nvSpPr>
+        <p:spPr>
+          <a:xfrm>
+            <a:off x="0" y="0"/>
+            <a:ext cx="12192000" cy="830997"/>
+          </a:xfrm>
+          <a:prstGeom prst="rect">
+            <a:avLst/>
+          </a:prstGeom>
+          <a:noFill/>
+        </p:spPr>
+        <p:txBody>
+          <a:bodyPr wrap="square" rtlCol="0">
+            <a:spAutoFit/>
+          </a:bodyPr>
+          <a:lstStyle>
+            <a:defPPr>
+              <a:defRPr lang="it-IT"/>
+            </a:defPPr>
+            <a:lvl1pPr algn="ctr">
+              <a:defRPr sz="4800">
+                <a:latin typeface="Liberation Serif" panose="02020603050405020304" pitchFamily="18" charset="0"/>
+                <a:ea typeface="Liberation Serif" panose="02020603050405020304" pitchFamily="18" charset="0"/>
+                <a:cs typeface="Liberation Serif" panose="02020603050405020304" pitchFamily="18" charset="0"/>
+              </a:defRPr>
+            </a:lvl1pPr>
+          </a:lstStyle>
+          <a:p>
+            <a:pPr marL="0" marR="0" lvl="0" indent="0" algn="ctr" defTabSz="914400" rtl="0" eaLnBrk="1" fontAlgn="auto" latinLnBrk="0" hangingPunct="1">
+              <a:lnSpc>
+                <a:spcPct val="100000"/>
+              </a:lnSpc>
+              <a:spcBef>
+                <a:spcPts val="0"/>
+              </a:spcBef>
+              <a:spcAft>
+                <a:spcPts val="0"/>
+              </a:spcAft>
+              <a:buClrTx/>
+              <a:buSzTx/>
+              <a:buFontTx/>
+              <a:buNone/>
+              <a:tabLst/>
+              <a:defRPr/>
+            </a:pPr>
+            <a:r>
+              <a:rPr kumimoji="0" lang="it-IT" sz="4800" b="0" i="0" u="none" strike="noStrike" kern="1200" cap="none" spc="0" normalizeH="0" baseline="0" noProof="0" dirty="0">
+                <a:ln>
+                  <a:noFill/>
+                </a:ln>
+                <a:solidFill>
+                  <a:prstClr val="black"/>
+                </a:solidFill>
+                <a:effectLst/>
+                <a:uLnTx/>
+                <a:uFillTx/>
+                <a:latin typeface="Liberation Serif" panose="02020603050405020304" pitchFamily="18" charset="0"/>
+                <a:ea typeface="Liberation Serif" panose="02020603050405020304" pitchFamily="18" charset="0"/>
+                <a:cs typeface="Liberation Serif" panose="02020603050405020304" pitchFamily="18" charset="0"/>
+              </a:rPr>
+              <a:t>PROGRAMMAZIONE FUNZIONALE: D3JS</a:t>
+            </a:r>
+          </a:p>
+        </p:txBody>
+      </p:sp>
+      <p:sp>
+        <p:nvSpPr>
+          <p:cNvPr id="12" name="TextBox 11">
+            <a:extLst>
+              <a:ext uri="{FF2B5EF4-FFF2-40B4-BE49-F238E27FC236}">
+                <a16:creationId xmlns:a16="http://schemas.microsoft.com/office/drawing/2014/main" id="{40956401-AA90-44B3-82BE-DA4D370061AB}"/>
+              </a:ext>
+            </a:extLst>
+          </p:cNvPr>
+          <p:cNvSpPr txBox="1"/>
+          <p:nvPr/>
+        </p:nvSpPr>
+        <p:spPr>
+          <a:xfrm>
+            <a:off x="427837" y="1708196"/>
+            <a:ext cx="5254629" cy="2031325"/>
+          </a:xfrm>
+          <a:prstGeom prst="rect">
+            <a:avLst/>
+          </a:prstGeom>
+          <a:solidFill>
+            <a:schemeClr val="accent4">
+              <a:lumMod val="20000"/>
+              <a:lumOff val="80000"/>
+            </a:schemeClr>
+          </a:solidFill>
+          <a:ln w="38100">
+            <a:solidFill>
+              <a:schemeClr val="bg1"/>
+            </a:solidFill>
+          </a:ln>
+        </p:spPr>
+        <p:txBody>
+          <a:bodyPr wrap="square" rtlCol="0">
+            <a:spAutoFit/>
+          </a:bodyPr>
+          <a:lstStyle/>
+          <a:p>
+            <a:pPr marL="0" marR="0" lvl="0" indent="0" algn="l" defTabSz="914400" rtl="0" eaLnBrk="1" fontAlgn="auto" latinLnBrk="0" hangingPunct="1">
+              <a:lnSpc>
+                <a:spcPct val="100000"/>
+              </a:lnSpc>
+              <a:spcBef>
+                <a:spcPts val="0"/>
+              </a:spcBef>
+              <a:spcAft>
+                <a:spcPts val="0"/>
+              </a:spcAft>
+              <a:buClrTx/>
+              <a:buSzTx/>
+              <a:buFontTx/>
+              <a:buNone/>
+              <a:tabLst/>
+              <a:defRPr/>
+            </a:pPr>
+            <a:r>
+              <a:rPr kumimoji="0" lang="it-IT" sz="1800" b="0" i="0" u="none" strike="noStrike" kern="1200" cap="none" spc="0" normalizeH="0" baseline="0" noProof="0" dirty="0">
+                <a:ln>
+                  <a:noFill/>
+                </a:ln>
+                <a:solidFill>
+                  <a:prstClr val="black"/>
+                </a:solidFill>
+                <a:effectLst/>
+                <a:uLnTx/>
+                <a:uFillTx/>
+                <a:latin typeface="Calibri" panose="020F0502020204030204"/>
+                <a:ea typeface="+mn-ea"/>
+                <a:cs typeface="+mn-cs"/>
+              </a:rPr>
+              <a:t>«Le funzioni sono cittadini di prima classe»</a:t>
+            </a:r>
+          </a:p>
+          <a:p>
+            <a:pPr marL="285750" marR="0" lvl="0" indent="-285750" algn="l" defTabSz="914400" rtl="0" eaLnBrk="1" fontAlgn="auto" latinLnBrk="0" hangingPunct="1">
+              <a:lnSpc>
+                <a:spcPct val="100000"/>
+              </a:lnSpc>
+              <a:spcBef>
+                <a:spcPts val="0"/>
+              </a:spcBef>
+              <a:spcAft>
+                <a:spcPts val="0"/>
+              </a:spcAft>
+              <a:buClrTx/>
+              <a:buSzTx/>
+              <a:buFont typeface="Arial" panose="020B0604020202020204" pitchFamily="34" charset="0"/>
+              <a:buChar char="•"/>
+              <a:tabLst/>
+              <a:defRPr/>
+            </a:pPr>
+            <a:r>
+              <a:rPr kumimoji="0" lang="it-IT" sz="1800" b="0" i="0" u="none" strike="noStrike" kern="1200" cap="none" spc="0" normalizeH="0" baseline="0" noProof="0" dirty="0">
+                <a:ln>
+                  <a:noFill/>
+                </a:ln>
+                <a:solidFill>
+                  <a:prstClr val="black"/>
+                </a:solidFill>
+                <a:effectLst/>
+                <a:uLnTx/>
+                <a:uFillTx/>
+                <a:latin typeface="Calibri" panose="020F0502020204030204"/>
+                <a:ea typeface="+mn-ea"/>
+                <a:cs typeface="+mn-cs"/>
+              </a:rPr>
+              <a:t>Possono essere passate come argomenti e restituite</a:t>
+            </a:r>
+          </a:p>
+          <a:p>
+            <a:pPr marL="285750" marR="0" lvl="0" indent="-285750" algn="l" defTabSz="914400" rtl="0" eaLnBrk="1" fontAlgn="auto" latinLnBrk="0" hangingPunct="1">
+              <a:lnSpc>
+                <a:spcPct val="100000"/>
+              </a:lnSpc>
+              <a:spcBef>
+                <a:spcPts val="0"/>
+              </a:spcBef>
+              <a:spcAft>
+                <a:spcPts val="0"/>
+              </a:spcAft>
+              <a:buClrTx/>
+              <a:buSzTx/>
+              <a:buFont typeface="Arial" panose="020B0604020202020204" pitchFamily="34" charset="0"/>
+              <a:buChar char="•"/>
+              <a:tabLst/>
+              <a:defRPr/>
+            </a:pPr>
+            <a:r>
+              <a:rPr kumimoji="0" lang="it-IT" sz="1800" b="0" i="0" u="none" strike="noStrike" kern="1200" cap="none" spc="0" normalizeH="0" baseline="0" noProof="0" dirty="0">
+                <a:ln>
+                  <a:noFill/>
+                </a:ln>
+                <a:solidFill>
+                  <a:prstClr val="black"/>
+                </a:solidFill>
+                <a:effectLst/>
+                <a:uLnTx/>
+                <a:uFillTx/>
+                <a:latin typeface="Calibri" panose="020F0502020204030204"/>
+                <a:ea typeface="+mn-ea"/>
+                <a:cs typeface="+mn-cs"/>
+              </a:rPr>
+              <a:t>Possono essere variabili</a:t>
+            </a:r>
+          </a:p>
+          <a:p>
+            <a:pPr marL="285750" marR="0" lvl="0" indent="-285750" algn="l" defTabSz="914400" rtl="0" eaLnBrk="1" fontAlgn="auto" latinLnBrk="0" hangingPunct="1">
+              <a:lnSpc>
+                <a:spcPct val="100000"/>
+              </a:lnSpc>
+              <a:spcBef>
+                <a:spcPts val="0"/>
+              </a:spcBef>
+              <a:spcAft>
+                <a:spcPts val="0"/>
+              </a:spcAft>
+              <a:buClrTx/>
+              <a:buSzTx/>
+              <a:buFont typeface="Arial" panose="020B0604020202020204" pitchFamily="34" charset="0"/>
+              <a:buChar char="•"/>
+              <a:tabLst/>
+              <a:defRPr/>
+            </a:pPr>
+            <a:r>
+              <a:rPr kumimoji="0" lang="it-IT" sz="1800" b="0" i="0" u="none" strike="noStrike" kern="1200" cap="none" spc="0" normalizeH="0" baseline="0" noProof="0" dirty="0">
+                <a:ln>
+                  <a:noFill/>
+                </a:ln>
+                <a:solidFill>
+                  <a:prstClr val="black"/>
+                </a:solidFill>
+                <a:effectLst/>
+                <a:uLnTx/>
+                <a:uFillTx/>
+                <a:latin typeface="Calibri" panose="020F0502020204030204"/>
+                <a:ea typeface="+mn-ea"/>
+                <a:cs typeface="+mn-cs"/>
+              </a:rPr>
+              <a:t>Ricca funzionalità per interagirvi (ad es. composizione, funzioni anonime)</a:t>
+            </a:r>
+          </a:p>
+          <a:p>
+            <a:pPr marL="285750" marR="0" lvl="0" indent="-285750" algn="l" defTabSz="914400" rtl="0" eaLnBrk="1" fontAlgn="auto" latinLnBrk="0" hangingPunct="1">
+              <a:lnSpc>
+                <a:spcPct val="100000"/>
+              </a:lnSpc>
+              <a:spcBef>
+                <a:spcPts val="0"/>
+              </a:spcBef>
+              <a:spcAft>
+                <a:spcPts val="0"/>
+              </a:spcAft>
+              <a:buClrTx/>
+              <a:buSzTx/>
+              <a:buFont typeface="Arial" panose="020B0604020202020204" pitchFamily="34" charset="0"/>
+              <a:buChar char="•"/>
+              <a:tabLst/>
+              <a:defRPr/>
+            </a:pPr>
+            <a:r>
+              <a:rPr kumimoji="0" lang="it-IT" sz="1800" b="0" i="0" u="none" strike="noStrike" kern="1200" cap="none" spc="0" normalizeH="0" baseline="0" noProof="0" dirty="0">
+                <a:ln>
+                  <a:noFill/>
+                </a:ln>
+                <a:solidFill>
+                  <a:prstClr val="black"/>
+                </a:solidFill>
+                <a:effectLst/>
+                <a:uLnTx/>
+                <a:uFillTx/>
+                <a:latin typeface="Calibri" panose="020F0502020204030204"/>
+                <a:ea typeface="+mn-ea"/>
+                <a:cs typeface="+mn-cs"/>
+              </a:rPr>
+              <a:t>Ricorsione come principale controllo di flusso</a:t>
+            </a:r>
+          </a:p>
+        </p:txBody>
+      </p:sp>
+      <p:sp>
+        <p:nvSpPr>
+          <p:cNvPr id="13" name="TextBox 12">
+            <a:extLst>
+              <a:ext uri="{FF2B5EF4-FFF2-40B4-BE49-F238E27FC236}">
+                <a16:creationId xmlns:a16="http://schemas.microsoft.com/office/drawing/2014/main" id="{A1D79EAE-2520-4133-ADA3-71296541AE1A}"/>
+              </a:ext>
+            </a:extLst>
+          </p:cNvPr>
+          <p:cNvSpPr txBox="1"/>
+          <p:nvPr/>
+        </p:nvSpPr>
+        <p:spPr>
+          <a:xfrm>
+            <a:off x="427836" y="3709089"/>
+            <a:ext cx="5254629" cy="1200329"/>
+          </a:xfrm>
+          <a:prstGeom prst="rect">
+            <a:avLst/>
+          </a:prstGeom>
+          <a:solidFill>
+            <a:schemeClr val="accent2">
+              <a:lumMod val="20000"/>
+              <a:lumOff val="80000"/>
+            </a:schemeClr>
+          </a:solidFill>
+          <a:ln w="38100">
+            <a:solidFill>
+              <a:schemeClr val="bg1"/>
+            </a:solidFill>
+          </a:ln>
+        </p:spPr>
+        <p:txBody>
+          <a:bodyPr wrap="square" rtlCol="0">
+            <a:spAutoFit/>
+          </a:bodyPr>
+          <a:lstStyle/>
+          <a:p>
+            <a:pPr marL="0" marR="0" lvl="0" indent="0" algn="l" defTabSz="914400" rtl="0" eaLnBrk="1" fontAlgn="auto" latinLnBrk="0" hangingPunct="1">
+              <a:lnSpc>
+                <a:spcPct val="100000"/>
+              </a:lnSpc>
+              <a:spcBef>
+                <a:spcPts val="0"/>
+              </a:spcBef>
+              <a:spcAft>
+                <a:spcPts val="0"/>
+              </a:spcAft>
+              <a:buClrTx/>
+              <a:buSzTx/>
+              <a:buFontTx/>
+              <a:buNone/>
+              <a:tabLst/>
+              <a:defRPr/>
+            </a:pPr>
+            <a:r>
+              <a:rPr kumimoji="0" lang="it-IT" sz="1800" b="0" i="0" u="none" strike="noStrike" kern="1200" cap="none" spc="0" normalizeH="0" baseline="0" noProof="0" dirty="0">
+                <a:ln>
+                  <a:noFill/>
+                </a:ln>
+                <a:solidFill>
+                  <a:prstClr val="black"/>
+                </a:solidFill>
+                <a:effectLst/>
+                <a:uLnTx/>
+                <a:uFillTx/>
+                <a:latin typeface="Calibri" panose="020F0502020204030204"/>
+                <a:ea typeface="+mn-ea"/>
+                <a:cs typeface="+mn-cs"/>
+              </a:rPr>
+              <a:t>Quasi nessun linguaggio funzionale è puramente funzionale</a:t>
+            </a:r>
+          </a:p>
+          <a:p>
+            <a:pPr marL="285750" marR="0" lvl="0" indent="-285750" algn="l" defTabSz="914400" rtl="0" eaLnBrk="1" fontAlgn="auto" latinLnBrk="0" hangingPunct="1">
+              <a:lnSpc>
+                <a:spcPct val="100000"/>
+              </a:lnSpc>
+              <a:spcBef>
+                <a:spcPts val="0"/>
+              </a:spcBef>
+              <a:spcAft>
+                <a:spcPts val="0"/>
+              </a:spcAft>
+              <a:buClrTx/>
+              <a:buSzTx/>
+              <a:buFont typeface="Arial" panose="020B0604020202020204" pitchFamily="34" charset="0"/>
+              <a:buChar char="•"/>
+              <a:tabLst/>
+              <a:defRPr/>
+            </a:pPr>
+            <a:r>
+              <a:rPr kumimoji="0" lang="it-IT" sz="1800" b="0" i="0" u="none" strike="noStrike" kern="1200" cap="none" spc="0" normalizeH="0" baseline="0" noProof="0" dirty="0">
+                <a:ln>
+                  <a:noFill/>
+                </a:ln>
+                <a:solidFill>
+                  <a:prstClr val="black"/>
+                </a:solidFill>
+                <a:effectLst/>
+                <a:uLnTx/>
+                <a:uFillTx/>
+                <a:latin typeface="Calibri" panose="020F0502020204030204"/>
+                <a:ea typeface="+mn-ea"/>
+                <a:cs typeface="+mn-cs"/>
+              </a:rPr>
+              <a:t>Esempio: Javascript supporta comunque la programmazione imperativa tradizionale</a:t>
+            </a:r>
+          </a:p>
+        </p:txBody>
+      </p:sp>
+      <p:sp>
+        <p:nvSpPr>
+          <p:cNvPr id="44" name="Rectangle 43">
+            <a:extLst>
+              <a:ext uri="{FF2B5EF4-FFF2-40B4-BE49-F238E27FC236}">
+                <a16:creationId xmlns:a16="http://schemas.microsoft.com/office/drawing/2014/main" id="{EE988FA7-D948-4ABF-B7A3-373B669ABB6A}"/>
+              </a:ext>
+            </a:extLst>
+          </p:cNvPr>
+          <p:cNvSpPr/>
+          <p:nvPr/>
+        </p:nvSpPr>
+        <p:spPr>
+          <a:xfrm>
+            <a:off x="5682468" y="1333789"/>
+            <a:ext cx="6509531" cy="5524211"/>
+          </a:xfrm>
+          <a:prstGeom prst="rect">
+            <a:avLst/>
+          </a:prstGeom>
+          <a:solidFill>
+            <a:schemeClr val="bg1">
+              <a:lumMod val="95000"/>
+            </a:schemeClr>
+          </a:solidFill>
+          <a:ln w="38100">
+            <a:solidFill>
+              <a:schemeClr val="bg1"/>
+            </a:solidFill>
+          </a:ln>
+        </p:spPr>
+        <p:style>
+          <a:lnRef idx="2">
+            <a:schemeClr val="accent1">
+              <a:shade val="50000"/>
+            </a:schemeClr>
+          </a:lnRef>
+          <a:fillRef idx="1">
+            <a:schemeClr val="accent1"/>
+          </a:fillRef>
+          <a:effectRef idx="0">
+            <a:schemeClr val="accent1"/>
+          </a:effectRef>
+          <a:fontRef idx="minor">
+            <a:schemeClr val="lt1"/>
+          </a:fontRef>
+        </p:style>
+        <p:txBody>
+          <a:bodyPr rtlCol="0" anchor="ctr"/>
+          <a:lstStyle/>
+          <a:p>
+            <a:pPr marL="0" marR="0" lvl="0" indent="0" algn="ctr" defTabSz="914400" rtl="0" eaLnBrk="1" fontAlgn="auto" latinLnBrk="0" hangingPunct="1">
+              <a:lnSpc>
+                <a:spcPct val="100000"/>
+              </a:lnSpc>
+              <a:spcBef>
+                <a:spcPts val="0"/>
+              </a:spcBef>
+              <a:spcAft>
+                <a:spcPts val="0"/>
+              </a:spcAft>
+              <a:buClrTx/>
+              <a:buSzTx/>
+              <a:buFontTx/>
+              <a:buNone/>
+              <a:tabLst/>
+              <a:defRPr/>
+            </a:pPr>
+            <a:endParaRPr kumimoji="0" lang="it-IT" sz="1800" b="0" i="0" u="none" strike="noStrike" kern="1200" cap="none" spc="0" normalizeH="0" baseline="0" noProof="0" dirty="0">
+              <a:ln>
+                <a:noFill/>
+              </a:ln>
+              <a:solidFill>
+                <a:prstClr val="white"/>
+              </a:solidFill>
+              <a:effectLst/>
+              <a:uLnTx/>
+              <a:uFillTx/>
+              <a:latin typeface="Calibri" panose="020F0502020204030204"/>
+              <a:ea typeface="+mn-ea"/>
+              <a:cs typeface="+mn-cs"/>
+            </a:endParaRPr>
+          </a:p>
+        </p:txBody>
+      </p:sp>
+      <p:sp>
+        <p:nvSpPr>
+          <p:cNvPr id="14" name="TextBox 13">
+            <a:extLst>
+              <a:ext uri="{FF2B5EF4-FFF2-40B4-BE49-F238E27FC236}">
+                <a16:creationId xmlns:a16="http://schemas.microsoft.com/office/drawing/2014/main" id="{6B27E6C3-CD4E-40AC-8583-BCE14E1FFF61}"/>
+              </a:ext>
+            </a:extLst>
+          </p:cNvPr>
+          <p:cNvSpPr txBox="1"/>
+          <p:nvPr/>
+        </p:nvSpPr>
+        <p:spPr>
+          <a:xfrm>
+            <a:off x="6096000" y="1333787"/>
+            <a:ext cx="6095997" cy="369332"/>
+          </a:xfrm>
+          <a:prstGeom prst="rect">
+            <a:avLst/>
+          </a:prstGeom>
+          <a:solidFill>
+            <a:schemeClr val="accent5">
+              <a:lumMod val="20000"/>
+              <a:lumOff val="80000"/>
+            </a:schemeClr>
+          </a:solidFill>
+          <a:ln w="38100">
+            <a:solidFill>
+              <a:schemeClr val="bg1"/>
+            </a:solidFill>
+          </a:ln>
+        </p:spPr>
+        <p:txBody>
+          <a:bodyPr wrap="square" rtlCol="0">
+            <a:spAutoFit/>
+          </a:bodyPr>
+          <a:lstStyle/>
+          <a:p>
+            <a:pPr marL="0" marR="0" lvl="0" indent="0" algn="l" defTabSz="914400" rtl="0" eaLnBrk="1" fontAlgn="auto" latinLnBrk="0" hangingPunct="1">
+              <a:lnSpc>
+                <a:spcPct val="100000"/>
+              </a:lnSpc>
+              <a:spcBef>
+                <a:spcPts val="0"/>
+              </a:spcBef>
+              <a:spcAft>
+                <a:spcPts val="0"/>
+              </a:spcAft>
+              <a:buClrTx/>
+              <a:buSzTx/>
+              <a:buFontTx/>
+              <a:buNone/>
+              <a:tabLst/>
+              <a:defRPr/>
+            </a:pPr>
+            <a:r>
+              <a:rPr kumimoji="0" lang="it-IT" sz="1800" b="0" i="0" u="none" strike="noStrike" kern="1200" cap="none" spc="0" normalizeH="0" baseline="0" noProof="0" dirty="0">
+                <a:ln>
+                  <a:noFill/>
+                </a:ln>
+                <a:solidFill>
+                  <a:prstClr val="black"/>
+                </a:solidFill>
+                <a:effectLst/>
+                <a:uLnTx/>
+                <a:uFillTx/>
+                <a:latin typeface="Calibri" panose="020F0502020204030204"/>
+                <a:ea typeface="+mn-ea"/>
+                <a:cs typeface="+mn-cs"/>
+              </a:rPr>
+              <a:t>Esempio di codice funzionale in D3JS:</a:t>
+            </a:r>
+          </a:p>
+        </p:txBody>
+      </p:sp>
+      <p:sp>
+        <p:nvSpPr>
+          <p:cNvPr id="16" name="TextBox 15">
+            <a:extLst>
+              <a:ext uri="{FF2B5EF4-FFF2-40B4-BE49-F238E27FC236}">
+                <a16:creationId xmlns:a16="http://schemas.microsoft.com/office/drawing/2014/main" id="{EC8EF103-7C24-41E5-90C9-42D1836C6A7C}"/>
+              </a:ext>
+            </a:extLst>
+          </p:cNvPr>
+          <p:cNvSpPr txBox="1"/>
+          <p:nvPr/>
+        </p:nvSpPr>
+        <p:spPr>
+          <a:xfrm>
+            <a:off x="6095997" y="1703119"/>
+            <a:ext cx="5896062" cy="830997"/>
+          </a:xfrm>
+          <a:prstGeom prst="rect">
+            <a:avLst/>
+          </a:prstGeom>
+          <a:noFill/>
+        </p:spPr>
+        <p:txBody>
+          <a:bodyPr wrap="square" rtlCol="0">
+            <a:spAutoFit/>
+          </a:bodyPr>
+          <a:lstStyle/>
+          <a:p>
+            <a:pPr marL="0" marR="0" lvl="0" indent="0" algn="l" defTabSz="914400" rtl="0" eaLnBrk="1" fontAlgn="auto" latinLnBrk="0" hangingPunct="1">
+              <a:lnSpc>
+                <a:spcPct val="100000"/>
+              </a:lnSpc>
+              <a:spcBef>
+                <a:spcPts val="0"/>
+              </a:spcBef>
+              <a:spcAft>
+                <a:spcPts val="0"/>
+              </a:spcAft>
+              <a:buClrTx/>
+              <a:buSzTx/>
+              <a:buFontTx/>
+              <a:buNone/>
+              <a:tabLst/>
+              <a:defRPr/>
+            </a:pPr>
+            <a:r>
+              <a:rPr kumimoji="0" lang="it-IT" sz="1200" b="0" i="0" u="none" strike="noStrike" kern="1200" cap="none" spc="0" normalizeH="0" baseline="0" noProof="0" dirty="0">
+                <a:ln>
+                  <a:noFill/>
+                </a:ln>
+                <a:solidFill>
+                  <a:prstClr val="black"/>
+                </a:solidFill>
+                <a:effectLst/>
+                <a:uLnTx/>
+                <a:uFillTx/>
+                <a:latin typeface="Consolas" panose="020B0609020204030204" pitchFamily="49" charset="0"/>
+                <a:ea typeface="+mn-ea"/>
+                <a:cs typeface="+mn-cs"/>
+              </a:rPr>
+              <a:t>nodeEnter</a:t>
+            </a:r>
+            <a:r>
+              <a:rPr kumimoji="0" lang="it-IT" sz="1200" b="0" i="0" u="none" strike="noStrike" kern="1200" cap="none" spc="0" normalizeH="0" baseline="0" noProof="0" dirty="0">
+                <a:ln>
+                  <a:noFill/>
+                </a:ln>
+                <a:solidFill>
+                  <a:srgbClr val="4472C4">
+                    <a:lumMod val="75000"/>
+                  </a:srgbClr>
+                </a:solidFill>
+                <a:effectLst/>
+                <a:uLnTx/>
+                <a:uFillTx/>
+                <a:latin typeface="Consolas" panose="020B0609020204030204" pitchFamily="49" charset="0"/>
+                <a:ea typeface="+mn-ea"/>
+                <a:cs typeface="+mn-cs"/>
+              </a:rPr>
+              <a:t>.append</a:t>
+            </a:r>
+            <a:r>
+              <a:rPr kumimoji="0" lang="it-IT" sz="1200" b="0" i="0" u="none" strike="noStrike" kern="1200" cap="none" spc="0" normalizeH="0" baseline="0" noProof="0" dirty="0">
+                <a:ln>
+                  <a:noFill/>
+                </a:ln>
+                <a:solidFill>
+                  <a:prstClr val="black"/>
+                </a:solidFill>
+                <a:effectLst/>
+                <a:uLnTx/>
+                <a:uFillTx/>
+                <a:latin typeface="Consolas" panose="020B0609020204030204" pitchFamily="49" charset="0"/>
+                <a:ea typeface="+mn-ea"/>
+                <a:cs typeface="+mn-cs"/>
+              </a:rPr>
+              <a:t>("text")</a:t>
+            </a:r>
+          </a:p>
+          <a:p>
+            <a:pPr marL="0" marR="0" lvl="0" indent="0" algn="l" defTabSz="914400" rtl="0" eaLnBrk="1" fontAlgn="auto" latinLnBrk="0" hangingPunct="1">
+              <a:lnSpc>
+                <a:spcPct val="100000"/>
+              </a:lnSpc>
+              <a:spcBef>
+                <a:spcPts val="0"/>
+              </a:spcBef>
+              <a:spcAft>
+                <a:spcPts val="0"/>
+              </a:spcAft>
+              <a:buClrTx/>
+              <a:buSzTx/>
+              <a:buFontTx/>
+              <a:buNone/>
+              <a:tabLst/>
+              <a:defRPr/>
+            </a:pPr>
+            <a:r>
+              <a:rPr kumimoji="0" lang="it-IT" sz="1200" b="0" i="0" u="none" strike="noStrike" kern="1200" cap="none" spc="0" normalizeH="0" baseline="0" noProof="0" dirty="0">
+                <a:ln>
+                  <a:noFill/>
+                </a:ln>
+                <a:solidFill>
+                  <a:prstClr val="black"/>
+                </a:solidFill>
+                <a:effectLst/>
+                <a:uLnTx/>
+                <a:uFillTx/>
+                <a:latin typeface="Consolas" panose="020B0609020204030204" pitchFamily="49" charset="0"/>
+                <a:ea typeface="+mn-ea"/>
+                <a:cs typeface="+mn-cs"/>
+              </a:rPr>
+              <a:t>	// […]</a:t>
+            </a:r>
+          </a:p>
+          <a:p>
+            <a:pPr marL="0" marR="0" lvl="0" indent="0" algn="l" defTabSz="914400" rtl="0" eaLnBrk="1" fontAlgn="auto" latinLnBrk="0" hangingPunct="1">
+              <a:lnSpc>
+                <a:spcPct val="100000"/>
+              </a:lnSpc>
+              <a:spcBef>
+                <a:spcPts val="0"/>
+              </a:spcBef>
+              <a:spcAft>
+                <a:spcPts val="0"/>
+              </a:spcAft>
+              <a:buClrTx/>
+              <a:buSzTx/>
+              <a:buFontTx/>
+              <a:buNone/>
+              <a:tabLst/>
+              <a:defRPr/>
+            </a:pPr>
+            <a:r>
+              <a:rPr kumimoji="0" lang="it-IT" sz="1200" b="0" i="0" u="none" strike="noStrike" kern="1200" cap="none" spc="0" normalizeH="0" baseline="0" noProof="0" dirty="0">
+                <a:ln>
+                  <a:noFill/>
+                </a:ln>
+                <a:solidFill>
+                  <a:prstClr val="black"/>
+                </a:solidFill>
+                <a:effectLst/>
+                <a:uLnTx/>
+                <a:uFillTx/>
+                <a:latin typeface="Consolas" panose="020B0609020204030204" pitchFamily="49" charset="0"/>
+                <a:ea typeface="+mn-ea"/>
+                <a:cs typeface="+mn-cs"/>
+              </a:rPr>
+              <a:t>	.attr("text-anchor", </a:t>
+            </a:r>
+            <a:r>
+              <a:rPr kumimoji="0" lang="it-IT" sz="1200" b="0" i="0" u="none" strike="noStrike" kern="1200" cap="none" spc="0" normalizeH="0" baseline="0" noProof="0" dirty="0">
+                <a:ln>
+                  <a:noFill/>
+                </a:ln>
+                <a:solidFill>
+                  <a:srgbClr val="ED7D31">
+                    <a:lumMod val="75000"/>
+                  </a:srgbClr>
+                </a:solidFill>
+                <a:effectLst/>
+                <a:uLnTx/>
+                <a:uFillTx/>
+                <a:latin typeface="Consolas" panose="020B0609020204030204" pitchFamily="49" charset="0"/>
+                <a:ea typeface="+mn-ea"/>
+                <a:cs typeface="+mn-cs"/>
+              </a:rPr>
+              <a:t>d </a:t>
+            </a:r>
+            <a:r>
+              <a:rPr kumimoji="0" lang="it-IT" sz="1200" b="0" i="0" u="none" strike="noStrike" kern="1200" cap="none" spc="0" normalizeH="0" baseline="0" noProof="0" dirty="0">
+                <a:ln>
+                  <a:noFill/>
+                </a:ln>
+                <a:solidFill>
+                  <a:srgbClr val="ED7D31">
+                    <a:lumMod val="75000"/>
+                  </a:srgbClr>
+                </a:solidFill>
+                <a:effectLst/>
+                <a:highlight>
+                  <a:srgbClr val="FFFF00"/>
+                </a:highlight>
+                <a:uLnTx/>
+                <a:uFillTx/>
+                <a:latin typeface="Consolas" panose="020B0609020204030204" pitchFamily="49" charset="0"/>
+                <a:ea typeface="+mn-ea"/>
+                <a:cs typeface="+mn-cs"/>
+              </a:rPr>
+              <a:t>=&gt;</a:t>
+            </a:r>
+            <a:r>
+              <a:rPr kumimoji="0" lang="it-IT" sz="1200" b="0" i="0" u="none" strike="noStrike" kern="1200" cap="none" spc="0" normalizeH="0" baseline="0" noProof="0" dirty="0">
+                <a:ln>
+                  <a:noFill/>
+                </a:ln>
+                <a:solidFill>
+                  <a:srgbClr val="ED7D31">
+                    <a:lumMod val="75000"/>
+                  </a:srgbClr>
+                </a:solidFill>
+                <a:effectLst/>
+                <a:uLnTx/>
+                <a:uFillTx/>
+                <a:latin typeface="Consolas" panose="020B0609020204030204" pitchFamily="49" charset="0"/>
+                <a:ea typeface="+mn-ea"/>
+                <a:cs typeface="+mn-cs"/>
+              </a:rPr>
+              <a:t> d._children ? "end" : "start"</a:t>
+            </a:r>
+            <a:r>
+              <a:rPr kumimoji="0" lang="it-IT" sz="1200" b="0" i="0" u="none" strike="noStrike" kern="1200" cap="none" spc="0" normalizeH="0" baseline="0" noProof="0" dirty="0">
+                <a:ln>
+                  <a:noFill/>
+                </a:ln>
+                <a:solidFill>
+                  <a:prstClr val="black"/>
+                </a:solidFill>
+                <a:effectLst/>
+                <a:uLnTx/>
+                <a:uFillTx/>
+                <a:latin typeface="Consolas" panose="020B0609020204030204" pitchFamily="49" charset="0"/>
+                <a:ea typeface="+mn-ea"/>
+                <a:cs typeface="+mn-cs"/>
+              </a:rPr>
+              <a:t>)</a:t>
+            </a:r>
+          </a:p>
+          <a:p>
+            <a:pPr marL="0" marR="0" lvl="0" indent="0" algn="l" defTabSz="914400" rtl="0" eaLnBrk="1" fontAlgn="auto" latinLnBrk="0" hangingPunct="1">
+              <a:lnSpc>
+                <a:spcPct val="100000"/>
+              </a:lnSpc>
+              <a:spcBef>
+                <a:spcPts val="0"/>
+              </a:spcBef>
+              <a:spcAft>
+                <a:spcPts val="0"/>
+              </a:spcAft>
+              <a:buClrTx/>
+              <a:buSzTx/>
+              <a:buFontTx/>
+              <a:buNone/>
+              <a:tabLst/>
+              <a:defRPr/>
+            </a:pPr>
+            <a:r>
+              <a:rPr kumimoji="0" lang="it-IT" sz="1200" b="0" i="0" u="none" strike="noStrike" kern="1200" cap="none" spc="0" normalizeH="0" baseline="0" noProof="0" dirty="0">
+                <a:ln>
+                  <a:noFill/>
+                </a:ln>
+                <a:solidFill>
+                  <a:prstClr val="black"/>
+                </a:solidFill>
+                <a:effectLst/>
+                <a:uLnTx/>
+                <a:uFillTx/>
+                <a:latin typeface="Consolas" panose="020B0609020204030204" pitchFamily="49" charset="0"/>
+                <a:ea typeface="+mn-ea"/>
+                <a:cs typeface="+mn-cs"/>
+              </a:rPr>
+              <a:t>	.attr("fill", </a:t>
+            </a:r>
+            <a:r>
+              <a:rPr kumimoji="0" lang="it-IT" sz="1200" b="0" i="0" u="none" strike="noStrike" kern="1200" cap="none" spc="0" normalizeH="0" baseline="0" noProof="0" dirty="0">
+                <a:ln>
+                  <a:noFill/>
+                </a:ln>
+                <a:solidFill>
+                  <a:srgbClr val="70AD47">
+                    <a:lumMod val="75000"/>
+                  </a:srgbClr>
+                </a:solidFill>
+                <a:effectLst/>
+                <a:uLnTx/>
+                <a:uFillTx/>
+                <a:latin typeface="Consolas" panose="020B0609020204030204" pitchFamily="49" charset="0"/>
+                <a:ea typeface="+mn-ea"/>
+                <a:cs typeface="+mn-cs"/>
+              </a:rPr>
+              <a:t>(d </a:t>
+            </a:r>
+            <a:r>
+              <a:rPr kumimoji="0" lang="it-IT" sz="1200" b="0" i="0" u="none" strike="noStrike" kern="1200" cap="none" spc="0" normalizeH="0" baseline="0" noProof="0" dirty="0">
+                <a:ln>
+                  <a:noFill/>
+                </a:ln>
+                <a:solidFill>
+                  <a:srgbClr val="70AD47">
+                    <a:lumMod val="75000"/>
+                  </a:srgbClr>
+                </a:solidFill>
+                <a:effectLst/>
+                <a:highlight>
+                  <a:srgbClr val="FFFF00"/>
+                </a:highlight>
+                <a:uLnTx/>
+                <a:uFillTx/>
+                <a:latin typeface="Consolas" panose="020B0609020204030204" pitchFamily="49" charset="0"/>
+                <a:ea typeface="+mn-ea"/>
+                <a:cs typeface="+mn-cs"/>
+              </a:rPr>
+              <a:t>=&gt;</a:t>
+            </a:r>
+            <a:r>
+              <a:rPr kumimoji="0" lang="it-IT" sz="1200" b="0" i="0" u="none" strike="noStrike" kern="1200" cap="none" spc="0" normalizeH="0" baseline="0" noProof="0" dirty="0">
+                <a:ln>
+                  <a:noFill/>
+                </a:ln>
+                <a:solidFill>
+                  <a:srgbClr val="70AD47">
+                    <a:lumMod val="75000"/>
+                  </a:srgbClr>
+                </a:solidFill>
+                <a:effectLst/>
+                <a:uLnTx/>
+                <a:uFillTx/>
+                <a:latin typeface="Consolas" panose="020B0609020204030204" pitchFamily="49" charset="0"/>
+                <a:ea typeface="+mn-ea"/>
+                <a:cs typeface="+mn-cs"/>
+              </a:rPr>
+              <a:t> color(d.data.name))</a:t>
+            </a:r>
+            <a:r>
+              <a:rPr kumimoji="0" lang="it-IT" sz="1200" b="0" i="0" u="none" strike="noStrike" kern="1200" cap="none" spc="0" normalizeH="0" baseline="0" noProof="0" dirty="0">
+                <a:ln>
+                  <a:noFill/>
+                </a:ln>
+                <a:solidFill>
+                  <a:prstClr val="black"/>
+                </a:solidFill>
+                <a:effectLst/>
+                <a:uLnTx/>
+                <a:uFillTx/>
+                <a:latin typeface="Consolas" panose="020B0609020204030204" pitchFamily="49" charset="0"/>
+                <a:ea typeface="+mn-ea"/>
+                <a:cs typeface="+mn-cs"/>
+              </a:rPr>
+              <a:t>)</a:t>
+            </a:r>
+          </a:p>
+        </p:txBody>
+      </p:sp>
+      <p:sp>
+        <p:nvSpPr>
+          <p:cNvPr id="30" name="Freeform: Shape 29">
+            <a:extLst>
+              <a:ext uri="{FF2B5EF4-FFF2-40B4-BE49-F238E27FC236}">
+                <a16:creationId xmlns:a16="http://schemas.microsoft.com/office/drawing/2014/main" id="{B2ADC935-5C07-4C5E-A605-65DAD31750A3}"/>
+              </a:ext>
+            </a:extLst>
+          </p:cNvPr>
+          <p:cNvSpPr/>
+          <p:nvPr/>
+        </p:nvSpPr>
+        <p:spPr>
+          <a:xfrm>
+            <a:off x="6242806" y="1918806"/>
+            <a:ext cx="713726" cy="914400"/>
+          </a:xfrm>
+          <a:custGeom>
+            <a:avLst/>
+            <a:gdLst>
+              <a:gd name="connsiteX0" fmla="*/ 588558 w 588558"/>
+              <a:gd name="connsiteY0" fmla="*/ 0 h 914400"/>
+              <a:gd name="connsiteX1" fmla="*/ 51663 w 588558"/>
+              <a:gd name="connsiteY1" fmla="*/ 385894 h 914400"/>
+              <a:gd name="connsiteX2" fmla="*/ 51663 w 588558"/>
+              <a:gd name="connsiteY2" fmla="*/ 914400 h 914400"/>
+            </a:gdLst>
+            <a:ahLst/>
+            <a:cxnLst>
+              <a:cxn ang="0">
+                <a:pos x="connsiteX0" y="connsiteY0"/>
+              </a:cxn>
+              <a:cxn ang="0">
+                <a:pos x="connsiteX1" y="connsiteY1"/>
+              </a:cxn>
+              <a:cxn ang="0">
+                <a:pos x="connsiteX2" y="connsiteY2"/>
+              </a:cxn>
+            </a:cxnLst>
+            <a:rect l="l" t="t" r="r" b="b"/>
+            <a:pathLst>
+              <a:path w="588558" h="914400">
+                <a:moveTo>
+                  <a:pt x="588558" y="0"/>
+                </a:moveTo>
+                <a:cubicBezTo>
+                  <a:pt x="364851" y="116747"/>
+                  <a:pt x="141145" y="233494"/>
+                  <a:pt x="51663" y="385894"/>
+                </a:cubicBezTo>
+                <a:cubicBezTo>
+                  <a:pt x="-37820" y="538294"/>
+                  <a:pt x="6921" y="726347"/>
+                  <a:pt x="51663" y="914400"/>
+                </a:cubicBezTo>
+              </a:path>
+            </a:pathLst>
+          </a:custGeom>
+          <a:ln w="12700" cap="flat" cmpd="sng" algn="ctr">
+            <a:solidFill>
+              <a:schemeClr val="accent1"/>
+            </a:solidFill>
+            <a:prstDash val="solid"/>
+            <a:round/>
+            <a:headEnd type="none" w="med" len="med"/>
+            <a:tailEnd type="arrow" w="med" len="med"/>
+          </a:ln>
+        </p:spPr>
+        <p:style>
+          <a:lnRef idx="0">
+            <a:scrgbClr r="0" g="0" b="0"/>
+          </a:lnRef>
+          <a:fillRef idx="0">
+            <a:scrgbClr r="0" g="0" b="0"/>
+          </a:fillRef>
+          <a:effectRef idx="0">
+            <a:scrgbClr r="0" g="0" b="0"/>
+          </a:effectRef>
+          <a:fontRef idx="minor">
+            <a:schemeClr val="tx1"/>
+          </a:fontRef>
+        </p:style>
+        <p:txBody>
+          <a:bodyPr rtlCol="0" anchor="ctr"/>
+          <a:lstStyle/>
+          <a:p>
+            <a:pPr marL="0" marR="0" lvl="0" indent="0" algn="ctr" defTabSz="914400" rtl="0" eaLnBrk="1" fontAlgn="auto" latinLnBrk="0" hangingPunct="1">
+              <a:lnSpc>
+                <a:spcPct val="100000"/>
+              </a:lnSpc>
+              <a:spcBef>
+                <a:spcPts val="0"/>
+              </a:spcBef>
+              <a:spcAft>
+                <a:spcPts val="0"/>
+              </a:spcAft>
+              <a:buClrTx/>
+              <a:buSzTx/>
+              <a:buFontTx/>
+              <a:buNone/>
+              <a:tabLst/>
+              <a:defRPr/>
+            </a:pPr>
+            <a:endParaRPr kumimoji="0" lang="it-IT" sz="1800" b="0" i="0" u="none" strike="noStrike" kern="1200" cap="none" spc="0" normalizeH="0" baseline="0" noProof="0">
+              <a:ln>
+                <a:noFill/>
+              </a:ln>
+              <a:solidFill>
+                <a:srgbClr val="4472C4">
+                  <a:lumMod val="75000"/>
+                </a:srgbClr>
+              </a:solidFill>
+              <a:effectLst/>
+              <a:uLnTx/>
+              <a:uFillTx/>
+              <a:latin typeface="Calibri" panose="020F0502020204030204"/>
+              <a:ea typeface="+mn-ea"/>
+              <a:cs typeface="+mn-cs"/>
+            </a:endParaRPr>
+          </a:p>
+        </p:txBody>
+      </p:sp>
+      <p:sp>
+        <p:nvSpPr>
+          <p:cNvPr id="32" name="TextBox 31">
+            <a:extLst>
+              <a:ext uri="{FF2B5EF4-FFF2-40B4-BE49-F238E27FC236}">
+                <a16:creationId xmlns:a16="http://schemas.microsoft.com/office/drawing/2014/main" id="{FCC5EC22-848D-4E04-9699-51A730A55330}"/>
+              </a:ext>
+            </a:extLst>
+          </p:cNvPr>
+          <p:cNvSpPr txBox="1"/>
+          <p:nvPr/>
+        </p:nvSpPr>
+        <p:spPr>
+          <a:xfrm>
+            <a:off x="6148420" y="2833206"/>
+            <a:ext cx="3470248" cy="338554"/>
+          </a:xfrm>
+          <a:prstGeom prst="rect">
+            <a:avLst/>
+          </a:prstGeom>
+          <a:noFill/>
+          <a:ln w="3175">
+            <a:solidFill>
+              <a:schemeClr val="accent1">
+                <a:lumMod val="75000"/>
+              </a:schemeClr>
+            </a:solidFill>
+          </a:ln>
+        </p:spPr>
+        <p:txBody>
+          <a:bodyPr wrap="square" rtlCol="0">
+            <a:spAutoFit/>
+          </a:bodyPr>
+          <a:lstStyle/>
+          <a:p>
+            <a:pPr marL="0" marR="0" lvl="0" indent="0" algn="l" defTabSz="914400" rtl="0" eaLnBrk="1" fontAlgn="auto" latinLnBrk="0" hangingPunct="1">
+              <a:lnSpc>
+                <a:spcPct val="100000"/>
+              </a:lnSpc>
+              <a:spcBef>
+                <a:spcPts val="0"/>
+              </a:spcBef>
+              <a:spcAft>
+                <a:spcPts val="0"/>
+              </a:spcAft>
+              <a:buClrTx/>
+              <a:buSzTx/>
+              <a:buFontTx/>
+              <a:buNone/>
+              <a:tabLst/>
+              <a:defRPr/>
+            </a:pPr>
+            <a:r>
+              <a:rPr kumimoji="0" lang="it-IT" sz="1600" b="0" i="0" u="none" strike="noStrike" kern="1200" cap="none" spc="0" normalizeH="0" baseline="0" noProof="0" dirty="0">
+                <a:ln>
+                  <a:noFill/>
+                </a:ln>
+                <a:solidFill>
+                  <a:prstClr val="black"/>
+                </a:solidFill>
+                <a:effectLst/>
+                <a:uLnTx/>
+                <a:uFillTx/>
+                <a:latin typeface="Calibri" panose="020F0502020204030204"/>
+                <a:ea typeface="+mn-ea"/>
+                <a:cs typeface="+mn-cs"/>
+              </a:rPr>
+              <a:t>Funzionalità D3JS (aggiunta elementi)</a:t>
+            </a:r>
+          </a:p>
+        </p:txBody>
+      </p:sp>
+      <p:sp>
+        <p:nvSpPr>
+          <p:cNvPr id="33" name="TextBox 32">
+            <a:extLst>
+              <a:ext uri="{FF2B5EF4-FFF2-40B4-BE49-F238E27FC236}">
+                <a16:creationId xmlns:a16="http://schemas.microsoft.com/office/drawing/2014/main" id="{56EB238C-82AB-4189-905E-8C8BDCD6A22A}"/>
+              </a:ext>
+            </a:extLst>
+          </p:cNvPr>
+          <p:cNvSpPr txBox="1"/>
+          <p:nvPr/>
+        </p:nvSpPr>
+        <p:spPr>
+          <a:xfrm>
+            <a:off x="6148420" y="3895994"/>
+            <a:ext cx="1914794" cy="338554"/>
+          </a:xfrm>
+          <a:prstGeom prst="rect">
+            <a:avLst/>
+          </a:prstGeom>
+          <a:noFill/>
+          <a:ln w="3175">
+            <a:solidFill>
+              <a:schemeClr val="accent2">
+                <a:lumMod val="75000"/>
+              </a:schemeClr>
+            </a:solidFill>
+          </a:ln>
+        </p:spPr>
+        <p:txBody>
+          <a:bodyPr wrap="square" rtlCol="0">
+            <a:spAutoFit/>
+          </a:bodyPr>
+          <a:lstStyle/>
+          <a:p>
+            <a:pPr marL="0" marR="0" lvl="0" indent="0" algn="l" defTabSz="914400" rtl="0" eaLnBrk="1" fontAlgn="auto" latinLnBrk="0" hangingPunct="1">
+              <a:lnSpc>
+                <a:spcPct val="100000"/>
+              </a:lnSpc>
+              <a:spcBef>
+                <a:spcPts val="0"/>
+              </a:spcBef>
+              <a:spcAft>
+                <a:spcPts val="0"/>
+              </a:spcAft>
+              <a:buClrTx/>
+              <a:buSzTx/>
+              <a:buFontTx/>
+              <a:buNone/>
+              <a:tabLst/>
+              <a:defRPr/>
+            </a:pPr>
+            <a:r>
+              <a:rPr kumimoji="0" lang="it-IT" sz="1600" b="0" i="0" u="none" strike="noStrike" kern="1200" cap="none" spc="0" normalizeH="0" baseline="0" noProof="0" dirty="0">
+                <a:ln>
+                  <a:noFill/>
+                </a:ln>
+                <a:solidFill>
+                  <a:prstClr val="black"/>
+                </a:solidFill>
+                <a:effectLst/>
+                <a:uLnTx/>
+                <a:uFillTx/>
+                <a:latin typeface="Calibri" panose="020F0502020204030204"/>
+                <a:ea typeface="+mn-ea"/>
+                <a:cs typeface="+mn-cs"/>
+              </a:rPr>
+              <a:t>Funzione anonima</a:t>
+            </a:r>
+          </a:p>
+        </p:txBody>
+      </p:sp>
+      <p:sp>
+        <p:nvSpPr>
+          <p:cNvPr id="34" name="TextBox 33">
+            <a:extLst>
+              <a:ext uri="{FF2B5EF4-FFF2-40B4-BE49-F238E27FC236}">
+                <a16:creationId xmlns:a16="http://schemas.microsoft.com/office/drawing/2014/main" id="{0970D6CC-9A8B-4A56-9847-7E0EB15AA594}"/>
+              </a:ext>
+            </a:extLst>
+          </p:cNvPr>
+          <p:cNvSpPr txBox="1"/>
+          <p:nvPr/>
+        </p:nvSpPr>
+        <p:spPr>
+          <a:xfrm>
+            <a:off x="6148420" y="3370535"/>
+            <a:ext cx="2475461" cy="338554"/>
+          </a:xfrm>
+          <a:prstGeom prst="rect">
+            <a:avLst/>
+          </a:prstGeom>
+          <a:noFill/>
+          <a:ln w="3175">
+            <a:solidFill>
+              <a:schemeClr val="accent6">
+                <a:lumMod val="75000"/>
+              </a:schemeClr>
+            </a:solidFill>
+          </a:ln>
+        </p:spPr>
+        <p:txBody>
+          <a:bodyPr wrap="square" rtlCol="0">
+            <a:spAutoFit/>
+          </a:bodyPr>
+          <a:lstStyle/>
+          <a:p>
+            <a:pPr marL="0" marR="0" lvl="0" indent="0" algn="l" defTabSz="914400" rtl="0" eaLnBrk="1" fontAlgn="auto" latinLnBrk="0" hangingPunct="1">
+              <a:lnSpc>
+                <a:spcPct val="100000"/>
+              </a:lnSpc>
+              <a:spcBef>
+                <a:spcPts val="0"/>
+              </a:spcBef>
+              <a:spcAft>
+                <a:spcPts val="0"/>
+              </a:spcAft>
+              <a:buClrTx/>
+              <a:buSzTx/>
+              <a:buFontTx/>
+              <a:buNone/>
+              <a:tabLst/>
+              <a:defRPr/>
+            </a:pPr>
+            <a:r>
+              <a:rPr kumimoji="0" lang="it-IT" sz="1600" b="0" i="0" u="none" strike="noStrike" kern="1200" cap="none" spc="0" normalizeH="0" baseline="0" noProof="0" dirty="0">
+                <a:ln>
+                  <a:noFill/>
+                </a:ln>
+                <a:solidFill>
+                  <a:prstClr val="black"/>
+                </a:solidFill>
+                <a:effectLst/>
+                <a:uLnTx/>
+                <a:uFillTx/>
+                <a:latin typeface="Calibri" panose="020F0502020204030204"/>
+                <a:ea typeface="+mn-ea"/>
+                <a:cs typeface="+mn-cs"/>
+              </a:rPr>
+              <a:t>Funzione come argomento</a:t>
+            </a:r>
+          </a:p>
+        </p:txBody>
+      </p:sp>
+      <p:sp>
+        <p:nvSpPr>
+          <p:cNvPr id="37" name="Freeform: Shape 36">
+            <a:extLst>
+              <a:ext uri="{FF2B5EF4-FFF2-40B4-BE49-F238E27FC236}">
+                <a16:creationId xmlns:a16="http://schemas.microsoft.com/office/drawing/2014/main" id="{CC0452EF-D5A4-4D61-8878-DEA90C7F62F9}"/>
+              </a:ext>
+            </a:extLst>
+          </p:cNvPr>
+          <p:cNvSpPr/>
+          <p:nvPr/>
+        </p:nvSpPr>
+        <p:spPr>
+          <a:xfrm>
+            <a:off x="8623881" y="2488140"/>
+            <a:ext cx="1646712" cy="1075211"/>
+          </a:xfrm>
+          <a:custGeom>
+            <a:avLst/>
+            <a:gdLst>
+              <a:gd name="connsiteX0" fmla="*/ 1493241 w 1636927"/>
+              <a:gd name="connsiteY0" fmla="*/ 0 h 1040235"/>
+              <a:gd name="connsiteX1" fmla="*/ 1493241 w 1636927"/>
+              <a:gd name="connsiteY1" fmla="*/ 645952 h 1040235"/>
+              <a:gd name="connsiteX2" fmla="*/ 0 w 1636927"/>
+              <a:gd name="connsiteY2" fmla="*/ 1040235 h 1040235"/>
+            </a:gdLst>
+            <a:ahLst/>
+            <a:cxnLst>
+              <a:cxn ang="0">
+                <a:pos x="connsiteX0" y="connsiteY0"/>
+              </a:cxn>
+              <a:cxn ang="0">
+                <a:pos x="connsiteX1" y="connsiteY1"/>
+              </a:cxn>
+              <a:cxn ang="0">
+                <a:pos x="connsiteX2" y="connsiteY2"/>
+              </a:cxn>
+            </a:cxnLst>
+            <a:rect l="l" t="t" r="r" b="b"/>
+            <a:pathLst>
+              <a:path w="1636927" h="1040235">
+                <a:moveTo>
+                  <a:pt x="1493241" y="0"/>
+                </a:moveTo>
+                <a:cubicBezTo>
+                  <a:pt x="1617677" y="236290"/>
+                  <a:pt x="1742114" y="472580"/>
+                  <a:pt x="1493241" y="645952"/>
+                </a:cubicBezTo>
+                <a:cubicBezTo>
+                  <a:pt x="1244368" y="819324"/>
+                  <a:pt x="321578" y="936771"/>
+                  <a:pt x="0" y="1040235"/>
+                </a:cubicBezTo>
+              </a:path>
+            </a:pathLst>
+          </a:custGeom>
+          <a:ln w="12700" cap="flat" cmpd="sng" algn="ctr">
+            <a:solidFill>
+              <a:schemeClr val="accent6">
+                <a:lumMod val="75000"/>
+              </a:schemeClr>
+            </a:solidFill>
+            <a:prstDash val="solid"/>
+            <a:round/>
+            <a:headEnd type="none" w="med" len="med"/>
+            <a:tailEnd type="arrow" w="med" len="med"/>
+          </a:ln>
+        </p:spPr>
+        <p:style>
+          <a:lnRef idx="0">
+            <a:scrgbClr r="0" g="0" b="0"/>
+          </a:lnRef>
+          <a:fillRef idx="0">
+            <a:scrgbClr r="0" g="0" b="0"/>
+          </a:fillRef>
+          <a:effectRef idx="0">
+            <a:scrgbClr r="0" g="0" b="0"/>
+          </a:effectRef>
+          <a:fontRef idx="minor">
+            <a:schemeClr val="tx1"/>
+          </a:fontRef>
+        </p:style>
+        <p:txBody>
+          <a:bodyPr rtlCol="0" anchor="ctr"/>
+          <a:lstStyle/>
+          <a:p>
+            <a:pPr marL="0" marR="0" lvl="0" indent="0" algn="ctr" defTabSz="914400" rtl="0" eaLnBrk="1" fontAlgn="auto" latinLnBrk="0" hangingPunct="1">
+              <a:lnSpc>
+                <a:spcPct val="100000"/>
+              </a:lnSpc>
+              <a:spcBef>
+                <a:spcPts val="0"/>
+              </a:spcBef>
+              <a:spcAft>
+                <a:spcPts val="0"/>
+              </a:spcAft>
+              <a:buClrTx/>
+              <a:buSzTx/>
+              <a:buFontTx/>
+              <a:buNone/>
+              <a:tabLst/>
+              <a:defRPr/>
+            </a:pPr>
+            <a:endParaRPr kumimoji="0" lang="it-IT" sz="1800" b="0" i="0" u="none" strike="noStrike" kern="1200" cap="none" spc="0" normalizeH="0" baseline="0" noProof="0">
+              <a:ln>
+                <a:noFill/>
+              </a:ln>
+              <a:solidFill>
+                <a:prstClr val="black"/>
+              </a:solidFill>
+              <a:effectLst/>
+              <a:uLnTx/>
+              <a:uFillTx/>
+              <a:latin typeface="Calibri" panose="020F0502020204030204"/>
+              <a:ea typeface="+mn-ea"/>
+              <a:cs typeface="+mn-cs"/>
+            </a:endParaRPr>
+          </a:p>
+        </p:txBody>
+      </p:sp>
+      <p:sp>
+        <p:nvSpPr>
+          <p:cNvPr id="41" name="Freeform: Shape 40">
+            <a:extLst>
+              <a:ext uri="{FF2B5EF4-FFF2-40B4-BE49-F238E27FC236}">
+                <a16:creationId xmlns:a16="http://schemas.microsoft.com/office/drawing/2014/main" id="{4C18B383-1AE0-438C-80A8-9FB5666245FE}"/>
+              </a:ext>
+            </a:extLst>
+          </p:cNvPr>
+          <p:cNvSpPr/>
+          <p:nvPr/>
+        </p:nvSpPr>
+        <p:spPr>
+          <a:xfrm>
+            <a:off x="8063215" y="2320361"/>
+            <a:ext cx="3401001" cy="1744910"/>
+          </a:xfrm>
+          <a:custGeom>
+            <a:avLst/>
+            <a:gdLst>
+              <a:gd name="connsiteX0" fmla="*/ 3338818 w 3401001"/>
+              <a:gd name="connsiteY0" fmla="*/ 0 h 1744910"/>
+              <a:gd name="connsiteX1" fmla="*/ 2952925 w 3401001"/>
+              <a:gd name="connsiteY1" fmla="*/ 1098958 h 1744910"/>
+              <a:gd name="connsiteX2" fmla="*/ 0 w 3401001"/>
+              <a:gd name="connsiteY2" fmla="*/ 1744910 h 1744910"/>
+            </a:gdLst>
+            <a:ahLst/>
+            <a:cxnLst>
+              <a:cxn ang="0">
+                <a:pos x="connsiteX0" y="connsiteY0"/>
+              </a:cxn>
+              <a:cxn ang="0">
+                <a:pos x="connsiteX1" y="connsiteY1"/>
+              </a:cxn>
+              <a:cxn ang="0">
+                <a:pos x="connsiteX2" y="connsiteY2"/>
+              </a:cxn>
+            </a:cxnLst>
+            <a:rect l="l" t="t" r="r" b="b"/>
+            <a:pathLst>
+              <a:path w="3401001" h="1744910">
+                <a:moveTo>
+                  <a:pt x="3338818" y="0"/>
+                </a:moveTo>
+                <a:cubicBezTo>
+                  <a:pt x="3424106" y="404070"/>
+                  <a:pt x="3509395" y="808140"/>
+                  <a:pt x="2952925" y="1098958"/>
+                </a:cubicBezTo>
+                <a:cubicBezTo>
+                  <a:pt x="2396455" y="1389776"/>
+                  <a:pt x="1198227" y="1567343"/>
+                  <a:pt x="0" y="1744910"/>
+                </a:cubicBezTo>
+              </a:path>
+            </a:pathLst>
+          </a:custGeom>
+          <a:ln w="12700" cap="flat" cmpd="sng" algn="ctr">
+            <a:solidFill>
+              <a:schemeClr val="accent2">
+                <a:lumMod val="75000"/>
+              </a:schemeClr>
+            </a:solidFill>
+            <a:prstDash val="solid"/>
+            <a:round/>
+            <a:headEnd type="none" w="med" len="med"/>
+            <a:tailEnd type="arrow" w="med" len="med"/>
+          </a:ln>
+        </p:spPr>
+        <p:style>
+          <a:lnRef idx="0">
+            <a:scrgbClr r="0" g="0" b="0"/>
+          </a:lnRef>
+          <a:fillRef idx="0">
+            <a:scrgbClr r="0" g="0" b="0"/>
+          </a:fillRef>
+          <a:effectRef idx="0">
+            <a:scrgbClr r="0" g="0" b="0"/>
+          </a:effectRef>
+          <a:fontRef idx="minor">
+            <a:schemeClr val="tx1"/>
+          </a:fontRef>
+        </p:style>
+        <p:txBody>
+          <a:bodyPr rtlCol="0" anchor="ctr"/>
+          <a:lstStyle/>
+          <a:p>
+            <a:pPr marL="0" marR="0" lvl="0" indent="0" algn="ctr" defTabSz="914400" rtl="0" eaLnBrk="1" fontAlgn="auto" latinLnBrk="0" hangingPunct="1">
+              <a:lnSpc>
+                <a:spcPct val="100000"/>
+              </a:lnSpc>
+              <a:spcBef>
+                <a:spcPts val="0"/>
+              </a:spcBef>
+              <a:spcAft>
+                <a:spcPts val="0"/>
+              </a:spcAft>
+              <a:buClrTx/>
+              <a:buSzTx/>
+              <a:buFontTx/>
+              <a:buNone/>
+              <a:tabLst/>
+              <a:defRPr/>
+            </a:pPr>
+            <a:endParaRPr kumimoji="0" lang="it-IT" sz="1800" b="0" i="0" u="none" strike="noStrike" kern="1200" cap="none" spc="0" normalizeH="0" baseline="0" noProof="0">
+              <a:ln>
+                <a:noFill/>
+              </a:ln>
+              <a:solidFill>
+                <a:prstClr val="black"/>
+              </a:solidFill>
+              <a:effectLst/>
+              <a:uLnTx/>
+              <a:uFillTx/>
+              <a:latin typeface="Calibri" panose="020F0502020204030204"/>
+              <a:ea typeface="+mn-ea"/>
+              <a:cs typeface="+mn-cs"/>
+            </a:endParaRPr>
+          </a:p>
+        </p:txBody>
+      </p:sp>
+      <p:cxnSp>
+        <p:nvCxnSpPr>
+          <p:cNvPr id="21" name="Straight Connector 20">
+            <a:extLst>
+              <a:ext uri="{FF2B5EF4-FFF2-40B4-BE49-F238E27FC236}">
+                <a16:creationId xmlns:a16="http://schemas.microsoft.com/office/drawing/2014/main" id="{846BFF3D-2CDA-48DC-ABDA-15473F528DA0}"/>
+              </a:ext>
+            </a:extLst>
+          </p:cNvPr>
+          <p:cNvCxnSpPr>
+            <a:cxnSpLocks/>
+          </p:cNvCxnSpPr>
+          <p:nvPr/>
+        </p:nvCxnSpPr>
+        <p:spPr>
+          <a:xfrm>
+            <a:off x="1580099" y="789052"/>
+            <a:ext cx="9023755" cy="0"/>
+          </a:xfrm>
+          <a:prstGeom prst="line">
+            <a:avLst/>
+          </a:prstGeom>
+          <a:ln w="38100" cap="sq" cmpd="thickThin">
+            <a:solidFill>
+              <a:schemeClr val="accent2"/>
+            </a:solidFill>
+            <a:prstDash val="solid"/>
+            <a:miter lim="800000"/>
+          </a:ln>
+        </p:spPr>
+        <p:style>
+          <a:lnRef idx="3">
+            <a:schemeClr val="accent2"/>
+          </a:lnRef>
+          <a:fillRef idx="0">
+            <a:schemeClr val="accent2"/>
+          </a:fillRef>
+          <a:effectRef idx="2">
+            <a:schemeClr val="accent2"/>
+          </a:effectRef>
+          <a:fontRef idx="minor">
+            <a:schemeClr val="tx1"/>
+          </a:fontRef>
+        </p:style>
+      </p:cxnSp>
+    </p:spTree>
+    <p:extLst>
+      <p:ext uri="{BB962C8B-B14F-4D97-AF65-F5344CB8AC3E}">
+        <p14:creationId xmlns:p14="http://schemas.microsoft.com/office/powerpoint/2010/main" val="2198262502"/>
+      </p:ext>
+    </p:extLst>
+  </p:cSld>
+  <p:clrMapOvr>
+    <a:masterClrMapping/>
+  </p:clrMapOvr>
+</p:sld>
+</file>
+
+<file path=ppt/slides/slide9.xml><?xml version="1.0" encoding="utf-8"?>
+<p:sld xmlns:a="http://schemas.openxmlformats.org/drawingml/2006/main" xmlns:r="http://schemas.openxmlformats.org/officeDocument/2006/relationships" xmlns:p="http://schemas.openxmlformats.org/presentationml/2006/main">
+  <p:cSld>
     <p:bg>
       <p:bgPr>
         <a:solidFill>
@@ -18331,522 +23788,6 @@
     <p:extLst>
       <p:ext uri="{BB962C8B-B14F-4D97-AF65-F5344CB8AC3E}">
         <p14:creationId xmlns:p14="http://schemas.microsoft.com/office/powerpoint/2010/main" val="4244193549"/>
-      </p:ext>
-    </p:extLst>
-  </p:cSld>
-  <p:clrMapOvr>
-    <a:masterClrMapping/>
-  </p:clrMapOvr>
-</p:sld>
-</file>
-
-<file path=ppt/slides/slide9.xml><?xml version="1.0" encoding="utf-8"?>
-<p:sld xmlns:a="http://schemas.openxmlformats.org/drawingml/2006/main" xmlns:r="http://schemas.openxmlformats.org/officeDocument/2006/relationships" xmlns:p="http://schemas.openxmlformats.org/presentationml/2006/main">
-  <p:cSld>
-    <p:bg>
-      <p:bgPr>
-        <a:solidFill>
-          <a:schemeClr val="bg1"/>
-        </a:solidFill>
-        <a:effectLst/>
-      </p:bgPr>
-    </p:bg>
-    <p:spTree>
-      <p:nvGrpSpPr>
-        <p:cNvPr id="1" name=""/>
-        <p:cNvGrpSpPr/>
-        <p:nvPr/>
-      </p:nvGrpSpPr>
-      <p:grpSpPr>
-        <a:xfrm>
-          <a:off x="0" y="0"/>
-          <a:ext cx="0" cy="0"/>
-          <a:chOff x="0" y="0"/>
-          <a:chExt cx="0" cy="0"/>
-        </a:xfrm>
-      </p:grpSpPr>
-      <p:sp useBgFill="1">
-        <p:nvSpPr>
-          <p:cNvPr id="63" name="Rectangle 52">
-            <a:extLst>
-              <a:ext uri="{FF2B5EF4-FFF2-40B4-BE49-F238E27FC236}">
-                <a16:creationId xmlns:a16="http://schemas.microsoft.com/office/drawing/2014/main" id="{B1A4CC90-E81A-4B03-8C94-6821E5FDE5CC}"/>
-              </a:ext>
-              <a:ext uri="{C183D7F6-B498-43B3-948B-1728B52AA6E4}">
-                <adec:decorative xmlns:adec="http://schemas.microsoft.com/office/drawing/2017/decorative" val="1"/>
-              </a:ext>
-            </a:extLst>
-          </p:cNvPr>
-          <p:cNvSpPr>
-            <a:spLocks noGrp="1" noRot="1" noChangeAspect="1" noMove="1" noResize="1" noEditPoints="1" noAdjustHandles="1" noChangeArrowheads="1" noChangeShapeType="1" noTextEdit="1"/>
-          </p:cNvSpPr>
-          <p:nvPr>
-            <p:extLst>
-              <p:ext uri="{386F3935-93C4-4BCD-93E2-E3B085C9AB24}">
-                <p16:designElem xmlns:p16="http://schemas.microsoft.com/office/powerpoint/2015/main" val="1"/>
-              </p:ext>
-            </p:extLst>
-          </p:nvPr>
-        </p:nvSpPr>
-        <p:spPr>
-          <a:xfrm>
-            <a:off x="0" y="0"/>
-            <a:ext cx="12188952" cy="6858000"/>
-          </a:xfrm>
-          <a:prstGeom prst="rect">
-            <a:avLst/>
-          </a:prstGeom>
-          <a:ln>
-            <a:noFill/>
-          </a:ln>
-        </p:spPr>
-        <p:style>
-          <a:lnRef idx="2">
-            <a:schemeClr val="accent1">
-              <a:shade val="50000"/>
-            </a:schemeClr>
-          </a:lnRef>
-          <a:fillRef idx="1">
-            <a:schemeClr val="accent1"/>
-          </a:fillRef>
-          <a:effectRef idx="0">
-            <a:schemeClr val="accent1"/>
-          </a:effectRef>
-          <a:fontRef idx="minor">
-            <a:schemeClr val="lt1"/>
-          </a:fontRef>
-        </p:style>
-        <p:txBody>
-          <a:bodyPr rtlCol="0" anchor="ctr"/>
-          <a:lstStyle/>
-          <a:p>
-            <a:pPr algn="ctr"/>
-            <a:endParaRPr lang="en-US"/>
-          </a:p>
-        </p:txBody>
-      </p:sp>
-      <p:pic>
-        <p:nvPicPr>
-          <p:cNvPr id="48" name="Picture 47">
-            <a:extLst>
-              <a:ext uri="{FF2B5EF4-FFF2-40B4-BE49-F238E27FC236}">
-                <a16:creationId xmlns:a16="http://schemas.microsoft.com/office/drawing/2014/main" id="{32A2C1C8-5A60-48F9-8DD0-7FD2C8CC6036}"/>
-              </a:ext>
-            </a:extLst>
-          </p:cNvPr>
-          <p:cNvPicPr>
-            <a:picLocks noChangeAspect="1"/>
-          </p:cNvPicPr>
-          <p:nvPr/>
-        </p:nvPicPr>
-        <p:blipFill rotWithShape="1">
-          <a:blip r:embed="rId2"/>
-          <a:srcRect t="2976" r="-1" b="3271"/>
-          <a:stretch/>
-        </p:blipFill>
-        <p:spPr>
-          <a:xfrm>
-            <a:off x="20" y="10"/>
-            <a:ext cx="12191980" cy="6857990"/>
-          </a:xfrm>
-          <a:prstGeom prst="rect">
-            <a:avLst/>
-          </a:prstGeom>
-        </p:spPr>
-      </p:pic>
-      <p:sp>
-        <p:nvSpPr>
-          <p:cNvPr id="64" name="Freeform 6">
-            <a:extLst>
-              <a:ext uri="{FF2B5EF4-FFF2-40B4-BE49-F238E27FC236}">
-                <a16:creationId xmlns:a16="http://schemas.microsoft.com/office/drawing/2014/main" id="{38CD23D4-26BA-4E59-A55A-81578AFAAF46}"/>
-              </a:ext>
-              <a:ext uri="{C183D7F6-B498-43B3-948B-1728B52AA6E4}">
-                <adec:decorative xmlns:adec="http://schemas.microsoft.com/office/drawing/2017/decorative" val="1"/>
-              </a:ext>
-            </a:extLst>
-          </p:cNvPr>
-          <p:cNvSpPr>
-            <a:spLocks noGrp="1" noRot="1" noChangeAspect="1" noMove="1" noResize="1" noEditPoints="1" noAdjustHandles="1" noChangeArrowheads="1" noChangeShapeType="1" noTextEdit="1"/>
-          </p:cNvSpPr>
-          <p:nvPr>
-            <p:extLst>
-              <p:ext uri="{386F3935-93C4-4BCD-93E2-E3B085C9AB24}">
-                <p16:designElem xmlns:p16="http://schemas.microsoft.com/office/powerpoint/2015/main" val="1"/>
-              </p:ext>
-            </p:extLst>
-          </p:nvPr>
-        </p:nvSpPr>
-        <p:spPr bwMode="auto">
-          <a:xfrm flipH="1">
-            <a:off x="521144" y="911116"/>
-            <a:ext cx="687754" cy="5710965"/>
-          </a:xfrm>
-          <a:custGeom>
-            <a:avLst/>
-            <a:gdLst>
-              <a:gd name="T0" fmla="*/ 414 w 414"/>
-              <a:gd name="T1" fmla="*/ 2447 h 2447"/>
-              <a:gd name="T2" fmla="*/ 0 w 414"/>
-              <a:gd name="T3" fmla="*/ 2247 h 2447"/>
-              <a:gd name="T4" fmla="*/ 0 w 414"/>
-              <a:gd name="T5" fmla="*/ 0 h 2447"/>
-              <a:gd name="T6" fmla="*/ 414 w 414"/>
-              <a:gd name="T7" fmla="*/ 200 h 2447"/>
-              <a:gd name="T8" fmla="*/ 414 w 414"/>
-              <a:gd name="T9" fmla="*/ 2447 h 2447"/>
-            </a:gdLst>
-            <a:ahLst/>
-            <a:cxnLst>
-              <a:cxn ang="0">
-                <a:pos x="T0" y="T1"/>
-              </a:cxn>
-              <a:cxn ang="0">
-                <a:pos x="T2" y="T3"/>
-              </a:cxn>
-              <a:cxn ang="0">
-                <a:pos x="T4" y="T5"/>
-              </a:cxn>
-              <a:cxn ang="0">
-                <a:pos x="T6" y="T7"/>
-              </a:cxn>
-              <a:cxn ang="0">
-                <a:pos x="T8" y="T9"/>
-              </a:cxn>
-            </a:cxnLst>
-            <a:rect l="0" t="0" r="r" b="b"/>
-            <a:pathLst>
-              <a:path w="414" h="2447">
-                <a:moveTo>
-                  <a:pt x="414" y="2447"/>
-                </a:moveTo>
-                <a:lnTo>
-                  <a:pt x="0" y="2247"/>
-                </a:lnTo>
-                <a:lnTo>
-                  <a:pt x="0" y="0"/>
-                </a:lnTo>
-                <a:lnTo>
-                  <a:pt x="414" y="200"/>
-                </a:lnTo>
-                <a:lnTo>
-                  <a:pt x="414" y="2447"/>
-                </a:lnTo>
-                <a:close/>
-              </a:path>
-            </a:pathLst>
-          </a:custGeom>
-          <a:solidFill>
-            <a:schemeClr val="accent1">
-              <a:lumMod val="75000"/>
-            </a:schemeClr>
-          </a:solidFill>
-          <a:ln>
-            <a:noFill/>
-          </a:ln>
-        </p:spPr>
-        <p:txBody>
-          <a:bodyPr vert="horz" wrap="square" lIns="91440" tIns="45720" rIns="91440" bIns="45720" numCol="1" anchor="t" anchorCtr="0" compatLnSpc="1">
-            <a:prstTxWarp prst="textNoShape">
-              <a:avLst/>
-            </a:prstTxWarp>
-          </a:bodyPr>
-          <a:lstStyle/>
-          <a:p>
-            <a:endParaRPr lang="en-US"/>
-          </a:p>
-        </p:txBody>
-      </p:sp>
-      <p:sp>
-        <p:nvSpPr>
-          <p:cNvPr id="65" name="Rectangle 8">
-            <a:extLst>
-              <a:ext uri="{FF2B5EF4-FFF2-40B4-BE49-F238E27FC236}">
-                <a16:creationId xmlns:a16="http://schemas.microsoft.com/office/drawing/2014/main" id="{6F059731-63E0-422B-B3AA-680FC080EF8A}"/>
-              </a:ext>
-              <a:ext uri="{C183D7F6-B498-43B3-948B-1728B52AA6E4}">
-                <adec:decorative xmlns:adec="http://schemas.microsoft.com/office/drawing/2017/decorative" val="1"/>
-              </a:ext>
-            </a:extLst>
-          </p:cNvPr>
-          <p:cNvSpPr>
-            <a:spLocks noGrp="1" noRot="1" noChangeAspect="1" noMove="1" noResize="1" noEditPoints="1" noAdjustHandles="1" noChangeArrowheads="1" noChangeShapeType="1" noTextEdit="1"/>
-          </p:cNvSpPr>
-          <p:nvPr>
-            <p:extLst>
-              <p:ext uri="{386F3935-93C4-4BCD-93E2-E3B085C9AB24}">
-                <p16:designElem xmlns:p16="http://schemas.microsoft.com/office/powerpoint/2015/main" val="1"/>
-              </p:ext>
-            </p:extLst>
-          </p:nvPr>
-        </p:nvSpPr>
-        <p:spPr bwMode="auto">
-          <a:xfrm flipH="1">
-            <a:off x="0" y="1370435"/>
-            <a:ext cx="527226" cy="5251646"/>
-          </a:xfrm>
-          <a:prstGeom prst="rect">
-            <a:avLst/>
-          </a:prstGeom>
-          <a:solidFill>
-            <a:schemeClr val="accent1"/>
-          </a:solidFill>
-          <a:ln>
-            <a:noFill/>
-          </a:ln>
-        </p:spPr>
-        <p:txBody>
-          <a:bodyPr vert="horz" wrap="square" lIns="91440" tIns="45720" rIns="91440" bIns="45720" numCol="1" anchor="t" anchorCtr="0" compatLnSpc="1">
-            <a:prstTxWarp prst="textNoShape">
-              <a:avLst/>
-            </a:prstTxWarp>
-          </a:bodyPr>
-          <a:lstStyle/>
-          <a:p>
-            <a:endParaRPr lang="en-US"/>
-          </a:p>
-        </p:txBody>
-      </p:sp>
-      <p:sp>
-        <p:nvSpPr>
-          <p:cNvPr id="66" name="Freeform 7">
-            <a:extLst>
-              <a:ext uri="{FF2B5EF4-FFF2-40B4-BE49-F238E27FC236}">
-                <a16:creationId xmlns:a16="http://schemas.microsoft.com/office/drawing/2014/main" id="{D1A706C7-360D-4E89-98E4-289C5332F2C8}"/>
-              </a:ext>
-              <a:ext uri="{C183D7F6-B498-43B3-948B-1728B52AA6E4}">
-                <adec:decorative xmlns:adec="http://schemas.microsoft.com/office/drawing/2017/decorative" val="1"/>
-              </a:ext>
-            </a:extLst>
-          </p:cNvPr>
-          <p:cNvSpPr>
-            <a:spLocks noGrp="1" noRot="1" noChangeAspect="1" noMove="1" noResize="1" noEditPoints="1" noAdjustHandles="1" noChangeArrowheads="1" noChangeShapeType="1" noTextEdit="1"/>
-          </p:cNvSpPr>
-          <p:nvPr>
-            <p:extLst>
-              <p:ext uri="{386F3935-93C4-4BCD-93E2-E3B085C9AB24}">
-                <p16:designElem xmlns:p16="http://schemas.microsoft.com/office/powerpoint/2015/main" val="1"/>
-              </p:ext>
-            </p:extLst>
-          </p:nvPr>
-        </p:nvSpPr>
-        <p:spPr bwMode="auto">
-          <a:xfrm flipH="1">
-            <a:off x="800164" y="643467"/>
-            <a:ext cx="409371" cy="5521414"/>
-          </a:xfrm>
-          <a:custGeom>
-            <a:avLst/>
-            <a:gdLst>
-              <a:gd name="T0" fmla="*/ 209 w 209"/>
-              <a:gd name="T1" fmla="*/ 2246 h 2358"/>
-              <a:gd name="T2" fmla="*/ 0 w 209"/>
-              <a:gd name="T3" fmla="*/ 2358 h 2358"/>
-              <a:gd name="T4" fmla="*/ 0 w 209"/>
-              <a:gd name="T5" fmla="*/ 111 h 2358"/>
-              <a:gd name="T6" fmla="*/ 209 w 209"/>
-              <a:gd name="T7" fmla="*/ 0 h 2358"/>
-              <a:gd name="T8" fmla="*/ 209 w 209"/>
-              <a:gd name="T9" fmla="*/ 2246 h 2358"/>
-            </a:gdLst>
-            <a:ahLst/>
-            <a:cxnLst>
-              <a:cxn ang="0">
-                <a:pos x="T0" y="T1"/>
-              </a:cxn>
-              <a:cxn ang="0">
-                <a:pos x="T2" y="T3"/>
-              </a:cxn>
-              <a:cxn ang="0">
-                <a:pos x="T4" y="T5"/>
-              </a:cxn>
-              <a:cxn ang="0">
-                <a:pos x="T6" y="T7"/>
-              </a:cxn>
-              <a:cxn ang="0">
-                <a:pos x="T8" y="T9"/>
-              </a:cxn>
-            </a:cxnLst>
-            <a:rect l="0" t="0" r="r" b="b"/>
-            <a:pathLst>
-              <a:path w="209" h="2358">
-                <a:moveTo>
-                  <a:pt x="209" y="2246"/>
-                </a:moveTo>
-                <a:lnTo>
-                  <a:pt x="0" y="2358"/>
-                </a:lnTo>
-                <a:lnTo>
-                  <a:pt x="0" y="111"/>
-                </a:lnTo>
-                <a:lnTo>
-                  <a:pt x="209" y="0"/>
-                </a:lnTo>
-                <a:lnTo>
-                  <a:pt x="209" y="2246"/>
-                </a:lnTo>
-                <a:close/>
-              </a:path>
-            </a:pathLst>
-          </a:custGeom>
-          <a:solidFill>
-            <a:schemeClr val="accent1">
-              <a:lumMod val="50000"/>
-            </a:schemeClr>
-          </a:solidFill>
-          <a:ln>
-            <a:noFill/>
-          </a:ln>
-        </p:spPr>
-        <p:txBody>
-          <a:bodyPr vert="horz" wrap="square" lIns="91440" tIns="45720" rIns="91440" bIns="45720" numCol="1" anchor="t" anchorCtr="0" compatLnSpc="1">
-            <a:prstTxWarp prst="textNoShape">
-              <a:avLst/>
-            </a:prstTxWarp>
-          </a:bodyPr>
-          <a:lstStyle/>
-          <a:p>
-            <a:endParaRPr lang="en-US"/>
-          </a:p>
-        </p:txBody>
-      </p:sp>
-      <p:sp>
-        <p:nvSpPr>
-          <p:cNvPr id="67" name="Rectangle 8">
-            <a:extLst>
-              <a:ext uri="{FF2B5EF4-FFF2-40B4-BE49-F238E27FC236}">
-                <a16:creationId xmlns:a16="http://schemas.microsoft.com/office/drawing/2014/main" id="{6BA198B2-A78E-4D9C-A9E4-B0ED42B2E8B7}"/>
-              </a:ext>
-              <a:ext uri="{C183D7F6-B498-43B3-948B-1728B52AA6E4}">
-                <adec:decorative xmlns:adec="http://schemas.microsoft.com/office/drawing/2017/decorative" val="1"/>
-              </a:ext>
-            </a:extLst>
-          </p:cNvPr>
-          <p:cNvSpPr>
-            <a:spLocks noGrp="1" noRot="1" noChangeAspect="1" noMove="1" noResize="1" noEditPoints="1" noAdjustHandles="1" noChangeArrowheads="1" noChangeShapeType="1" noTextEdit="1"/>
-          </p:cNvSpPr>
-          <p:nvPr>
-            <p:extLst>
-              <p:ext uri="{386F3935-93C4-4BCD-93E2-E3B085C9AB24}">
-                <p16:designElem xmlns:p16="http://schemas.microsoft.com/office/powerpoint/2015/main" val="1"/>
-              </p:ext>
-            </p:extLst>
-          </p:nvPr>
-        </p:nvSpPr>
-        <p:spPr bwMode="auto">
-          <a:xfrm>
-            <a:off x="795529" y="644382"/>
-            <a:ext cx="3856024" cy="5251646"/>
-          </a:xfrm>
-          <a:prstGeom prst="rect">
-            <a:avLst/>
-          </a:prstGeom>
-          <a:solidFill>
-            <a:schemeClr val="accent1"/>
-          </a:solidFill>
-          <a:ln>
-            <a:noFill/>
-          </a:ln>
-        </p:spPr>
-        <p:txBody>
-          <a:bodyPr vert="horz" wrap="square" lIns="91440" tIns="45720" rIns="91440" bIns="45720" numCol="1" anchor="t" anchorCtr="0" compatLnSpc="1">
-            <a:prstTxWarp prst="textNoShape">
-              <a:avLst/>
-            </a:prstTxWarp>
-          </a:bodyPr>
-          <a:lstStyle/>
-          <a:p>
-            <a:endParaRPr lang="en-US"/>
-          </a:p>
-        </p:txBody>
-      </p:sp>
-      <p:sp>
-        <p:nvSpPr>
-          <p:cNvPr id="13" name="CasellaDiTesto 12">
-            <a:extLst>
-              <a:ext uri="{FF2B5EF4-FFF2-40B4-BE49-F238E27FC236}">
-                <a16:creationId xmlns:a16="http://schemas.microsoft.com/office/drawing/2014/main" id="{DC841165-FADD-4392-B287-1D0DA2F05ABB}"/>
-              </a:ext>
-            </a:extLst>
-          </p:cNvPr>
-          <p:cNvSpPr txBox="1"/>
-          <p:nvPr/>
-        </p:nvSpPr>
-        <p:spPr>
-          <a:xfrm>
-            <a:off x="1146879" y="998002"/>
-            <a:ext cx="3182940" cy="1471959"/>
-          </a:xfrm>
-          <a:prstGeom prst="rect">
-            <a:avLst/>
-          </a:prstGeom>
-        </p:spPr>
-        <p:txBody>
-          <a:bodyPr vert="horz" lIns="91440" tIns="45720" rIns="91440" bIns="45720" rtlCol="0" anchor="ctr">
-            <a:normAutofit/>
-          </a:bodyPr>
-          <a:lstStyle/>
-          <a:p>
-            <a:pPr>
-              <a:lnSpc>
-                <a:spcPct val="90000"/>
-              </a:lnSpc>
-              <a:spcBef>
-                <a:spcPct val="0"/>
-              </a:spcBef>
-              <a:spcAft>
-                <a:spcPts val="600"/>
-              </a:spcAft>
-            </a:pPr>
-            <a:r>
-              <a:rPr lang="en-US" sz="3300">
-                <a:solidFill>
-                  <a:srgbClr val="FFFFFF"/>
-                </a:solidFill>
-                <a:latin typeface="+mj-lt"/>
-                <a:ea typeface="+mj-ea"/>
-                <a:cs typeface="+mj-cs"/>
-              </a:rPr>
-              <a:t>Progetto di visualizzazione Scientifica</a:t>
-            </a:r>
-          </a:p>
-        </p:txBody>
-      </p:sp>
-      <p:graphicFrame>
-        <p:nvGraphicFramePr>
-          <p:cNvPr id="41" name="Segnaposto contenuto 2">
-            <a:extLst>
-              <a:ext uri="{FF2B5EF4-FFF2-40B4-BE49-F238E27FC236}">
-                <a16:creationId xmlns:a16="http://schemas.microsoft.com/office/drawing/2014/main" id="{78EFAD43-5130-42B8-BA51-F4184DF4C4A6}"/>
-              </a:ext>
-            </a:extLst>
-          </p:cNvPr>
-          <p:cNvGraphicFramePr>
-            <a:graphicFrameLocks noGrp="1"/>
-          </p:cNvGraphicFramePr>
-          <p:nvPr>
-            <p:ph idx="1"/>
-            <p:extLst>
-              <p:ext uri="{D42A27DB-BD31-4B8C-83A1-F6EECF244321}">
-                <p14:modId xmlns:p14="http://schemas.microsoft.com/office/powerpoint/2010/main" val="3470051983"/>
-              </p:ext>
-            </p:extLst>
-          </p:nvPr>
-        </p:nvGraphicFramePr>
-        <p:xfrm>
-          <a:off x="1139635" y="2546161"/>
-          <a:ext cx="3200451" cy="2985929"/>
-        </p:xfrm>
-        <a:graphic>
-          <a:graphicData uri="http://schemas.openxmlformats.org/drawingml/2006/diagram">
-            <dgm:relIds xmlns:dgm="http://schemas.openxmlformats.org/drawingml/2006/diagram" xmlns:r="http://schemas.openxmlformats.org/officeDocument/2006/relationships" r:dm="rId3" r:lo="rId4" r:qs="rId5" r:cs="rId6"/>
-          </a:graphicData>
-        </a:graphic>
-      </p:graphicFrame>
-    </p:spTree>
-    <p:extLst>
-      <p:ext uri="{BB962C8B-B14F-4D97-AF65-F5344CB8AC3E}">
-        <p14:creationId xmlns:p14="http://schemas.microsoft.com/office/powerpoint/2010/main" val="1750642642"/>
       </p:ext>
     </p:extLst>
   </p:cSld>
@@ -19152,6 +24093,301 @@
 </file>
 
 <file path=ppt/theme/theme2.xml><?xml version="1.0" encoding="utf-8"?>
+<a:theme xmlns:a="http://schemas.openxmlformats.org/drawingml/2006/main" name="Office Theme">
+  <a:themeElements>
+    <a:clrScheme name="Office">
+      <a:dk1>
+        <a:sysClr val="windowText" lastClr="000000"/>
+      </a:dk1>
+      <a:lt1>
+        <a:sysClr val="window" lastClr="FFFFFF"/>
+      </a:lt1>
+      <a:dk2>
+        <a:srgbClr val="44546A"/>
+      </a:dk2>
+      <a:lt2>
+        <a:srgbClr val="E7E6E6"/>
+      </a:lt2>
+      <a:accent1>
+        <a:srgbClr val="4472C4"/>
+      </a:accent1>
+      <a:accent2>
+        <a:srgbClr val="ED7D31"/>
+      </a:accent2>
+      <a:accent3>
+        <a:srgbClr val="A5A5A5"/>
+      </a:accent3>
+      <a:accent4>
+        <a:srgbClr val="FFC000"/>
+      </a:accent4>
+      <a:accent5>
+        <a:srgbClr val="5B9BD5"/>
+      </a:accent5>
+      <a:accent6>
+        <a:srgbClr val="70AD47"/>
+      </a:accent6>
+      <a:hlink>
+        <a:srgbClr val="0563C1"/>
+      </a:hlink>
+      <a:folHlink>
+        <a:srgbClr val="954F72"/>
+      </a:folHlink>
+    </a:clrScheme>
+    <a:fontScheme name="Office">
+      <a:majorFont>
+        <a:latin typeface="Calibri Light" panose="020F0302020204030204"/>
+        <a:ea typeface=""/>
+        <a:cs typeface=""/>
+        <a:font script="Jpan" typeface="游ゴシック Light"/>
+        <a:font script="Hang" typeface="맑은 고딕"/>
+        <a:font script="Hans" typeface="等线 Light"/>
+        <a:font script="Hant" typeface="新細明體"/>
+        <a:font script="Arab" typeface="Times New Roman"/>
+        <a:font script="Hebr" typeface="Times New Roman"/>
+        <a:font script="Thai" typeface="Angsana New"/>
+        <a:font script="Ethi" typeface="Nyala"/>
+        <a:font script="Beng" typeface="Vrinda"/>
+        <a:font script="Gujr" typeface="Shruti"/>
+        <a:font script="Khmr" typeface="MoolBoran"/>
+        <a:font script="Knda" typeface="Tunga"/>
+        <a:font script="Guru" typeface="Raavi"/>
+        <a:font script="Cans" typeface="Euphemia"/>
+        <a:font script="Cher" typeface="Plantagenet Cherokee"/>
+        <a:font script="Yiii" typeface="Microsoft Yi Baiti"/>
+        <a:font script="Tibt" typeface="Microsoft Himalaya"/>
+        <a:font script="Thaa" typeface="MV Boli"/>
+        <a:font script="Deva" typeface="Mangal"/>
+        <a:font script="Telu" typeface="Gautami"/>
+        <a:font script="Taml" typeface="Latha"/>
+        <a:font script="Syrc" typeface="Estrangelo Edessa"/>
+        <a:font script="Orya" typeface="Kalinga"/>
+        <a:font script="Mlym" typeface="Kartika"/>
+        <a:font script="Laoo" typeface="DokChampa"/>
+        <a:font script="Sinh" typeface="Iskoola Pota"/>
+        <a:font script="Mong" typeface="Mongolian Baiti"/>
+        <a:font script="Viet" typeface="Times New Roman"/>
+        <a:font script="Uigh" typeface="Microsoft Uighur"/>
+        <a:font script="Geor" typeface="Sylfaen"/>
+        <a:font script="Armn" typeface="Arial"/>
+        <a:font script="Bugi" typeface="Leelawadee UI"/>
+        <a:font script="Bopo" typeface="Microsoft JhengHei"/>
+        <a:font script="Java" typeface="Javanese Text"/>
+        <a:font script="Lisu" typeface="Segoe UI"/>
+        <a:font script="Mymr" typeface="Myanmar Text"/>
+        <a:font script="Nkoo" typeface="Ebrima"/>
+        <a:font script="Olck" typeface="Nirmala UI"/>
+        <a:font script="Osma" typeface="Ebrima"/>
+        <a:font script="Phag" typeface="Phagspa"/>
+        <a:font script="Syrn" typeface="Estrangelo Edessa"/>
+        <a:font script="Syrj" typeface="Estrangelo Edessa"/>
+        <a:font script="Syre" typeface="Estrangelo Edessa"/>
+        <a:font script="Sora" typeface="Nirmala UI"/>
+        <a:font script="Tale" typeface="Microsoft Tai Le"/>
+        <a:font script="Talu" typeface="Microsoft New Tai Lue"/>
+        <a:font script="Tfng" typeface="Ebrima"/>
+      </a:majorFont>
+      <a:minorFont>
+        <a:latin typeface="Calibri" panose="020F0502020204030204"/>
+        <a:ea typeface=""/>
+        <a:cs typeface=""/>
+        <a:font script="Jpan" typeface="游ゴシック"/>
+        <a:font script="Hang" typeface="맑은 고딕"/>
+        <a:font script="Hans" typeface="等线"/>
+        <a:font script="Hant" typeface="新細明體"/>
+        <a:font script="Arab" typeface="Arial"/>
+        <a:font script="Hebr" typeface="Arial"/>
+        <a:font script="Thai" typeface="Cordia New"/>
+        <a:font script="Ethi" typeface="Nyala"/>
+        <a:font script="Beng" typeface="Vrinda"/>
+        <a:font script="Gujr" typeface="Shruti"/>
+        <a:font script="Khmr" typeface="DaunPenh"/>
+        <a:font script="Knda" typeface="Tunga"/>
+        <a:font script="Guru" typeface="Raavi"/>
+        <a:font script="Cans" typeface="Euphemia"/>
+        <a:font script="Cher" typeface="Plantagenet Cherokee"/>
+        <a:font script="Yiii" typeface="Microsoft Yi Baiti"/>
+        <a:font script="Tibt" typeface="Microsoft Himalaya"/>
+        <a:font script="Thaa" typeface="MV Boli"/>
+        <a:font script="Deva" typeface="Mangal"/>
+        <a:font script="Telu" typeface="Gautami"/>
+        <a:font script="Taml" typeface="Latha"/>
+        <a:font script="Syrc" typeface="Estrangelo Edessa"/>
+        <a:font script="Orya" typeface="Kalinga"/>
+        <a:font script="Mlym" typeface="Kartika"/>
+        <a:font script="Laoo" typeface="DokChampa"/>
+        <a:font script="Sinh" typeface="Iskoola Pota"/>
+        <a:font script="Mong" typeface="Mongolian Baiti"/>
+        <a:font script="Viet" typeface="Arial"/>
+        <a:font script="Uigh" typeface="Microsoft Uighur"/>
+        <a:font script="Geor" typeface="Sylfaen"/>
+        <a:font script="Armn" typeface="Arial"/>
+        <a:font script="Bugi" typeface="Leelawadee UI"/>
+        <a:font script="Bopo" typeface="Microsoft JhengHei"/>
+        <a:font script="Java" typeface="Javanese Text"/>
+        <a:font script="Lisu" typeface="Segoe UI"/>
+        <a:font script="Mymr" typeface="Myanmar Text"/>
+        <a:font script="Nkoo" typeface="Ebrima"/>
+        <a:font script="Olck" typeface="Nirmala UI"/>
+        <a:font script="Osma" typeface="Ebrima"/>
+        <a:font script="Phag" typeface="Phagspa"/>
+        <a:font script="Syrn" typeface="Estrangelo Edessa"/>
+        <a:font script="Syrj" typeface="Estrangelo Edessa"/>
+        <a:font script="Syre" typeface="Estrangelo Edessa"/>
+        <a:font script="Sora" typeface="Nirmala UI"/>
+        <a:font script="Tale" typeface="Microsoft Tai Le"/>
+        <a:font script="Talu" typeface="Microsoft New Tai Lue"/>
+        <a:font script="Tfng" typeface="Ebrima"/>
+      </a:minorFont>
+    </a:fontScheme>
+    <a:fmtScheme name="Office">
+      <a:fillStyleLst>
+        <a:solidFill>
+          <a:schemeClr val="phClr"/>
+        </a:solidFill>
+        <a:gradFill rotWithShape="1">
+          <a:gsLst>
+            <a:gs pos="0">
+              <a:schemeClr val="phClr">
+                <a:lumMod val="110000"/>
+                <a:satMod val="105000"/>
+                <a:tint val="67000"/>
+              </a:schemeClr>
+            </a:gs>
+            <a:gs pos="50000">
+              <a:schemeClr val="phClr">
+                <a:lumMod val="105000"/>
+                <a:satMod val="103000"/>
+                <a:tint val="73000"/>
+              </a:schemeClr>
+            </a:gs>
+            <a:gs pos="100000">
+              <a:schemeClr val="phClr">
+                <a:lumMod val="105000"/>
+                <a:satMod val="109000"/>
+                <a:tint val="81000"/>
+              </a:schemeClr>
+            </a:gs>
+          </a:gsLst>
+          <a:lin ang="5400000" scaled="0"/>
+        </a:gradFill>
+        <a:gradFill rotWithShape="1">
+          <a:gsLst>
+            <a:gs pos="0">
+              <a:schemeClr val="phClr">
+                <a:satMod val="103000"/>
+                <a:lumMod val="102000"/>
+                <a:tint val="94000"/>
+              </a:schemeClr>
+            </a:gs>
+            <a:gs pos="50000">
+              <a:schemeClr val="phClr">
+                <a:satMod val="110000"/>
+                <a:lumMod val="100000"/>
+                <a:shade val="100000"/>
+              </a:schemeClr>
+            </a:gs>
+            <a:gs pos="100000">
+              <a:schemeClr val="phClr">
+                <a:lumMod val="99000"/>
+                <a:satMod val="120000"/>
+                <a:shade val="78000"/>
+              </a:schemeClr>
+            </a:gs>
+          </a:gsLst>
+          <a:lin ang="5400000" scaled="0"/>
+        </a:gradFill>
+      </a:fillStyleLst>
+      <a:lnStyleLst>
+        <a:ln w="6350" cap="flat" cmpd="sng" algn="ctr">
+          <a:solidFill>
+            <a:schemeClr val="phClr"/>
+          </a:solidFill>
+          <a:prstDash val="solid"/>
+          <a:miter lim="800000"/>
+        </a:ln>
+        <a:ln w="12700" cap="flat" cmpd="sng" algn="ctr">
+          <a:solidFill>
+            <a:schemeClr val="phClr"/>
+          </a:solidFill>
+          <a:prstDash val="solid"/>
+          <a:miter lim="800000"/>
+        </a:ln>
+        <a:ln w="19050" cap="flat" cmpd="sng" algn="ctr">
+          <a:solidFill>
+            <a:schemeClr val="phClr"/>
+          </a:solidFill>
+          <a:prstDash val="solid"/>
+          <a:miter lim="800000"/>
+        </a:ln>
+      </a:lnStyleLst>
+      <a:effectStyleLst>
+        <a:effectStyle>
+          <a:effectLst/>
+        </a:effectStyle>
+        <a:effectStyle>
+          <a:effectLst/>
+        </a:effectStyle>
+        <a:effectStyle>
+          <a:effectLst>
+            <a:outerShdw blurRad="57150" dist="19050" dir="5400000" algn="ctr" rotWithShape="0">
+              <a:srgbClr val="000000">
+                <a:alpha val="63000"/>
+              </a:srgbClr>
+            </a:outerShdw>
+          </a:effectLst>
+        </a:effectStyle>
+      </a:effectStyleLst>
+      <a:bgFillStyleLst>
+        <a:solidFill>
+          <a:schemeClr val="phClr"/>
+        </a:solidFill>
+        <a:solidFill>
+          <a:schemeClr val="phClr">
+            <a:tint val="95000"/>
+            <a:satMod val="170000"/>
+          </a:schemeClr>
+        </a:solidFill>
+        <a:gradFill rotWithShape="1">
+          <a:gsLst>
+            <a:gs pos="0">
+              <a:schemeClr val="phClr">
+                <a:tint val="93000"/>
+                <a:satMod val="150000"/>
+                <a:shade val="98000"/>
+                <a:lumMod val="102000"/>
+              </a:schemeClr>
+            </a:gs>
+            <a:gs pos="50000">
+              <a:schemeClr val="phClr">
+                <a:tint val="98000"/>
+                <a:satMod val="130000"/>
+                <a:shade val="90000"/>
+                <a:lumMod val="103000"/>
+              </a:schemeClr>
+            </a:gs>
+            <a:gs pos="100000">
+              <a:schemeClr val="phClr">
+                <a:shade val="63000"/>
+                <a:satMod val="120000"/>
+              </a:schemeClr>
+            </a:gs>
+          </a:gsLst>
+          <a:lin ang="5400000" scaled="0"/>
+        </a:gradFill>
+      </a:bgFillStyleLst>
+    </a:fmtScheme>
+  </a:themeElements>
+  <a:objectDefaults/>
+  <a:extraClrSchemeLst/>
+  <a:extLst>
+    <a:ext uri="{05A4C25C-085E-4340-85A3-A5531E510DB2}">
+      <thm15:themeFamily xmlns:thm15="http://schemas.microsoft.com/office/thememl/2012/main" name="Office Theme" id="{62F939B6-93AF-4DB8-9C6B-D6C7DFDC589F}" vid="{4A3C46E8-61CC-4603-A589-7422A47A8E4A}"/>
+    </a:ext>
+  </a:extLst>
+</a:theme>
+</file>
+
+<file path=ppt/theme/theme3.xml><?xml version="1.0" encoding="utf-8"?>
 <a:theme xmlns:a="http://schemas.openxmlformats.org/drawingml/2006/main" name="Tema di Office">
   <a:themeElements>
     <a:clrScheme name="Office">
